--- a/EE7 Instruments 1.pptx
+++ b/EE7 Instruments 1.pptx
@@ -5,43 +5,42 @@
     <p:sldMasterId id="2147483648" r:id="rId1"/>
   </p:sldMasterIdLst>
   <p:notesMasterIdLst>
-    <p:notesMasterId r:id="rId36"/>
+    <p:notesMasterId r:id="rId35"/>
   </p:notesMasterIdLst>
   <p:sldIdLst>
     <p:sldId id="257" r:id="rId2"/>
     <p:sldId id="278" r:id="rId3"/>
-    <p:sldId id="258" r:id="rId4"/>
-    <p:sldId id="279" r:id="rId5"/>
-    <p:sldId id="291" r:id="rId6"/>
-    <p:sldId id="259" r:id="rId7"/>
-    <p:sldId id="260" r:id="rId8"/>
-    <p:sldId id="262" r:id="rId9"/>
-    <p:sldId id="280" r:id="rId10"/>
-    <p:sldId id="282" r:id="rId11"/>
-    <p:sldId id="283" r:id="rId12"/>
-    <p:sldId id="284" r:id="rId13"/>
-    <p:sldId id="285" r:id="rId14"/>
-    <p:sldId id="267" r:id="rId15"/>
-    <p:sldId id="294" r:id="rId16"/>
-    <p:sldId id="296" r:id="rId17"/>
-    <p:sldId id="292" r:id="rId18"/>
-    <p:sldId id="297" r:id="rId19"/>
-    <p:sldId id="261" r:id="rId20"/>
-    <p:sldId id="274" r:id="rId21"/>
-    <p:sldId id="275" r:id="rId22"/>
-    <p:sldId id="276" r:id="rId23"/>
-    <p:sldId id="293" r:id="rId24"/>
-    <p:sldId id="286" r:id="rId25"/>
-    <p:sldId id="288" r:id="rId26"/>
-    <p:sldId id="289" r:id="rId27"/>
-    <p:sldId id="287" r:id="rId28"/>
-    <p:sldId id="290" r:id="rId29"/>
-    <p:sldId id="268" r:id="rId30"/>
-    <p:sldId id="298" r:id="rId31"/>
-    <p:sldId id="269" r:id="rId32"/>
-    <p:sldId id="270" r:id="rId33"/>
-    <p:sldId id="273" r:id="rId34"/>
-    <p:sldId id="272" r:id="rId35"/>
+    <p:sldId id="298" r:id="rId4"/>
+    <p:sldId id="258" r:id="rId5"/>
+    <p:sldId id="260" r:id="rId6"/>
+    <p:sldId id="279" r:id="rId7"/>
+    <p:sldId id="291" r:id="rId8"/>
+    <p:sldId id="301" r:id="rId9"/>
+    <p:sldId id="262" r:id="rId10"/>
+    <p:sldId id="280" r:id="rId11"/>
+    <p:sldId id="259" r:id="rId12"/>
+    <p:sldId id="282" r:id="rId13"/>
+    <p:sldId id="283" r:id="rId14"/>
+    <p:sldId id="284" r:id="rId15"/>
+    <p:sldId id="285" r:id="rId16"/>
+    <p:sldId id="300" r:id="rId17"/>
+    <p:sldId id="267" r:id="rId18"/>
+    <p:sldId id="294" r:id="rId19"/>
+    <p:sldId id="296" r:id="rId20"/>
+    <p:sldId id="292" r:id="rId21"/>
+    <p:sldId id="297" r:id="rId22"/>
+    <p:sldId id="299" r:id="rId23"/>
+    <p:sldId id="261" r:id="rId24"/>
+    <p:sldId id="274" r:id="rId25"/>
+    <p:sldId id="304" r:id="rId26"/>
+    <p:sldId id="303" r:id="rId27"/>
+    <p:sldId id="293" r:id="rId28"/>
+    <p:sldId id="286" r:id="rId29"/>
+    <p:sldId id="288" r:id="rId30"/>
+    <p:sldId id="289" r:id="rId31"/>
+    <p:sldId id="287" r:id="rId32"/>
+    <p:sldId id="290" r:id="rId33"/>
+    <p:sldId id="302" r:id="rId34"/>
   </p:sldIdLst>
   <p:sldSz cx="9144000" cy="6858000" type="screen4x3"/>
   <p:notesSz cx="6858000" cy="9144000"/>
@@ -271,7 +270,7 @@
           <a:p>
             <a:fld id="{CEBF5D70-FE39-41E0-A078-97B832B9430F}" type="datetimeFigureOut">
               <a:rPr lang="en-GB" smtClean="0"/>
-              <a:t>13/11/2019</a:t>
+              <a:t>26/08/2020</a:t>
             </a:fld>
             <a:endParaRPr lang="en-GB"/>
           </a:p>
@@ -576,7 +575,7 @@
             <a:fld id="{8C3CFB3E-5204-41CD-BCD6-FE144643A9D6}" type="slidenum">
               <a:rPr lang="en-US" smtClean="0"/>
               <a:pPr/>
-              <a:t>9</a:t>
+              <a:t>10</a:t>
             </a:fld>
             <a:endParaRPr lang="en-US"/>
           </a:p>
@@ -3976,42 +3975,28 @@
             <a:pPr eaLnBrk="1" hangingPunct="1"/>
             <a:r>
               <a:rPr lang="de-DE" dirty="0"/>
-              <a:t>Criteria</a:t>
+              <a:t>Introduction</a:t>
             </a:r>
           </a:p>
           <a:p>
             <a:pPr eaLnBrk="1" hangingPunct="1"/>
             <a:r>
               <a:rPr lang="de-DE" dirty="0"/>
-              <a:t>Instruments</a:t>
-            </a:r>
-          </a:p>
-          <a:p>
-            <a:pPr lvl="1" eaLnBrk="1" hangingPunct="1"/>
+              <a:t>Direct regulation</a:t>
+            </a:r>
+          </a:p>
+          <a:p>
+            <a:pPr eaLnBrk="1" hangingPunct="1"/>
             <a:r>
               <a:rPr lang="de-DE" dirty="0"/>
-              <a:t>Command and control</a:t>
-            </a:r>
-          </a:p>
-          <a:p>
-            <a:pPr lvl="1" eaLnBrk="1" hangingPunct="1"/>
+              <a:t>Voluntary agreements</a:t>
+            </a:r>
+          </a:p>
+          <a:p>
+            <a:pPr eaLnBrk="1" hangingPunct="1"/>
             <a:r>
               <a:rPr lang="de-DE" dirty="0"/>
-              <a:t>Institutional</a:t>
-            </a:r>
-          </a:p>
-          <a:p>
-            <a:pPr lvl="1" eaLnBrk="1" hangingPunct="1"/>
-            <a:r>
-              <a:rPr lang="de-DE" dirty="0"/>
-              <a:t>Market based (next week)</a:t>
-            </a:r>
-          </a:p>
-          <a:p>
-            <a:pPr eaLnBrk="1" hangingPunct="1"/>
-            <a:r>
-              <a:rPr lang="de-DE" dirty="0"/>
-              <a:t>A first comparison</a:t>
+              <a:t>Coasian bargaining</a:t>
             </a:r>
           </a:p>
         </p:txBody>
@@ -4025,6 +4010,1548 @@
 </file>
 
 <file path=ppt/slides/slide10.xml><?xml version="1.0" encoding="utf-8"?>
+<p:sld xmlns:a="http://schemas.openxmlformats.org/drawingml/2006/main" xmlns:r="http://schemas.openxmlformats.org/officeDocument/2006/relationships" xmlns:p="http://schemas.openxmlformats.org/presentationml/2006/main">
+  <p:cSld>
+    <p:spTree>
+      <p:nvGrpSpPr>
+        <p:cNvPr id="1" name=""/>
+        <p:cNvGrpSpPr/>
+        <p:nvPr/>
+      </p:nvGrpSpPr>
+      <p:grpSpPr>
+        <a:xfrm>
+          <a:off x="0" y="0"/>
+          <a:ext cx="0" cy="0"/>
+          <a:chOff x="0" y="0"/>
+          <a:chExt cx="0" cy="0"/>
+        </a:xfrm>
+      </p:grpSpPr>
+      <p:sp>
+        <p:nvSpPr>
+          <p:cNvPr id="6146" name="Rectangle 2"/>
+          <p:cNvSpPr>
+            <a:spLocks noGrp="1" noChangeArrowheads="1"/>
+          </p:cNvSpPr>
+          <p:nvPr>
+            <p:ph type="title"/>
+          </p:nvPr>
+        </p:nvSpPr>
+        <p:spPr>
+          <a:xfrm>
+            <a:off x="684213" y="0"/>
+            <a:ext cx="7772400" cy="1143000"/>
+          </a:xfrm>
+        </p:spPr>
+        <p:txBody>
+          <a:bodyPr/>
+          <a:lstStyle/>
+          <a:p>
+            <a:pPr eaLnBrk="1" hangingPunct="1"/>
+            <a:r>
+              <a:rPr lang="de-DE" sz="3600" dirty="0">
+                <a:latin typeface="Candara" panose="020E0502030303020204" pitchFamily="34" charset="0"/>
+              </a:rPr>
+              <a:t>Types of Direct Regulation</a:t>
+            </a:r>
+            <a:endParaRPr lang="en-GB" sz="3600" dirty="0">
+              <a:latin typeface="Candara" panose="020E0502030303020204" pitchFamily="34" charset="0"/>
+            </a:endParaRPr>
+          </a:p>
+        </p:txBody>
+      </p:sp>
+      <p:sp>
+        <p:nvSpPr>
+          <p:cNvPr id="6147" name="Rectangle 3"/>
+          <p:cNvSpPr>
+            <a:spLocks noGrp="1" noChangeArrowheads="1"/>
+          </p:cNvSpPr>
+          <p:nvPr>
+            <p:ph type="body" idx="1"/>
+          </p:nvPr>
+        </p:nvSpPr>
+        <p:spPr>
+          <a:xfrm>
+            <a:off x="684213" y="1052513"/>
+            <a:ext cx="7772400" cy="4572000"/>
+          </a:xfrm>
+        </p:spPr>
+        <p:txBody>
+          <a:bodyPr/>
+          <a:lstStyle/>
+          <a:p>
+            <a:pPr eaLnBrk="1" hangingPunct="1">
+              <a:lnSpc>
+                <a:spcPct val="90000"/>
+              </a:lnSpc>
+            </a:pPr>
+            <a:r>
+              <a:rPr lang="de-DE" sz="2400" dirty="0">
+                <a:latin typeface="Candara" panose="020E0502030303020204" pitchFamily="34" charset="0"/>
+              </a:rPr>
+              <a:t>Inputs, e.g., fuel efficiency</a:t>
+            </a:r>
+          </a:p>
+          <a:p>
+            <a:pPr eaLnBrk="1" hangingPunct="1">
+              <a:lnSpc>
+                <a:spcPct val="90000"/>
+              </a:lnSpc>
+            </a:pPr>
+            <a:r>
+              <a:rPr lang="de-DE" sz="2400" dirty="0">
+                <a:latin typeface="Candara" panose="020E0502030303020204" pitchFamily="34" charset="0"/>
+              </a:rPr>
+              <a:t>Technology, e.g., catalytic convertors</a:t>
+            </a:r>
+          </a:p>
+          <a:p>
+            <a:pPr eaLnBrk="1" hangingPunct="1">
+              <a:lnSpc>
+                <a:spcPct val="90000"/>
+              </a:lnSpc>
+            </a:pPr>
+            <a:r>
+              <a:rPr lang="de-DE" sz="2600" dirty="0">
+                <a:latin typeface="Candara" panose="020E0502030303020204" pitchFamily="34" charset="0"/>
+              </a:rPr>
+              <a:t>Outputs</a:t>
+            </a:r>
+          </a:p>
+          <a:p>
+            <a:pPr lvl="1" eaLnBrk="1" hangingPunct="1">
+              <a:lnSpc>
+                <a:spcPct val="90000"/>
+              </a:lnSpc>
+            </a:pPr>
+            <a:r>
+              <a:rPr lang="de-DE" sz="2400" dirty="0">
+                <a:latin typeface="Candara" panose="020E0502030303020204" pitchFamily="34" charset="0"/>
+              </a:rPr>
+              <a:t>Products, e.g., carcinogenic toys</a:t>
+            </a:r>
+          </a:p>
+          <a:p>
+            <a:pPr lvl="1" eaLnBrk="1" hangingPunct="1">
+              <a:lnSpc>
+                <a:spcPct val="90000"/>
+              </a:lnSpc>
+            </a:pPr>
+            <a:r>
+              <a:rPr lang="de-DE" sz="2400" dirty="0">
+                <a:latin typeface="Candara" panose="020E0502030303020204" pitchFamily="34" charset="0"/>
+              </a:rPr>
+              <a:t>Waste, e.g., sulphur emissions</a:t>
+            </a:r>
+          </a:p>
+          <a:p>
+            <a:pPr eaLnBrk="1" hangingPunct="1">
+              <a:lnSpc>
+                <a:spcPct val="90000"/>
+              </a:lnSpc>
+            </a:pPr>
+            <a:r>
+              <a:rPr lang="de-DE" sz="2600" dirty="0">
+                <a:latin typeface="Candara" panose="020E0502030303020204" pitchFamily="34" charset="0"/>
+              </a:rPr>
+              <a:t>Timing, e.g., air traffic</a:t>
+            </a:r>
+          </a:p>
+          <a:p>
+            <a:pPr eaLnBrk="1" hangingPunct="1">
+              <a:lnSpc>
+                <a:spcPct val="90000"/>
+              </a:lnSpc>
+            </a:pPr>
+            <a:r>
+              <a:rPr lang="de-DE" sz="2600" dirty="0">
+                <a:latin typeface="Candara" panose="020E0502030303020204" pitchFamily="34" charset="0"/>
+              </a:rPr>
+              <a:t>Location, e.g., nature reserves</a:t>
+            </a:r>
+          </a:p>
+          <a:p>
+            <a:pPr eaLnBrk="1" hangingPunct="1">
+              <a:lnSpc>
+                <a:spcPct val="90000"/>
+              </a:lnSpc>
+            </a:pPr>
+            <a:r>
+              <a:rPr lang="de-DE" sz="2600" dirty="0">
+                <a:latin typeface="Candara" panose="020E0502030303020204" pitchFamily="34" charset="0"/>
+              </a:rPr>
+              <a:t>Prohibition, e.g., CFCs</a:t>
+            </a:r>
+          </a:p>
+        </p:txBody>
+      </p:sp>
+    </p:spTree>
+  </p:cSld>
+  <p:clrMapOvr>
+    <a:masterClrMapping/>
+  </p:clrMapOvr>
+</p:sld>
+</file>
+
+<file path=ppt/slides/slide11.xml><?xml version="1.0" encoding="utf-8"?>
+<p:sld xmlns:a="http://schemas.openxmlformats.org/drawingml/2006/main" xmlns:r="http://schemas.openxmlformats.org/officeDocument/2006/relationships" xmlns:p="http://schemas.openxmlformats.org/presentationml/2006/main">
+  <p:cSld>
+    <p:spTree>
+      <p:nvGrpSpPr>
+        <p:cNvPr id="1" name=""/>
+        <p:cNvGrpSpPr/>
+        <p:nvPr/>
+      </p:nvGrpSpPr>
+      <p:grpSpPr>
+        <a:xfrm>
+          <a:off x="0" y="0"/>
+          <a:ext cx="0" cy="0"/>
+          <a:chOff x="0" y="0"/>
+          <a:chExt cx="0" cy="0"/>
+        </a:xfrm>
+      </p:grpSpPr>
+      <p:sp>
+        <p:nvSpPr>
+          <p:cNvPr id="1030" name="Rectangle 2"/>
+          <p:cNvSpPr>
+            <a:spLocks noGrp="1" noChangeArrowheads="1"/>
+          </p:cNvSpPr>
+          <p:nvPr>
+            <p:ph type="title"/>
+          </p:nvPr>
+        </p:nvSpPr>
+        <p:spPr>
+          <a:xfrm>
+            <a:off x="685800" y="0"/>
+            <a:ext cx="7772400" cy="1143000"/>
+          </a:xfrm>
+        </p:spPr>
+        <p:txBody>
+          <a:bodyPr/>
+          <a:lstStyle/>
+          <a:p>
+            <a:pPr eaLnBrk="1" hangingPunct="1"/>
+            <a:r>
+              <a:rPr lang="de-DE" sz="3600" dirty="0"/>
+              <a:t>Cost-effectiveness</a:t>
+            </a:r>
+            <a:endParaRPr lang="en-GB" sz="3600" dirty="0"/>
+          </a:p>
+        </p:txBody>
+      </p:sp>
+      <p:sp>
+        <p:nvSpPr>
+          <p:cNvPr id="1031" name="Rectangle 3"/>
+          <p:cNvSpPr>
+            <a:spLocks noGrp="1" noChangeArrowheads="1"/>
+          </p:cNvSpPr>
+          <p:nvPr>
+            <p:ph type="body" idx="1"/>
+          </p:nvPr>
+        </p:nvSpPr>
+        <p:spPr>
+          <a:xfrm>
+            <a:off x="304801" y="2057400"/>
+            <a:ext cx="8690966" cy="4469176"/>
+          </a:xfrm>
+        </p:spPr>
+        <p:txBody>
+          <a:bodyPr/>
+          <a:lstStyle/>
+          <a:p>
+            <a:pPr eaLnBrk="1" hangingPunct="1"/>
+            <a:endParaRPr lang="de-DE" sz="2400" dirty="0">
+              <a:latin typeface="Comic Sans MS" pitchFamily="66" charset="0"/>
+            </a:endParaRPr>
+          </a:p>
+          <a:p>
+            <a:pPr eaLnBrk="1" hangingPunct="1"/>
+            <a:endParaRPr lang="de-DE" sz="2400" dirty="0">
+              <a:latin typeface="Comic Sans MS" pitchFamily="66" charset="0"/>
+            </a:endParaRPr>
+          </a:p>
+          <a:p>
+            <a:pPr eaLnBrk="1" hangingPunct="1"/>
+            <a:endParaRPr lang="de-DE" sz="2400" dirty="0">
+              <a:latin typeface="Comic Sans MS" pitchFamily="66" charset="0"/>
+            </a:endParaRPr>
+          </a:p>
+          <a:p>
+            <a:pPr eaLnBrk="1" hangingPunct="1"/>
+            <a:endParaRPr lang="de-DE" sz="2400" dirty="0">
+              <a:latin typeface="Comic Sans MS" pitchFamily="66" charset="0"/>
+            </a:endParaRPr>
+          </a:p>
+          <a:p>
+            <a:pPr eaLnBrk="1" hangingPunct="1"/>
+            <a:endParaRPr lang="de-DE" sz="2400" dirty="0">
+              <a:latin typeface="Comic Sans MS" pitchFamily="66" charset="0"/>
+            </a:endParaRPr>
+          </a:p>
+          <a:p>
+            <a:pPr eaLnBrk="1" hangingPunct="1"/>
+            <a:endParaRPr lang="de-DE" sz="2400" dirty="0">
+              <a:latin typeface="Comic Sans MS" pitchFamily="66" charset="0"/>
+            </a:endParaRPr>
+          </a:p>
+          <a:p>
+            <a:pPr eaLnBrk="1" hangingPunct="1"/>
+            <a:endParaRPr lang="de-DE" sz="2400" dirty="0">
+              <a:latin typeface="Comic Sans MS" pitchFamily="66" charset="0"/>
+            </a:endParaRPr>
+          </a:p>
+          <a:p>
+            <a:pPr eaLnBrk="1" hangingPunct="1">
+              <a:buFontTx/>
+              <a:buNone/>
+            </a:pPr>
+            <a:r>
+              <a:rPr lang="de-DE" sz="2800" dirty="0"/>
+              <a:t>Marginal costs are equal for all polluters.</a:t>
+            </a:r>
+          </a:p>
+        </p:txBody>
+      </p:sp>
+      <mc:AlternateContent xmlns:mc="http://schemas.openxmlformats.org/markup-compatibility/2006" xmlns:a14="http://schemas.microsoft.com/office/drawing/2010/main">
+        <mc:Choice Requires="a14">
+          <p:sp>
+            <p:nvSpPr>
+              <p:cNvPr id="2" name="TextBox 1"/>
+              <p:cNvSpPr txBox="1"/>
+              <p:nvPr/>
+            </p:nvSpPr>
+            <p:spPr>
+              <a:xfrm>
+                <a:off x="417016" y="982696"/>
+                <a:ext cx="3523722" cy="430887"/>
+              </a:xfrm>
+              <a:prstGeom prst="rect">
+                <a:avLst/>
+              </a:prstGeom>
+              <a:noFill/>
+            </p:spPr>
+            <p:txBody>
+              <a:bodyPr wrap="none" lIns="0" tIns="0" rIns="0" bIns="0" rtlCol="0">
+                <a:spAutoFit/>
+              </a:bodyPr>
+              <a:lstStyle/>
+              <a:p>
+                <a:pPr/>
+                <a14:m>
+                  <m:oMathPara xmlns:m="http://schemas.openxmlformats.org/officeDocument/2006/math">
+                    <m:oMathParaPr>
+                      <m:jc m:val="centerGroup"/>
+                    </m:oMathParaPr>
+                    <m:oMath xmlns:m="http://schemas.openxmlformats.org/officeDocument/2006/math">
+                      <m:sSub>
+                        <m:sSubPr>
+                          <m:ctrlPr>
+                            <a:rPr lang="en-GB" sz="2800" i="1" smtClean="0">
+                              <a:latin typeface="Cambria Math" panose="02040503050406030204" pitchFamily="18" charset="0"/>
+                            </a:rPr>
+                          </m:ctrlPr>
+                        </m:sSubPr>
+                        <m:e>
+                          <m:r>
+                            <a:rPr lang="en-GB" sz="2800" b="0" i="1" smtClean="0">
+                              <a:latin typeface="Cambria Math" panose="02040503050406030204" pitchFamily="18" charset="0"/>
+                            </a:rPr>
+                            <m:t>𝐶</m:t>
+                          </m:r>
+                        </m:e>
+                        <m:sub>
+                          <m:r>
+                            <a:rPr lang="en-GB" sz="2800" b="0" i="1" smtClean="0">
+                              <a:latin typeface="Cambria Math" panose="02040503050406030204" pitchFamily="18" charset="0"/>
+                            </a:rPr>
+                            <m:t>𝑛</m:t>
+                          </m:r>
+                        </m:sub>
+                      </m:sSub>
+                      <m:r>
+                        <a:rPr lang="en-GB" sz="2800" b="0" i="1" smtClean="0">
+                          <a:latin typeface="Cambria Math" panose="02040503050406030204" pitchFamily="18" charset="0"/>
+                        </a:rPr>
+                        <m:t>=</m:t>
+                      </m:r>
+                      <m:sSub>
+                        <m:sSubPr>
+                          <m:ctrlPr>
+                            <a:rPr lang="en-GB" sz="2800" b="0" i="1" smtClean="0">
+                              <a:latin typeface="Cambria Math" panose="02040503050406030204" pitchFamily="18" charset="0"/>
+                            </a:rPr>
+                          </m:ctrlPr>
+                        </m:sSubPr>
+                        <m:e>
+                          <m:r>
+                            <a:rPr lang="en-GB" sz="2800" b="0" i="1" smtClean="0">
+                              <a:latin typeface="Cambria Math" panose="02040503050406030204" pitchFamily="18" charset="0"/>
+                              <a:ea typeface="Cambria Math" panose="02040503050406030204" pitchFamily="18" charset="0"/>
+                            </a:rPr>
+                            <m:t>𝛽</m:t>
+                          </m:r>
+                        </m:e>
+                        <m:sub>
+                          <m:r>
+                            <a:rPr lang="en-GB" sz="2800" b="0" i="1" smtClean="0">
+                              <a:latin typeface="Cambria Math" panose="02040503050406030204" pitchFamily="18" charset="0"/>
+                            </a:rPr>
+                            <m:t>𝑛</m:t>
+                          </m:r>
+                        </m:sub>
+                      </m:sSub>
+                      <m:sSub>
+                        <m:sSubPr>
+                          <m:ctrlPr>
+                            <a:rPr lang="en-GB" sz="2800" b="0" i="1" smtClean="0">
+                              <a:latin typeface="Cambria Math" panose="02040503050406030204" pitchFamily="18" charset="0"/>
+                            </a:rPr>
+                          </m:ctrlPr>
+                        </m:sSubPr>
+                        <m:e>
+                          <m:r>
+                            <a:rPr lang="en-GB" sz="2800" b="0" i="1" smtClean="0">
+                              <a:latin typeface="Cambria Math" panose="02040503050406030204" pitchFamily="18" charset="0"/>
+                            </a:rPr>
+                            <m:t>𝑀</m:t>
+                          </m:r>
+                        </m:e>
+                        <m:sub>
+                          <m:r>
+                            <a:rPr lang="en-GB" sz="2800" b="0" i="1" smtClean="0">
+                              <a:latin typeface="Cambria Math" panose="02040503050406030204" pitchFamily="18" charset="0"/>
+                            </a:rPr>
+                            <m:t>𝑛</m:t>
+                          </m:r>
+                        </m:sub>
+                      </m:sSub>
+                      <m:r>
+                        <a:rPr lang="en-GB" sz="2800" b="0" i="1" smtClean="0">
+                          <a:latin typeface="Cambria Math" panose="02040503050406030204" pitchFamily="18" charset="0"/>
+                        </a:rPr>
+                        <m:t>+0.5</m:t>
+                      </m:r>
+                      <m:sSub>
+                        <m:sSubPr>
+                          <m:ctrlPr>
+                            <a:rPr lang="en-GB" sz="2800" b="0" i="1" smtClean="0">
+                              <a:latin typeface="Cambria Math" panose="02040503050406030204" pitchFamily="18" charset="0"/>
+                            </a:rPr>
+                          </m:ctrlPr>
+                        </m:sSubPr>
+                        <m:e>
+                          <m:r>
+                            <a:rPr lang="en-GB" sz="2800" b="0" i="1" smtClean="0">
+                              <a:latin typeface="Cambria Math" panose="02040503050406030204" pitchFamily="18" charset="0"/>
+                              <a:ea typeface="Cambria Math" panose="02040503050406030204" pitchFamily="18" charset="0"/>
+                            </a:rPr>
+                            <m:t>𝛾</m:t>
+                          </m:r>
+                        </m:e>
+                        <m:sub>
+                          <m:r>
+                            <a:rPr lang="en-GB" sz="2800" b="0" i="1" smtClean="0">
+                              <a:latin typeface="Cambria Math" panose="02040503050406030204" pitchFamily="18" charset="0"/>
+                            </a:rPr>
+                            <m:t>𝑛</m:t>
+                          </m:r>
+                        </m:sub>
+                      </m:sSub>
+                      <m:sSubSup>
+                        <m:sSubSupPr>
+                          <m:ctrlPr>
+                            <a:rPr lang="en-GB" sz="2800" b="0" i="1" smtClean="0">
+                              <a:latin typeface="Cambria Math" panose="02040503050406030204" pitchFamily="18" charset="0"/>
+                            </a:rPr>
+                          </m:ctrlPr>
+                        </m:sSubSupPr>
+                        <m:e>
+                          <m:r>
+                            <a:rPr lang="en-GB" sz="2800" b="0" i="1" smtClean="0">
+                              <a:latin typeface="Cambria Math" panose="02040503050406030204" pitchFamily="18" charset="0"/>
+                            </a:rPr>
+                            <m:t>𝑀</m:t>
+                          </m:r>
+                        </m:e>
+                        <m:sub>
+                          <m:r>
+                            <a:rPr lang="en-GB" sz="2800" b="0" i="1" smtClean="0">
+                              <a:latin typeface="Cambria Math" panose="02040503050406030204" pitchFamily="18" charset="0"/>
+                            </a:rPr>
+                            <m:t>𝑛</m:t>
+                          </m:r>
+                        </m:sub>
+                        <m:sup>
+                          <m:r>
+                            <a:rPr lang="en-GB" sz="2800" b="0" i="1" smtClean="0">
+                              <a:latin typeface="Cambria Math" panose="02040503050406030204" pitchFamily="18" charset="0"/>
+                            </a:rPr>
+                            <m:t>2</m:t>
+                          </m:r>
+                        </m:sup>
+                      </m:sSubSup>
+                    </m:oMath>
+                  </m:oMathPara>
+                </a14:m>
+                <a:endParaRPr lang="en-GB" sz="2800" dirty="0"/>
+              </a:p>
+            </p:txBody>
+          </p:sp>
+        </mc:Choice>
+        <mc:Fallback xmlns="">
+          <p:sp>
+            <p:nvSpPr>
+              <p:cNvPr id="2" name="TextBox 1"/>
+              <p:cNvSpPr txBox="1">
+                <a:spLocks noRot="1" noChangeAspect="1" noMove="1" noResize="1" noEditPoints="1" noAdjustHandles="1" noChangeArrowheads="1" noChangeShapeType="1" noTextEdit="1"/>
+              </p:cNvSpPr>
+              <p:nvPr/>
+            </p:nvSpPr>
+            <p:spPr>
+              <a:xfrm>
+                <a:off x="417016" y="982696"/>
+                <a:ext cx="3523722" cy="430887"/>
+              </a:xfrm>
+              <a:prstGeom prst="rect">
+                <a:avLst/>
+              </a:prstGeom>
+              <a:blipFill rotWithShape="0">
+                <a:blip r:embed="rId2"/>
+                <a:stretch>
+                  <a:fillRect/>
+                </a:stretch>
+              </a:blipFill>
+            </p:spPr>
+            <p:txBody>
+              <a:bodyPr/>
+              <a:lstStyle/>
+              <a:p>
+                <a:r>
+                  <a:rPr lang="en-GB">
+                    <a:noFill/>
+                  </a:rPr>
+                  <a:t> </a:t>
+                </a:r>
+              </a:p>
+            </p:txBody>
+          </p:sp>
+        </mc:Fallback>
+      </mc:AlternateContent>
+      <mc:AlternateContent xmlns:mc="http://schemas.openxmlformats.org/markup-compatibility/2006" xmlns:a14="http://schemas.microsoft.com/office/drawing/2010/main">
+        <mc:Choice Requires="a14">
+          <p:sp>
+            <p:nvSpPr>
+              <p:cNvPr id="9" name="TextBox 8"/>
+              <p:cNvSpPr txBox="1"/>
+              <p:nvPr/>
+            </p:nvSpPr>
+            <p:spPr>
+              <a:xfrm>
+                <a:off x="417016" y="1595097"/>
+                <a:ext cx="5015860" cy="1211550"/>
+              </a:xfrm>
+              <a:prstGeom prst="rect">
+                <a:avLst/>
+              </a:prstGeom>
+              <a:noFill/>
+            </p:spPr>
+            <p:txBody>
+              <a:bodyPr wrap="none" lIns="0" tIns="0" rIns="0" bIns="0" rtlCol="0">
+                <a:spAutoFit/>
+              </a:bodyPr>
+              <a:lstStyle/>
+              <a:p>
+                <a:pPr/>
+                <a14:m>
+                  <m:oMathPara xmlns:m="http://schemas.openxmlformats.org/officeDocument/2006/math">
+                    <m:oMathParaPr>
+                      <m:jc m:val="centerGroup"/>
+                    </m:oMathParaPr>
+                    <m:oMath xmlns:m="http://schemas.openxmlformats.org/officeDocument/2006/math">
+                      <m:func>
+                        <m:funcPr>
+                          <m:ctrlPr>
+                            <a:rPr lang="en-GB" sz="2800" i="1" smtClean="0">
+                              <a:latin typeface="Cambria Math" panose="02040503050406030204" pitchFamily="18" charset="0"/>
+                            </a:rPr>
+                          </m:ctrlPr>
+                        </m:funcPr>
+                        <m:fName>
+                          <m:limLow>
+                            <m:limLowPr>
+                              <m:ctrlPr>
+                                <a:rPr lang="en-GB" sz="2800" i="1" smtClean="0">
+                                  <a:latin typeface="Cambria Math" panose="02040503050406030204" pitchFamily="18" charset="0"/>
+                                </a:rPr>
+                              </m:ctrlPr>
+                            </m:limLowPr>
+                            <m:e>
+                              <m:r>
+                                <m:rPr>
+                                  <m:sty m:val="p"/>
+                                </m:rPr>
+                                <a:rPr lang="en-GB" sz="2800" i="0" smtClean="0">
+                                  <a:latin typeface="Cambria Math" panose="02040503050406030204" pitchFamily="18" charset="0"/>
+                                </a:rPr>
+                                <m:t>min</m:t>
+                              </m:r>
+                            </m:e>
+                            <m:lim>
+                              <m:sSub>
+                                <m:sSubPr>
+                                  <m:ctrlPr>
+                                    <a:rPr lang="en-GB" sz="2800" i="1">
+                                      <a:latin typeface="Cambria Math" panose="02040503050406030204" pitchFamily="18" charset="0"/>
+                                    </a:rPr>
+                                  </m:ctrlPr>
+                                </m:sSubPr>
+                                <m:e>
+                                  <m:r>
+                                    <a:rPr lang="en-GB" sz="2800" b="0" i="1" smtClean="0">
+                                      <a:latin typeface="Cambria Math" panose="02040503050406030204" pitchFamily="18" charset="0"/>
+                                    </a:rPr>
+                                    <m:t>𝑀</m:t>
+                                  </m:r>
+                                </m:e>
+                                <m:sub>
+                                  <m:r>
+                                    <a:rPr lang="en-GB" sz="2800" i="1">
+                                      <a:latin typeface="Cambria Math" panose="02040503050406030204" pitchFamily="18" charset="0"/>
+                                    </a:rPr>
+                                    <m:t>𝑛</m:t>
+                                  </m:r>
+                                </m:sub>
+                              </m:sSub>
+                            </m:lim>
+                          </m:limLow>
+                        </m:fName>
+                        <m:e>
+                          <m:nary>
+                            <m:naryPr>
+                              <m:chr m:val="∑"/>
+                              <m:ctrlPr>
+                                <a:rPr lang="en-GB" sz="2800" i="1" smtClean="0">
+                                  <a:latin typeface="Cambria Math" panose="02040503050406030204" pitchFamily="18" charset="0"/>
+                                </a:rPr>
+                              </m:ctrlPr>
+                            </m:naryPr>
+                            <m:sub>
+                              <m:r>
+                                <m:rPr>
+                                  <m:brk m:alnAt="23"/>
+                                </m:rPr>
+                                <a:rPr lang="en-GB" sz="2800" b="0" i="1" smtClean="0">
+                                  <a:latin typeface="Cambria Math" panose="02040503050406030204" pitchFamily="18" charset="0"/>
+                                </a:rPr>
+                                <m:t>𝑛</m:t>
+                              </m:r>
+                              <m:r>
+                                <a:rPr lang="en-GB" sz="2800" b="0" i="1" smtClean="0">
+                                  <a:latin typeface="Cambria Math" panose="02040503050406030204" pitchFamily="18" charset="0"/>
+                                </a:rPr>
+                                <m:t>=1</m:t>
+                              </m:r>
+                            </m:sub>
+                            <m:sup>
+                              <m:r>
+                                <a:rPr lang="en-GB" sz="2800" b="0" i="1" smtClean="0">
+                                  <a:latin typeface="Cambria Math" panose="02040503050406030204" pitchFamily="18" charset="0"/>
+                                </a:rPr>
+                                <m:t>𝑁</m:t>
+                              </m:r>
+                            </m:sup>
+                            <m:e>
+                              <m:sSub>
+                                <m:sSubPr>
+                                  <m:ctrlPr>
+                                    <a:rPr lang="en-GB" sz="2800" i="1">
+                                      <a:latin typeface="Cambria Math" panose="02040503050406030204" pitchFamily="18" charset="0"/>
+                                    </a:rPr>
+                                  </m:ctrlPr>
+                                </m:sSubPr>
+                                <m:e>
+                                  <m:r>
+                                    <a:rPr lang="en-GB" sz="2800" i="1">
+                                      <a:latin typeface="Cambria Math" panose="02040503050406030204" pitchFamily="18" charset="0"/>
+                                    </a:rPr>
+                                    <m:t>𝐶</m:t>
+                                  </m:r>
+                                </m:e>
+                                <m:sub>
+                                  <m:r>
+                                    <a:rPr lang="en-GB" sz="2800" i="1">
+                                      <a:latin typeface="Cambria Math" panose="02040503050406030204" pitchFamily="18" charset="0"/>
+                                    </a:rPr>
+                                    <m:t>𝑛</m:t>
+                                  </m:r>
+                                </m:sub>
+                              </m:sSub>
+                              <m:r>
+                                <a:rPr lang="en-GB" sz="2800" b="0" i="1" smtClean="0">
+                                  <a:latin typeface="Cambria Math" panose="02040503050406030204" pitchFamily="18" charset="0"/>
+                                </a:rPr>
+                                <m:t>(</m:t>
+                              </m:r>
+                              <m:sSub>
+                                <m:sSubPr>
+                                  <m:ctrlPr>
+                                    <a:rPr lang="en-GB" sz="2800" i="1">
+                                      <a:latin typeface="Cambria Math" panose="02040503050406030204" pitchFamily="18" charset="0"/>
+                                    </a:rPr>
+                                  </m:ctrlPr>
+                                </m:sSubPr>
+                                <m:e>
+                                  <m:r>
+                                    <a:rPr lang="en-GB" sz="2800" b="0" i="1" smtClean="0">
+                                      <a:latin typeface="Cambria Math" panose="02040503050406030204" pitchFamily="18" charset="0"/>
+                                    </a:rPr>
+                                    <m:t>𝑀</m:t>
+                                  </m:r>
+                                </m:e>
+                                <m:sub>
+                                  <m:r>
+                                    <a:rPr lang="en-GB" sz="2800" i="1">
+                                      <a:latin typeface="Cambria Math" panose="02040503050406030204" pitchFamily="18" charset="0"/>
+                                    </a:rPr>
+                                    <m:t>𝑛</m:t>
+                                  </m:r>
+                                </m:sub>
+                              </m:sSub>
+                              <m:r>
+                                <a:rPr lang="en-GB" sz="2800" b="0" i="1" smtClean="0">
+                                  <a:latin typeface="Cambria Math" panose="02040503050406030204" pitchFamily="18" charset="0"/>
+                                </a:rPr>
+                                <m:t>)</m:t>
+                              </m:r>
+                            </m:e>
+                          </m:nary>
+                        </m:e>
+                      </m:func>
+                      <m:r>
+                        <m:rPr>
+                          <m:nor/>
+                        </m:rPr>
+                        <a:rPr lang="en-GB" sz="2800" b="0" i="0" smtClean="0">
+                          <a:latin typeface="Cambria Math" panose="02040503050406030204" pitchFamily="18" charset="0"/>
+                        </a:rPr>
+                        <m:t> </m:t>
+                      </m:r>
+                      <m:r>
+                        <m:rPr>
+                          <m:nor/>
+                        </m:rPr>
+                        <a:rPr lang="en-GB" sz="2800" b="0" i="0" smtClean="0">
+                          <a:latin typeface="Cambria Math" panose="02040503050406030204" pitchFamily="18" charset="0"/>
+                        </a:rPr>
+                        <m:t>s</m:t>
+                      </m:r>
+                      <m:r>
+                        <m:rPr>
+                          <m:nor/>
+                        </m:rPr>
+                        <a:rPr lang="en-GB" sz="2800" b="0" i="0" smtClean="0">
+                          <a:latin typeface="Cambria Math" panose="02040503050406030204" pitchFamily="18" charset="0"/>
+                        </a:rPr>
+                        <m:t>.</m:t>
+                      </m:r>
+                      <m:r>
+                        <m:rPr>
+                          <m:nor/>
+                        </m:rPr>
+                        <a:rPr lang="en-GB" sz="2800" b="0" i="0" smtClean="0">
+                          <a:latin typeface="Cambria Math" panose="02040503050406030204" pitchFamily="18" charset="0"/>
+                        </a:rPr>
+                        <m:t>t</m:t>
+                      </m:r>
+                      <m:r>
+                        <m:rPr>
+                          <m:nor/>
+                        </m:rPr>
+                        <a:rPr lang="en-GB" sz="2800" b="0" i="0" smtClean="0">
+                          <a:latin typeface="Cambria Math" panose="02040503050406030204" pitchFamily="18" charset="0"/>
+                        </a:rPr>
+                        <m:t>. </m:t>
+                      </m:r>
+                      <m:nary>
+                        <m:naryPr>
+                          <m:chr m:val="∑"/>
+                          <m:ctrlPr>
+                            <a:rPr lang="en-GB" sz="2800" i="1" smtClean="0">
+                              <a:latin typeface="Cambria Math" panose="02040503050406030204" pitchFamily="18" charset="0"/>
+                            </a:rPr>
+                          </m:ctrlPr>
+                        </m:naryPr>
+                        <m:sub>
+                          <m:r>
+                            <m:rPr>
+                              <m:brk m:alnAt="23"/>
+                            </m:rPr>
+                            <a:rPr lang="en-GB" sz="2800" b="0" i="1" smtClean="0">
+                              <a:latin typeface="Cambria Math" panose="02040503050406030204" pitchFamily="18" charset="0"/>
+                            </a:rPr>
+                            <m:t>𝑛</m:t>
+                          </m:r>
+                          <m:r>
+                            <a:rPr lang="en-GB" sz="2800" b="0" i="1" smtClean="0">
+                              <a:latin typeface="Cambria Math" panose="02040503050406030204" pitchFamily="18" charset="0"/>
+                            </a:rPr>
+                            <m:t>=1</m:t>
+                          </m:r>
+                        </m:sub>
+                        <m:sup>
+                          <m:r>
+                            <a:rPr lang="en-GB" sz="2800" b="0" i="1" smtClean="0">
+                              <a:latin typeface="Cambria Math" panose="02040503050406030204" pitchFamily="18" charset="0"/>
+                            </a:rPr>
+                            <m:t>𝑁</m:t>
+                          </m:r>
+                        </m:sup>
+                        <m:e>
+                          <m:sSub>
+                            <m:sSubPr>
+                              <m:ctrlPr>
+                                <a:rPr lang="en-GB" sz="2800" i="1">
+                                  <a:latin typeface="Cambria Math" panose="02040503050406030204" pitchFamily="18" charset="0"/>
+                                </a:rPr>
+                              </m:ctrlPr>
+                            </m:sSubPr>
+                            <m:e>
+                              <m:r>
+                                <a:rPr lang="en-GB" sz="2800" i="1">
+                                  <a:latin typeface="Cambria Math" panose="02040503050406030204" pitchFamily="18" charset="0"/>
+                                </a:rPr>
+                                <m:t>𝑀</m:t>
+                              </m:r>
+                            </m:e>
+                            <m:sub>
+                              <m:r>
+                                <a:rPr lang="en-GB" sz="2800" i="1">
+                                  <a:latin typeface="Cambria Math" panose="02040503050406030204" pitchFamily="18" charset="0"/>
+                                </a:rPr>
+                                <m:t>𝑛</m:t>
+                              </m:r>
+                            </m:sub>
+                          </m:sSub>
+                        </m:e>
+                      </m:nary>
+                      <m:r>
+                        <a:rPr lang="en-GB" sz="2800" i="1" smtClean="0">
+                          <a:latin typeface="Cambria Math" panose="02040503050406030204" pitchFamily="18" charset="0"/>
+                          <a:ea typeface="Cambria Math" panose="02040503050406030204" pitchFamily="18" charset="0"/>
+                        </a:rPr>
+                        <m:t>≥</m:t>
+                      </m:r>
+                      <m:r>
+                        <a:rPr lang="en-GB" sz="2800" b="0" i="1" smtClean="0">
+                          <a:latin typeface="Cambria Math" panose="02040503050406030204" pitchFamily="18" charset="0"/>
+                          <a:ea typeface="Cambria Math" panose="02040503050406030204" pitchFamily="18" charset="0"/>
+                        </a:rPr>
+                        <m:t>𝑀</m:t>
+                      </m:r>
+                    </m:oMath>
+                  </m:oMathPara>
+                </a14:m>
+                <a:endParaRPr lang="en-GB" sz="2800" dirty="0"/>
+              </a:p>
+            </p:txBody>
+          </p:sp>
+        </mc:Choice>
+        <mc:Fallback xmlns="">
+          <p:sp>
+            <p:nvSpPr>
+              <p:cNvPr id="9" name="TextBox 8"/>
+              <p:cNvSpPr txBox="1">
+                <a:spLocks noRot="1" noChangeAspect="1" noMove="1" noResize="1" noEditPoints="1" noAdjustHandles="1" noChangeArrowheads="1" noChangeShapeType="1" noTextEdit="1"/>
+              </p:cNvSpPr>
+              <p:nvPr/>
+            </p:nvSpPr>
+            <p:spPr>
+              <a:xfrm>
+                <a:off x="417016" y="1595097"/>
+                <a:ext cx="5015860" cy="1211550"/>
+              </a:xfrm>
+              <a:prstGeom prst="rect">
+                <a:avLst/>
+              </a:prstGeom>
+              <a:blipFill rotWithShape="0">
+                <a:blip r:embed="rId3"/>
+                <a:stretch>
+                  <a:fillRect/>
+                </a:stretch>
+              </a:blipFill>
+            </p:spPr>
+            <p:txBody>
+              <a:bodyPr/>
+              <a:lstStyle/>
+              <a:p>
+                <a:r>
+                  <a:rPr lang="en-GB">
+                    <a:noFill/>
+                  </a:rPr>
+                  <a:t> </a:t>
+                </a:r>
+              </a:p>
+            </p:txBody>
+          </p:sp>
+        </mc:Fallback>
+      </mc:AlternateContent>
+      <mc:AlternateContent xmlns:mc="http://schemas.openxmlformats.org/markup-compatibility/2006" xmlns:a14="http://schemas.microsoft.com/office/drawing/2010/main">
+        <mc:Choice Requires="a14">
+          <p:sp>
+            <p:nvSpPr>
+              <p:cNvPr id="10" name="TextBox 9"/>
+              <p:cNvSpPr txBox="1"/>
+              <p:nvPr/>
+            </p:nvSpPr>
+            <p:spPr>
+              <a:xfrm>
+                <a:off x="418932" y="2861787"/>
+                <a:ext cx="5475473" cy="1387175"/>
+              </a:xfrm>
+              <a:prstGeom prst="rect">
+                <a:avLst/>
+              </a:prstGeom>
+              <a:noFill/>
+            </p:spPr>
+            <p:txBody>
+              <a:bodyPr wrap="none" lIns="0" tIns="0" rIns="0" bIns="0" rtlCol="0">
+                <a:spAutoFit/>
+              </a:bodyPr>
+              <a:lstStyle/>
+              <a:p>
+                <a:pPr/>
+                <a14:m>
+                  <m:oMathPara xmlns:m="http://schemas.openxmlformats.org/officeDocument/2006/math">
+                    <m:oMathParaPr>
+                      <m:jc m:val="centerGroup"/>
+                    </m:oMathParaPr>
+                    <m:oMath xmlns:m="http://schemas.openxmlformats.org/officeDocument/2006/math">
+                      <m:r>
+                        <a:rPr lang="en-GB" sz="2800" i="1" smtClean="0">
+                          <a:latin typeface="Cambria Math" panose="02040503050406030204" pitchFamily="18" charset="0"/>
+                          <a:ea typeface="Cambria Math" panose="02040503050406030204" pitchFamily="18" charset="0"/>
+                        </a:rPr>
+                        <m:t>ℒ</m:t>
+                      </m:r>
+                      <m:r>
+                        <a:rPr lang="en-GB" sz="2800" b="0" i="1" smtClean="0">
+                          <a:latin typeface="Cambria Math" panose="02040503050406030204" pitchFamily="18" charset="0"/>
+                          <a:ea typeface="Cambria Math" panose="02040503050406030204" pitchFamily="18" charset="0"/>
+                        </a:rPr>
+                        <m:t>=</m:t>
+                      </m:r>
+                      <m:nary>
+                        <m:naryPr>
+                          <m:chr m:val="∑"/>
+                          <m:ctrlPr>
+                            <a:rPr lang="en-GB" sz="2800" i="1">
+                              <a:latin typeface="Cambria Math" panose="02040503050406030204" pitchFamily="18" charset="0"/>
+                            </a:rPr>
+                          </m:ctrlPr>
+                        </m:naryPr>
+                        <m:sub>
+                          <m:r>
+                            <m:rPr>
+                              <m:brk m:alnAt="23"/>
+                            </m:rPr>
+                            <a:rPr lang="en-GB" sz="2800" i="1">
+                              <a:latin typeface="Cambria Math" panose="02040503050406030204" pitchFamily="18" charset="0"/>
+                            </a:rPr>
+                            <m:t>𝑛</m:t>
+                          </m:r>
+                          <m:r>
+                            <a:rPr lang="en-GB" sz="2800" i="1">
+                              <a:latin typeface="Cambria Math" panose="02040503050406030204" pitchFamily="18" charset="0"/>
+                            </a:rPr>
+                            <m:t>=1</m:t>
+                          </m:r>
+                        </m:sub>
+                        <m:sup>
+                          <m:r>
+                            <a:rPr lang="en-GB" sz="2800" i="1">
+                              <a:latin typeface="Cambria Math" panose="02040503050406030204" pitchFamily="18" charset="0"/>
+                            </a:rPr>
+                            <m:t>𝑁</m:t>
+                          </m:r>
+                        </m:sup>
+                        <m:e>
+                          <m:sSub>
+                            <m:sSubPr>
+                              <m:ctrlPr>
+                                <a:rPr lang="en-GB" sz="2800" i="1">
+                                  <a:latin typeface="Cambria Math" panose="02040503050406030204" pitchFamily="18" charset="0"/>
+                                </a:rPr>
+                              </m:ctrlPr>
+                            </m:sSubPr>
+                            <m:e>
+                              <m:r>
+                                <a:rPr lang="en-GB" sz="2800" i="1">
+                                  <a:latin typeface="Cambria Math" panose="02040503050406030204" pitchFamily="18" charset="0"/>
+                                </a:rPr>
+                                <m:t>𝐶</m:t>
+                              </m:r>
+                            </m:e>
+                            <m:sub>
+                              <m:r>
+                                <a:rPr lang="en-GB" sz="2800" i="1">
+                                  <a:latin typeface="Cambria Math" panose="02040503050406030204" pitchFamily="18" charset="0"/>
+                                </a:rPr>
+                                <m:t>𝑛</m:t>
+                              </m:r>
+                            </m:sub>
+                          </m:sSub>
+                          <m:r>
+                            <a:rPr lang="en-GB" sz="2800" i="1">
+                              <a:latin typeface="Cambria Math" panose="02040503050406030204" pitchFamily="18" charset="0"/>
+                            </a:rPr>
+                            <m:t>(</m:t>
+                          </m:r>
+                          <m:sSub>
+                            <m:sSubPr>
+                              <m:ctrlPr>
+                                <a:rPr lang="en-GB" sz="2800" i="1">
+                                  <a:latin typeface="Cambria Math" panose="02040503050406030204" pitchFamily="18" charset="0"/>
+                                </a:rPr>
+                              </m:ctrlPr>
+                            </m:sSubPr>
+                            <m:e>
+                              <m:r>
+                                <a:rPr lang="en-GB" sz="2800" i="1">
+                                  <a:latin typeface="Cambria Math" panose="02040503050406030204" pitchFamily="18" charset="0"/>
+                                </a:rPr>
+                                <m:t>𝑀</m:t>
+                              </m:r>
+                            </m:e>
+                            <m:sub>
+                              <m:r>
+                                <a:rPr lang="en-GB" sz="2800" i="1">
+                                  <a:latin typeface="Cambria Math" panose="02040503050406030204" pitchFamily="18" charset="0"/>
+                                </a:rPr>
+                                <m:t>𝑛</m:t>
+                              </m:r>
+                            </m:sub>
+                          </m:sSub>
+                          <m:r>
+                            <a:rPr lang="en-GB" sz="2800" i="1">
+                              <a:latin typeface="Cambria Math" panose="02040503050406030204" pitchFamily="18" charset="0"/>
+                            </a:rPr>
+                            <m:t>)</m:t>
+                          </m:r>
+                        </m:e>
+                      </m:nary>
+                      <m:r>
+                        <a:rPr lang="en-GB" sz="2800" b="0" i="1" smtClean="0">
+                          <a:latin typeface="Cambria Math" panose="02040503050406030204" pitchFamily="18" charset="0"/>
+                        </a:rPr>
+                        <m:t>+</m:t>
+                      </m:r>
+                      <m:r>
+                        <a:rPr lang="en-GB" sz="2800" b="0" i="1" smtClean="0">
+                          <a:latin typeface="Cambria Math" panose="02040503050406030204" pitchFamily="18" charset="0"/>
+                          <a:ea typeface="Cambria Math" panose="02040503050406030204" pitchFamily="18" charset="0"/>
+                        </a:rPr>
+                        <m:t>𝜆</m:t>
+                      </m:r>
+                      <m:d>
+                        <m:dPr>
+                          <m:ctrlPr>
+                            <a:rPr lang="en-GB" sz="2800" b="0" i="1" smtClean="0">
+                              <a:latin typeface="Cambria Math" panose="02040503050406030204" pitchFamily="18" charset="0"/>
+                              <a:ea typeface="Cambria Math" panose="02040503050406030204" pitchFamily="18" charset="0"/>
+                            </a:rPr>
+                          </m:ctrlPr>
+                        </m:dPr>
+                        <m:e>
+                          <m:r>
+                            <a:rPr lang="en-GB" sz="2800" b="0" i="1" smtClean="0">
+                              <a:latin typeface="Cambria Math" panose="02040503050406030204" pitchFamily="18" charset="0"/>
+                              <a:ea typeface="Cambria Math" panose="02040503050406030204" pitchFamily="18" charset="0"/>
+                            </a:rPr>
+                            <m:t>𝑀</m:t>
+                          </m:r>
+                          <m:r>
+                            <a:rPr lang="en-GB" sz="2800" b="0" i="1" smtClean="0">
+                              <a:latin typeface="Cambria Math" panose="02040503050406030204" pitchFamily="18" charset="0"/>
+                              <a:ea typeface="Cambria Math" panose="02040503050406030204" pitchFamily="18" charset="0"/>
+                            </a:rPr>
+                            <m:t>−</m:t>
+                          </m:r>
+                          <m:nary>
+                            <m:naryPr>
+                              <m:chr m:val="∑"/>
+                              <m:ctrlPr>
+                                <a:rPr lang="en-GB" sz="2800" i="1">
+                                  <a:latin typeface="Cambria Math" panose="02040503050406030204" pitchFamily="18" charset="0"/>
+                                </a:rPr>
+                              </m:ctrlPr>
+                            </m:naryPr>
+                            <m:sub>
+                              <m:r>
+                                <m:rPr>
+                                  <m:brk m:alnAt="23"/>
+                                </m:rPr>
+                                <a:rPr lang="en-GB" sz="2800" i="1">
+                                  <a:latin typeface="Cambria Math" panose="02040503050406030204" pitchFamily="18" charset="0"/>
+                                </a:rPr>
+                                <m:t>𝑛</m:t>
+                              </m:r>
+                              <m:r>
+                                <a:rPr lang="en-GB" sz="2800" i="1">
+                                  <a:latin typeface="Cambria Math" panose="02040503050406030204" pitchFamily="18" charset="0"/>
+                                </a:rPr>
+                                <m:t>=1</m:t>
+                              </m:r>
+                            </m:sub>
+                            <m:sup>
+                              <m:r>
+                                <a:rPr lang="en-GB" sz="2800" i="1">
+                                  <a:latin typeface="Cambria Math" panose="02040503050406030204" pitchFamily="18" charset="0"/>
+                                </a:rPr>
+                                <m:t>𝑁</m:t>
+                              </m:r>
+                            </m:sup>
+                            <m:e>
+                              <m:sSub>
+                                <m:sSubPr>
+                                  <m:ctrlPr>
+                                    <a:rPr lang="en-GB" sz="2800" i="1">
+                                      <a:latin typeface="Cambria Math" panose="02040503050406030204" pitchFamily="18" charset="0"/>
+                                    </a:rPr>
+                                  </m:ctrlPr>
+                                </m:sSubPr>
+                                <m:e>
+                                  <m:r>
+                                    <a:rPr lang="en-GB" sz="2800" i="1">
+                                      <a:latin typeface="Cambria Math" panose="02040503050406030204" pitchFamily="18" charset="0"/>
+                                    </a:rPr>
+                                    <m:t>𝑀</m:t>
+                                  </m:r>
+                                </m:e>
+                                <m:sub>
+                                  <m:r>
+                                    <a:rPr lang="en-GB" sz="2800" i="1">
+                                      <a:latin typeface="Cambria Math" panose="02040503050406030204" pitchFamily="18" charset="0"/>
+                                    </a:rPr>
+                                    <m:t>𝑛</m:t>
+                                  </m:r>
+                                </m:sub>
+                              </m:sSub>
+                            </m:e>
+                          </m:nary>
+                        </m:e>
+                      </m:d>
+                    </m:oMath>
+                  </m:oMathPara>
+                </a14:m>
+                <a:endParaRPr lang="en-GB" sz="2800" dirty="0"/>
+              </a:p>
+            </p:txBody>
+          </p:sp>
+        </mc:Choice>
+        <mc:Fallback xmlns="">
+          <p:sp>
+            <p:nvSpPr>
+              <p:cNvPr id="10" name="TextBox 9"/>
+              <p:cNvSpPr txBox="1">
+                <a:spLocks noRot="1" noChangeAspect="1" noMove="1" noResize="1" noEditPoints="1" noAdjustHandles="1" noChangeArrowheads="1" noChangeShapeType="1" noTextEdit="1"/>
+              </p:cNvSpPr>
+              <p:nvPr/>
+            </p:nvSpPr>
+            <p:spPr>
+              <a:xfrm>
+                <a:off x="418932" y="2861787"/>
+                <a:ext cx="5475473" cy="1387175"/>
+              </a:xfrm>
+              <a:prstGeom prst="rect">
+                <a:avLst/>
+              </a:prstGeom>
+              <a:blipFill rotWithShape="0">
+                <a:blip r:embed="rId4"/>
+                <a:stretch>
+                  <a:fillRect/>
+                </a:stretch>
+              </a:blipFill>
+            </p:spPr>
+            <p:txBody>
+              <a:bodyPr/>
+              <a:lstStyle/>
+              <a:p>
+                <a:r>
+                  <a:rPr lang="en-GB">
+                    <a:noFill/>
+                  </a:rPr>
+                  <a:t> </a:t>
+                </a:r>
+              </a:p>
+            </p:txBody>
+          </p:sp>
+        </mc:Fallback>
+      </mc:AlternateContent>
+      <mc:AlternateContent xmlns:mc="http://schemas.openxmlformats.org/markup-compatibility/2006" xmlns:a14="http://schemas.microsoft.com/office/drawing/2010/main">
+        <mc:Choice Requires="a14">
+          <p:sp>
+            <p:nvSpPr>
+              <p:cNvPr id="12" name="TextBox 11"/>
+              <p:cNvSpPr txBox="1"/>
+              <p:nvPr/>
+            </p:nvSpPr>
+            <p:spPr>
+              <a:xfrm>
+                <a:off x="417016" y="4359243"/>
+                <a:ext cx="6463308" cy="686726"/>
+              </a:xfrm>
+              <a:prstGeom prst="rect">
+                <a:avLst/>
+              </a:prstGeom>
+              <a:noFill/>
+            </p:spPr>
+            <p:txBody>
+              <a:bodyPr wrap="none" lIns="0" tIns="0" rIns="0" bIns="0" rtlCol="0">
+                <a:spAutoFit/>
+              </a:bodyPr>
+              <a:lstStyle/>
+              <a:p>
+                <a14:m>
+                  <m:oMath xmlns:m="http://schemas.openxmlformats.org/officeDocument/2006/math">
+                    <m:f>
+                      <m:fPr>
+                        <m:ctrlPr>
+                          <a:rPr lang="en-GB" sz="2800" i="1" smtClean="0">
+                            <a:latin typeface="Cambria Math" panose="02040503050406030204" pitchFamily="18" charset="0"/>
+                          </a:rPr>
+                        </m:ctrlPr>
+                      </m:fPr>
+                      <m:num>
+                        <m:r>
+                          <a:rPr lang="en-GB" sz="2800" i="1" smtClean="0">
+                            <a:latin typeface="Cambria Math" panose="02040503050406030204" pitchFamily="18" charset="0"/>
+                            <a:ea typeface="Cambria Math" panose="02040503050406030204" pitchFamily="18" charset="0"/>
+                          </a:rPr>
+                          <m:t>𝜕</m:t>
+                        </m:r>
+                        <m:r>
+                          <a:rPr lang="en-GB" sz="2800" i="1" smtClean="0">
+                            <a:latin typeface="Cambria Math" panose="02040503050406030204" pitchFamily="18" charset="0"/>
+                            <a:ea typeface="Cambria Math" panose="02040503050406030204" pitchFamily="18" charset="0"/>
+                          </a:rPr>
+                          <m:t>ℒ</m:t>
+                        </m:r>
+                      </m:num>
+                      <m:den>
+                        <m:r>
+                          <a:rPr lang="en-GB" sz="2800" i="1" smtClean="0">
+                            <a:latin typeface="Cambria Math" panose="02040503050406030204" pitchFamily="18" charset="0"/>
+                            <a:ea typeface="Cambria Math" panose="02040503050406030204" pitchFamily="18" charset="0"/>
+                          </a:rPr>
+                          <m:t>𝜕</m:t>
+                        </m:r>
+                        <m:sSub>
+                          <m:sSubPr>
+                            <m:ctrlPr>
+                              <a:rPr lang="en-GB" sz="2800" i="1">
+                                <a:latin typeface="Cambria Math" panose="02040503050406030204" pitchFamily="18" charset="0"/>
+                              </a:rPr>
+                            </m:ctrlPr>
+                          </m:sSubPr>
+                          <m:e>
+                            <m:r>
+                              <a:rPr lang="en-GB" sz="2800" i="1">
+                                <a:latin typeface="Cambria Math" panose="02040503050406030204" pitchFamily="18" charset="0"/>
+                              </a:rPr>
+                              <m:t>𝑀</m:t>
+                            </m:r>
+                          </m:e>
+                          <m:sub>
+                            <m:r>
+                              <a:rPr lang="en-GB" sz="2800" i="1">
+                                <a:latin typeface="Cambria Math" panose="02040503050406030204" pitchFamily="18" charset="0"/>
+                              </a:rPr>
+                              <m:t>𝑛</m:t>
+                            </m:r>
+                          </m:sub>
+                        </m:sSub>
+                      </m:den>
+                    </m:f>
+                    <m:r>
+                      <a:rPr lang="en-GB" sz="2800" b="0" i="1" smtClean="0">
+                        <a:latin typeface="Cambria Math" panose="02040503050406030204" pitchFamily="18" charset="0"/>
+                      </a:rPr>
+                      <m:t>=</m:t>
+                    </m:r>
+                    <m:sSub>
+                      <m:sSubPr>
+                        <m:ctrlPr>
+                          <a:rPr lang="en-GB" sz="2800" b="0" i="1" smtClean="0">
+                            <a:latin typeface="Cambria Math" panose="02040503050406030204" pitchFamily="18" charset="0"/>
+                          </a:rPr>
+                        </m:ctrlPr>
+                      </m:sSubPr>
+                      <m:e>
+                        <m:r>
+                          <a:rPr lang="en-GB" sz="2800" b="0" i="1" smtClean="0">
+                            <a:latin typeface="Cambria Math" panose="02040503050406030204" pitchFamily="18" charset="0"/>
+                            <a:ea typeface="Cambria Math" panose="02040503050406030204" pitchFamily="18" charset="0"/>
+                          </a:rPr>
+                          <m:t>𝛽</m:t>
+                        </m:r>
+                      </m:e>
+                      <m:sub>
+                        <m:r>
+                          <a:rPr lang="en-GB" sz="2800" b="0" i="1" smtClean="0">
+                            <a:latin typeface="Cambria Math" panose="02040503050406030204" pitchFamily="18" charset="0"/>
+                          </a:rPr>
+                          <m:t>𝑛</m:t>
+                        </m:r>
+                      </m:sub>
+                    </m:sSub>
+                    <m:r>
+                      <a:rPr lang="en-GB" sz="2800" b="0" i="1" smtClean="0">
+                        <a:latin typeface="Cambria Math" panose="02040503050406030204" pitchFamily="18" charset="0"/>
+                      </a:rPr>
+                      <m:t>+</m:t>
+                    </m:r>
+                    <m:sSub>
+                      <m:sSubPr>
+                        <m:ctrlPr>
+                          <a:rPr lang="en-GB" sz="2800" b="0" i="1" smtClean="0">
+                            <a:latin typeface="Cambria Math" panose="02040503050406030204" pitchFamily="18" charset="0"/>
+                          </a:rPr>
+                        </m:ctrlPr>
+                      </m:sSubPr>
+                      <m:e>
+                        <m:r>
+                          <a:rPr lang="en-GB" sz="2800" b="0" i="1" smtClean="0">
+                            <a:latin typeface="Cambria Math" panose="02040503050406030204" pitchFamily="18" charset="0"/>
+                            <a:ea typeface="Cambria Math" panose="02040503050406030204" pitchFamily="18" charset="0"/>
+                          </a:rPr>
+                          <m:t>𝛾</m:t>
+                        </m:r>
+                      </m:e>
+                      <m:sub>
+                        <m:r>
+                          <a:rPr lang="en-GB" sz="2800" b="0" i="1" smtClean="0">
+                            <a:latin typeface="Cambria Math" panose="02040503050406030204" pitchFamily="18" charset="0"/>
+                          </a:rPr>
+                          <m:t>𝑛</m:t>
+                        </m:r>
+                      </m:sub>
+                    </m:sSub>
+                    <m:sSub>
+                      <m:sSubPr>
+                        <m:ctrlPr>
+                          <a:rPr lang="en-GB" sz="2800" i="1">
+                            <a:latin typeface="Cambria Math" panose="02040503050406030204" pitchFamily="18" charset="0"/>
+                          </a:rPr>
+                        </m:ctrlPr>
+                      </m:sSubPr>
+                      <m:e>
+                        <m:r>
+                          <a:rPr lang="en-GB" sz="2800" i="1">
+                            <a:latin typeface="Cambria Math" panose="02040503050406030204" pitchFamily="18" charset="0"/>
+                          </a:rPr>
+                          <m:t>𝑀</m:t>
+                        </m:r>
+                      </m:e>
+                      <m:sub>
+                        <m:r>
+                          <a:rPr lang="en-GB" sz="2800" i="1">
+                            <a:latin typeface="Cambria Math" panose="02040503050406030204" pitchFamily="18" charset="0"/>
+                          </a:rPr>
+                          <m:t>𝑛</m:t>
+                        </m:r>
+                      </m:sub>
+                    </m:sSub>
+                    <m:r>
+                      <a:rPr lang="en-GB" sz="2800" b="0" i="1" smtClean="0">
+                        <a:latin typeface="Cambria Math" panose="02040503050406030204" pitchFamily="18" charset="0"/>
+                      </a:rPr>
+                      <m:t>−</m:t>
+                    </m:r>
+                    <m:r>
+                      <a:rPr lang="en-GB" sz="2800" i="1">
+                        <a:latin typeface="Cambria Math" panose="02040503050406030204" pitchFamily="18" charset="0"/>
+                        <a:ea typeface="Cambria Math" panose="02040503050406030204" pitchFamily="18" charset="0"/>
+                      </a:rPr>
+                      <m:t>𝜆</m:t>
+                    </m:r>
+                    <m:r>
+                      <a:rPr lang="en-GB" sz="2800">
+                        <a:latin typeface="Cambria Math" panose="02040503050406030204" pitchFamily="18" charset="0"/>
+                        <a:ea typeface="Cambria Math" panose="02040503050406030204" pitchFamily="18" charset="0"/>
+                      </a:rPr>
+                      <m:t>=0</m:t>
+                    </m:r>
+                    <m:r>
+                      <a:rPr lang="en-GB" sz="2800" i="1">
+                        <a:latin typeface="Cambria Math" panose="02040503050406030204" pitchFamily="18" charset="0"/>
+                        <a:ea typeface="Cambria Math" panose="02040503050406030204" pitchFamily="18" charset="0"/>
+                      </a:rPr>
+                      <m:t>⇒</m:t>
+                    </m:r>
+                    <m:sSub>
+                      <m:sSubPr>
+                        <m:ctrlPr>
+                          <a:rPr lang="en-GB" sz="2800" i="1">
+                            <a:latin typeface="Cambria Math" panose="02040503050406030204" pitchFamily="18" charset="0"/>
+                            <a:ea typeface="Cambria Math" panose="02040503050406030204" pitchFamily="18" charset="0"/>
+                          </a:rPr>
+                        </m:ctrlPr>
+                      </m:sSubPr>
+                      <m:e>
+                        <m:r>
+                          <a:rPr lang="en-GB" sz="2800" i="1">
+                            <a:latin typeface="Cambria Math" panose="02040503050406030204" pitchFamily="18" charset="0"/>
+                            <a:ea typeface="Cambria Math" panose="02040503050406030204" pitchFamily="18" charset="0"/>
+                          </a:rPr>
+                          <m:t>𝐶</m:t>
+                        </m:r>
+                      </m:e>
+                      <m:sub>
+                        <m:sSub>
+                          <m:sSubPr>
+                            <m:ctrlPr>
+                              <a:rPr lang="en-GB" sz="2800" i="1">
+                                <a:latin typeface="Cambria Math" panose="02040503050406030204" pitchFamily="18" charset="0"/>
+                                <a:ea typeface="Cambria Math" panose="02040503050406030204" pitchFamily="18" charset="0"/>
+                              </a:rPr>
+                            </m:ctrlPr>
+                          </m:sSubPr>
+                          <m:e>
+                            <m:r>
+                              <a:rPr lang="en-GB" sz="2800" i="1">
+                                <a:latin typeface="Cambria Math" panose="02040503050406030204" pitchFamily="18" charset="0"/>
+                                <a:ea typeface="Cambria Math" panose="02040503050406030204" pitchFamily="18" charset="0"/>
+                              </a:rPr>
+                              <m:t>𝑀</m:t>
+                            </m:r>
+                          </m:e>
+                          <m:sub>
+                            <m:r>
+                              <a:rPr lang="en-GB" sz="2800" i="1">
+                                <a:latin typeface="Cambria Math" panose="02040503050406030204" pitchFamily="18" charset="0"/>
+                                <a:ea typeface="Cambria Math" panose="02040503050406030204" pitchFamily="18" charset="0"/>
+                              </a:rPr>
+                              <m:t>𝑛</m:t>
+                            </m:r>
+                          </m:sub>
+                        </m:sSub>
+                      </m:sub>
+                    </m:sSub>
+                    <m:r>
+                      <a:rPr lang="en-GB" sz="2800" i="1">
+                        <a:latin typeface="Cambria Math" panose="02040503050406030204" pitchFamily="18" charset="0"/>
+                        <a:ea typeface="Cambria Math" panose="02040503050406030204" pitchFamily="18" charset="0"/>
+                      </a:rPr>
+                      <m:t>=</m:t>
+                    </m:r>
+                    <m:r>
+                      <a:rPr lang="en-GB" sz="2800" i="1">
+                        <a:latin typeface="Cambria Math" panose="02040503050406030204" pitchFamily="18" charset="0"/>
+                        <a:ea typeface="Cambria Math" panose="02040503050406030204" pitchFamily="18" charset="0"/>
+                      </a:rPr>
+                      <m:t>𝜆</m:t>
+                    </m:r>
+                    <m:r>
+                      <a:rPr lang="en-GB" sz="2800" i="1">
+                        <a:latin typeface="Cambria Math" panose="02040503050406030204" pitchFamily="18" charset="0"/>
+                        <a:ea typeface="Cambria Math" panose="02040503050406030204" pitchFamily="18" charset="0"/>
+                      </a:rPr>
+                      <m:t>∀</m:t>
+                    </m:r>
+                    <m:r>
+                      <a:rPr lang="en-GB" sz="2800" i="1">
+                        <a:latin typeface="Cambria Math" panose="02040503050406030204" pitchFamily="18" charset="0"/>
+                        <a:ea typeface="Cambria Math" panose="02040503050406030204" pitchFamily="18" charset="0"/>
+                      </a:rPr>
+                      <m:t>𝑛</m:t>
+                    </m:r>
+                  </m:oMath>
+                </a14:m>
+                <a:r>
+                  <a:rPr lang="en-GB" sz="2800" dirty="0"/>
+                  <a:t>	</a:t>
+                </a:r>
+              </a:p>
+            </p:txBody>
+          </p:sp>
+        </mc:Choice>
+        <mc:Fallback xmlns="">
+          <p:sp>
+            <p:nvSpPr>
+              <p:cNvPr id="12" name="TextBox 11"/>
+              <p:cNvSpPr txBox="1">
+                <a:spLocks noRot="1" noChangeAspect="1" noMove="1" noResize="1" noEditPoints="1" noAdjustHandles="1" noChangeArrowheads="1" noChangeShapeType="1" noTextEdit="1"/>
+              </p:cNvSpPr>
+              <p:nvPr/>
+            </p:nvSpPr>
+            <p:spPr>
+              <a:xfrm>
+                <a:off x="417016" y="4359243"/>
+                <a:ext cx="6463308" cy="686726"/>
+              </a:xfrm>
+              <a:prstGeom prst="rect">
+                <a:avLst/>
+              </a:prstGeom>
+              <a:blipFill rotWithShape="0">
+                <a:blip r:embed="rId5"/>
+                <a:stretch>
+                  <a:fillRect/>
+                </a:stretch>
+              </a:blipFill>
+            </p:spPr>
+            <p:txBody>
+              <a:bodyPr/>
+              <a:lstStyle/>
+              <a:p>
+                <a:r>
+                  <a:rPr lang="en-GB">
+                    <a:noFill/>
+                  </a:rPr>
+                  <a:t> </a:t>
+                </a:r>
+              </a:p>
+            </p:txBody>
+          </p:sp>
+        </mc:Fallback>
+      </mc:AlternateContent>
+      <p:pic>
+        <p:nvPicPr>
+          <p:cNvPr id="3" name="Picture 2"/>
+          <p:cNvPicPr>
+            <a:picLocks noChangeAspect="1"/>
+          </p:cNvPicPr>
+          <p:nvPr/>
+        </p:nvPicPr>
+        <p:blipFill>
+          <a:blip r:embed="rId6">
+            <a:extLst>
+              <a:ext uri="{28A0092B-C50C-407E-A947-70E740481C1C}">
+                <a14:useLocalDpi xmlns:a14="http://schemas.microsoft.com/office/drawing/2010/main" val="0"/>
+              </a:ext>
+            </a:extLst>
+          </a:blip>
+          <a:stretch>
+            <a:fillRect/>
+          </a:stretch>
+        </p:blipFill>
+        <p:spPr>
+          <a:xfrm>
+            <a:off x="6831926" y="84248"/>
+            <a:ext cx="2247596" cy="3124073"/>
+          </a:xfrm>
+          <a:prstGeom prst="rect">
+            <a:avLst/>
+          </a:prstGeom>
+        </p:spPr>
+      </p:pic>
+    </p:spTree>
+  </p:cSld>
+  <p:clrMapOvr>
+    <a:masterClrMapping/>
+  </p:clrMapOvr>
+</p:sld>
+</file>
+
+<file path=ppt/slides/slide12.xml><?xml version="1.0" encoding="utf-8"?>
 <p:sld xmlns:a="http://schemas.openxmlformats.org/drawingml/2006/main" xmlns:r="http://schemas.openxmlformats.org/officeDocument/2006/relationships" xmlns:p="http://schemas.openxmlformats.org/presentationml/2006/main">
   <p:cSld>
     <p:spTree>
@@ -5491,7 +7018,7 @@
 </p:sld>
 </file>
 
-<file path=ppt/slides/slide11.xml><?xml version="1.0" encoding="utf-8"?>
+<file path=ppt/slides/slide13.xml><?xml version="1.0" encoding="utf-8"?>
 <p:sld xmlns:a="http://schemas.openxmlformats.org/drawingml/2006/main" xmlns:r="http://schemas.openxmlformats.org/officeDocument/2006/relationships" xmlns:p="http://schemas.openxmlformats.org/presentationml/2006/main">
   <p:cSld>
     <p:spTree>
@@ -6453,7 +7980,7 @@
           <p:nvPr>
             <p:extLst>
               <p:ext uri="{D42A27DB-BD31-4B8C-83A1-F6EECF244321}">
-                <p14:modId xmlns:p14="http://schemas.microsoft.com/office/powerpoint/2010/main" val="809900638"/>
+                <p14:modId xmlns:p14="http://schemas.microsoft.com/office/powerpoint/2010/main" val="3550877169"/>
               </p:ext>
             </p:extLst>
           </p:nvPr>
@@ -7170,24 +8697,27 @@
                 </a:extLst>
               </a:tr>
               <a:tr h="499656">
-                <a:tc>
+                <a:tc gridSpan="3">
                   <a:txBody>
                     <a:bodyPr/>
                     <a:lstStyle/>
                     <a:p>
                       <a:pPr algn="l" fontAlgn="b"/>
-                      <a:endParaRPr lang="en-GB" sz="2800" b="0" i="0" u="none" strike="noStrike">
-                        <a:solidFill>
-                          <a:srgbClr val="000000"/>
-                        </a:solidFill>
-                        <a:effectLst/>
-                        <a:latin typeface="Candara" panose="020E0502030303020204" pitchFamily="34" charset="0"/>
-                      </a:endParaRPr>
+                      <a:r>
+                        <a:rPr lang="en-GB" sz="2800" b="0" i="0" u="none" strike="noStrike" dirty="0">
+                          <a:solidFill>
+                            <a:srgbClr val="000000"/>
+                          </a:solidFill>
+                          <a:effectLst/>
+                          <a:latin typeface="Candara" panose="020E0502030303020204" pitchFamily="34" charset="0"/>
+                        </a:rPr>
+                        <a:t>A+B</a:t>
+                      </a:r>
                     </a:p>
                   </a:txBody>
                   <a:tcPr marL="9525" marR="9525" marT="9525" marB="0" anchor="b"/>
                 </a:tc>
-                <a:tc>
+                <a:tc hMerge="1">
                   <a:txBody>
                     <a:bodyPr/>
                     <a:lstStyle/>
@@ -7204,13 +8734,13 @@
                   </a:txBody>
                   <a:tcPr marL="9525" marR="9525" marT="9525" marB="0" anchor="b"/>
                 </a:tc>
-                <a:tc>
+                <a:tc hMerge="1">
                   <a:txBody>
                     <a:bodyPr/>
                     <a:lstStyle/>
                     <a:p>
                       <a:pPr algn="l" fontAlgn="b"/>
-                      <a:endParaRPr lang="en-GB" sz="2800" b="0" i="0" u="none" strike="noStrike">
+                      <a:endParaRPr lang="en-GB" sz="2800" b="0" i="0" u="none" strike="noStrike" dirty="0">
                         <a:solidFill>
                           <a:srgbClr val="000000"/>
                         </a:solidFill>
@@ -7371,7 +8901,7 @@
 </p:sld>
 </file>
 
-<file path=ppt/slides/slide12.xml><?xml version="1.0" encoding="utf-8"?>
+<file path=ppt/slides/slide14.xml><?xml version="1.0" encoding="utf-8"?>
 <p:sld xmlns:a="http://schemas.openxmlformats.org/drawingml/2006/main" xmlns:r="http://schemas.openxmlformats.org/officeDocument/2006/relationships" xmlns:p="http://schemas.openxmlformats.org/presentationml/2006/main">
   <p:cSld>
     <p:spTree>
@@ -7477,6 +9007,42 @@
           </a:p>
         </p:txBody>
       </p:sp>
+      <p:pic>
+        <p:nvPicPr>
+          <p:cNvPr id="3" name="Picture 2" descr="A person wearing a suit and tie smiling at the camera&#10;&#10;Description automatically generated">
+            <a:extLst>
+              <a:ext uri="{FF2B5EF4-FFF2-40B4-BE49-F238E27FC236}">
+                <a16:creationId xmlns:a16="http://schemas.microsoft.com/office/drawing/2014/main" id="{14266D46-6663-444E-8D37-F7E0CACAB1CD}"/>
+              </a:ext>
+            </a:extLst>
+          </p:cNvPr>
+          <p:cNvPicPr>
+            <a:picLocks noChangeAspect="1"/>
+          </p:cNvPicPr>
+          <p:nvPr/>
+        </p:nvPicPr>
+        <p:blipFill>
+          <a:blip r:embed="rId2" cstate="print">
+            <a:extLst>
+              <a:ext uri="{28A0092B-C50C-407E-A947-70E740481C1C}">
+                <a14:useLocalDpi xmlns:a14="http://schemas.microsoft.com/office/drawing/2010/main" val="0"/>
+              </a:ext>
+            </a:extLst>
+          </a:blip>
+          <a:stretch>
+            <a:fillRect/>
+          </a:stretch>
+        </p:blipFill>
+        <p:spPr>
+          <a:xfrm>
+            <a:off x="7696200" y="4720120"/>
+            <a:ext cx="1369325" cy="2061680"/>
+          </a:xfrm>
+          <a:prstGeom prst="rect">
+            <a:avLst/>
+          </a:prstGeom>
+        </p:spPr>
+      </p:pic>
     </p:spTree>
     <p:extLst>
       <p:ext uri="{BB962C8B-B14F-4D97-AF65-F5344CB8AC3E}">
@@ -7490,7 +9056,7 @@
 </p:sld>
 </file>
 
-<file path=ppt/slides/slide13.xml><?xml version="1.0" encoding="utf-8"?>
+<file path=ppt/slides/slide15.xml><?xml version="1.0" encoding="utf-8"?>
 <p:sld xmlns:a="http://schemas.openxmlformats.org/drawingml/2006/main" xmlns:r="http://schemas.openxmlformats.org/officeDocument/2006/relationships" xmlns:p="http://schemas.openxmlformats.org/presentationml/2006/main">
   <p:cSld>
     <p:spTree>
@@ -8396,7 +9962,110 @@
 </p:sld>
 </file>
 
-<file path=ppt/slides/slide14.xml><?xml version="1.0" encoding="utf-8"?>
+<file path=ppt/slides/slide16.xml><?xml version="1.0" encoding="utf-8"?>
+<p:sld xmlns:a="http://schemas.openxmlformats.org/drawingml/2006/main" xmlns:r="http://schemas.openxmlformats.org/officeDocument/2006/relationships" xmlns:p="http://schemas.openxmlformats.org/presentationml/2006/main">
+  <p:cSld>
+    <p:spTree>
+      <p:nvGrpSpPr>
+        <p:cNvPr id="1" name=""/>
+        <p:cNvGrpSpPr/>
+        <p:nvPr/>
+      </p:nvGrpSpPr>
+      <p:grpSpPr>
+        <a:xfrm>
+          <a:off x="0" y="0"/>
+          <a:ext cx="0" cy="0"/>
+          <a:chOff x="0" y="0"/>
+          <a:chExt cx="0" cy="0"/>
+        </a:xfrm>
+      </p:grpSpPr>
+      <p:sp>
+        <p:nvSpPr>
+          <p:cNvPr id="3074" name="Rectangle 2"/>
+          <p:cNvSpPr>
+            <a:spLocks noGrp="1" noChangeArrowheads="1"/>
+          </p:cNvSpPr>
+          <p:nvPr>
+            <p:ph type="title"/>
+          </p:nvPr>
+        </p:nvSpPr>
+        <p:spPr>
+          <a:xfrm>
+            <a:off x="659855" y="152400"/>
+            <a:ext cx="7772400" cy="1143000"/>
+          </a:xfrm>
+        </p:spPr>
+        <p:txBody>
+          <a:bodyPr/>
+          <a:lstStyle/>
+          <a:p>
+            <a:pPr eaLnBrk="1" hangingPunct="1"/>
+            <a:r>
+              <a:rPr lang="de-DE" sz="4000" dirty="0"/>
+              <a:t>Policy Instruments</a:t>
+            </a:r>
+            <a:endParaRPr lang="en-GB" sz="4000" dirty="0"/>
+          </a:p>
+        </p:txBody>
+      </p:sp>
+      <p:sp>
+        <p:nvSpPr>
+          <p:cNvPr id="3075" name="Rectangle 3"/>
+          <p:cNvSpPr>
+            <a:spLocks noGrp="1" noChangeArrowheads="1"/>
+          </p:cNvSpPr>
+          <p:nvPr>
+            <p:ph type="body" idx="1"/>
+          </p:nvPr>
+        </p:nvSpPr>
+        <p:spPr/>
+        <p:txBody>
+          <a:bodyPr/>
+          <a:lstStyle/>
+          <a:p>
+            <a:pPr eaLnBrk="1" hangingPunct="1"/>
+            <a:r>
+              <a:rPr lang="de-DE" dirty="0"/>
+              <a:t>Introduction</a:t>
+            </a:r>
+          </a:p>
+          <a:p>
+            <a:pPr eaLnBrk="1" hangingPunct="1"/>
+            <a:r>
+              <a:rPr lang="de-DE" dirty="0"/>
+              <a:t>Direct regulation</a:t>
+            </a:r>
+          </a:p>
+          <a:p>
+            <a:pPr eaLnBrk="1" hangingPunct="1"/>
+            <a:r>
+              <a:rPr lang="de-DE" b="1" dirty="0"/>
+              <a:t>Voluntary agreements</a:t>
+            </a:r>
+          </a:p>
+          <a:p>
+            <a:pPr eaLnBrk="1" hangingPunct="1"/>
+            <a:r>
+              <a:rPr lang="de-DE" dirty="0"/>
+              <a:t>Coasian bargaining</a:t>
+            </a:r>
+          </a:p>
+        </p:txBody>
+      </p:sp>
+    </p:spTree>
+    <p:extLst>
+      <p:ext uri="{BB962C8B-B14F-4D97-AF65-F5344CB8AC3E}">
+        <p14:creationId xmlns:p14="http://schemas.microsoft.com/office/powerpoint/2010/main" val="1997470535"/>
+      </p:ext>
+    </p:extLst>
+  </p:cSld>
+  <p:clrMapOvr>
+    <a:masterClrMapping/>
+  </p:clrMapOvr>
+</p:sld>
+</file>
+
+<file path=ppt/slides/slide17.xml><?xml version="1.0" encoding="utf-8"?>
 <p:sld xmlns:a="http://schemas.openxmlformats.org/drawingml/2006/main" xmlns:r="http://schemas.openxmlformats.org/officeDocument/2006/relationships" xmlns:p="http://schemas.openxmlformats.org/presentationml/2006/main">
   <p:cSld>
     <p:spTree>
@@ -8523,7 +10192,7 @@
 </p:sld>
 </file>
 
-<file path=ppt/slides/slide15.xml><?xml version="1.0" encoding="utf-8"?>
+<file path=ppt/slides/slide18.xml><?xml version="1.0" encoding="utf-8"?>
 <p:sld xmlns:a="http://schemas.openxmlformats.org/drawingml/2006/main" xmlns:r="http://schemas.openxmlformats.org/officeDocument/2006/relationships" xmlns:p="http://schemas.openxmlformats.org/presentationml/2006/main">
   <p:cSld>
     <p:spTree>
@@ -8606,7 +10275,7 @@
                 </a:pPr>
                 <a:r>
                   <a:rPr lang="de-DE" sz="2600" dirty="0"/>
-                  <a:t>Abatement costs, voluntary, mandatory</a:t>
+                  <a:t>Abatement costs; voluntary, mandatory</a:t>
                 </a:r>
               </a:p>
               <a:p>
@@ -9175,7 +10844,7 @@
                 <a:off x="533400" y="1143000"/>
                 <a:ext cx="7772400" cy="4114800"/>
               </a:xfrm>
-              <a:blipFill rotWithShape="0">
+              <a:blipFill>
                 <a:blip r:embed="rId2"/>
                 <a:stretch>
                   <a:fillRect l="-1490" t="-2519"/>
@@ -9251,7 +10920,7 @@
 </p:sld>
 </file>
 
-<file path=ppt/slides/slide16.xml><?xml version="1.0" encoding="utf-8"?>
+<file path=ppt/slides/slide19.xml><?xml version="1.0" encoding="utf-8"?>
 <p:sld xmlns:a="http://schemas.openxmlformats.org/drawingml/2006/main" xmlns:r="http://schemas.openxmlformats.org/officeDocument/2006/relationships" xmlns:p="http://schemas.openxmlformats.org/presentationml/2006/main">
   <p:cSld>
     <p:spTree>
@@ -9757,7 +11426,169 @@
 </p:sld>
 </file>
 
-<file path=ppt/slides/slide17.xml><?xml version="1.0" encoding="utf-8"?>
+<file path=ppt/slides/slide2.xml><?xml version="1.0" encoding="utf-8"?>
+<p:sld xmlns:a="http://schemas.openxmlformats.org/drawingml/2006/main" xmlns:r="http://schemas.openxmlformats.org/officeDocument/2006/relationships" xmlns:p="http://schemas.openxmlformats.org/presentationml/2006/main">
+  <p:cSld>
+    <p:spTree>
+      <p:nvGrpSpPr>
+        <p:cNvPr id="1" name=""/>
+        <p:cNvGrpSpPr/>
+        <p:nvPr/>
+      </p:nvGrpSpPr>
+      <p:grpSpPr>
+        <a:xfrm>
+          <a:off x="0" y="0"/>
+          <a:ext cx="0" cy="0"/>
+          <a:chOff x="0" y="0"/>
+          <a:chExt cx="0" cy="0"/>
+        </a:xfrm>
+      </p:grpSpPr>
+      <p:sp>
+        <p:nvSpPr>
+          <p:cNvPr id="4099" name="Content Placeholder 2"/>
+          <p:cNvSpPr>
+            <a:spLocks noGrp="1"/>
+          </p:cNvSpPr>
+          <p:nvPr>
+            <p:ph idx="1"/>
+          </p:nvPr>
+        </p:nvSpPr>
+        <p:spPr>
+          <a:xfrm>
+            <a:off x="415039" y="368041"/>
+            <a:ext cx="8229600" cy="5211763"/>
+          </a:xfrm>
+        </p:spPr>
+        <p:txBody>
+          <a:bodyPr>
+            <a:noAutofit/>
+          </a:bodyPr>
+          <a:lstStyle/>
+          <a:p>
+            <a:pPr eaLnBrk="1" hangingPunct="1">
+              <a:buNone/>
+            </a:pPr>
+            <a:r>
+              <a:rPr lang="en-US" sz="2800" dirty="0"/>
+              <a:t>0 Introduction</a:t>
+            </a:r>
+          </a:p>
+          <a:p>
+            <a:pPr eaLnBrk="1" hangingPunct="1">
+              <a:buNone/>
+            </a:pPr>
+            <a:r>
+              <a:rPr lang="en-US" sz="2800" dirty="0"/>
+              <a:t>1 Social choice</a:t>
+            </a:r>
+          </a:p>
+          <a:p>
+            <a:pPr eaLnBrk="1" hangingPunct="1">
+              <a:buNone/>
+            </a:pPr>
+            <a:r>
+              <a:rPr lang="en-US" sz="2800" dirty="0"/>
+              <a:t>2 Externalities and public goods</a:t>
+            </a:r>
+          </a:p>
+          <a:p>
+            <a:pPr eaLnBrk="1" hangingPunct="1">
+              <a:buNone/>
+            </a:pPr>
+            <a:r>
+              <a:rPr lang="en-US" sz="2800" dirty="0"/>
+              <a:t>3 Decision analysis</a:t>
+            </a:r>
+          </a:p>
+          <a:p>
+            <a:pPr eaLnBrk="1" hangingPunct="1">
+              <a:buNone/>
+            </a:pPr>
+            <a:r>
+              <a:rPr lang="en-US" sz="2800" dirty="0"/>
+              <a:t>4 Valuation: Aims and purpose</a:t>
+            </a:r>
+          </a:p>
+          <a:p>
+            <a:pPr eaLnBrk="1" hangingPunct="1">
+              <a:buNone/>
+            </a:pPr>
+            <a:r>
+              <a:rPr lang="en-US" sz="2800" dirty="0"/>
+              <a:t>5 Valuation: Revealed preferences</a:t>
+            </a:r>
+          </a:p>
+          <a:p>
+            <a:pPr eaLnBrk="1" hangingPunct="1">
+              <a:buNone/>
+            </a:pPr>
+            <a:r>
+              <a:rPr lang="en-US" sz="2800" dirty="0"/>
+              <a:t>6 Valuation: Stated preferences</a:t>
+            </a:r>
+          </a:p>
+          <a:p>
+            <a:pPr eaLnBrk="1" hangingPunct="1">
+              <a:buNone/>
+            </a:pPr>
+            <a:r>
+              <a:rPr lang="en-US" b="1" dirty="0"/>
+              <a:t>7 Direct regulation</a:t>
+            </a:r>
+          </a:p>
+          <a:p>
+            <a:pPr eaLnBrk="1" hangingPunct="1">
+              <a:buNone/>
+            </a:pPr>
+            <a:r>
+              <a:rPr lang="en-US" sz="2800" dirty="0"/>
+              <a:t>8 Market-based instruments</a:t>
+            </a:r>
+          </a:p>
+          <a:p>
+            <a:pPr eaLnBrk="1" hangingPunct="1">
+              <a:buNone/>
+            </a:pPr>
+            <a:r>
+              <a:rPr lang="en-US" sz="2800"/>
+              <a:t>9 Complications with instruments</a:t>
+            </a:r>
+            <a:endParaRPr lang="en-US" sz="2800" dirty="0"/>
+          </a:p>
+          <a:p>
+            <a:pPr eaLnBrk="1" hangingPunct="1">
+              <a:buNone/>
+            </a:pPr>
+            <a:r>
+              <a:rPr lang="en-US" sz="2800" dirty="0"/>
+              <a:t>10 Growth and the environment</a:t>
+            </a:r>
+          </a:p>
+          <a:p>
+            <a:pPr eaLnBrk="1" hangingPunct="1">
+              <a:buNone/>
+            </a:pPr>
+            <a:r>
+              <a:rPr lang="en-US" sz="2800" dirty="0"/>
+              <a:t>11 Green accounting</a:t>
+            </a:r>
+          </a:p>
+        </p:txBody>
+      </p:sp>
+    </p:spTree>
+    <p:extLst>
+      <p:ext uri="{BB962C8B-B14F-4D97-AF65-F5344CB8AC3E}">
+        <p14:creationId xmlns:p14="http://schemas.microsoft.com/office/powerpoint/2010/main" val="4171659906"/>
+      </p:ext>
+    </p:extLst>
+  </p:cSld>
+  <p:clrMapOvr>
+    <a:masterClrMapping/>
+  </p:clrMapOvr>
+</p:sld>
+</file>
+
+<file path=ppt/slides/slide20.xml><?xml version="1.0" encoding="utf-8"?>
 <p:sld xmlns:a="http://schemas.openxmlformats.org/drawingml/2006/main" xmlns:r="http://schemas.openxmlformats.org/officeDocument/2006/relationships" xmlns:p="http://schemas.openxmlformats.org/presentationml/2006/main">
   <p:cSld>
     <p:spTree>
@@ -9842,13 +11673,13 @@
             </a:r>
           </a:p>
           <a:p>
-            <a:pPr eaLnBrk="1" hangingPunct="1">
+            <a:pPr lvl="1" eaLnBrk="1" hangingPunct="1">
               <a:lnSpc>
                 <a:spcPct val="90000"/>
               </a:lnSpc>
             </a:pPr>
             <a:r>
-              <a:rPr lang="de-DE" sz="2800" dirty="0"/>
+              <a:rPr lang="de-DE" sz="2400" dirty="0"/>
               <a:t>Green products are more expensive to make, but command a higher price</a:t>
             </a:r>
           </a:p>
@@ -9889,7 +11720,7 @@
 </p:sld>
 </file>
 
-<file path=ppt/slides/slide18.xml><?xml version="1.0" encoding="utf-8"?>
+<file path=ppt/slides/slide21.xml><?xml version="1.0" encoding="utf-8"?>
 <p:sld xmlns:a="http://schemas.openxmlformats.org/drawingml/2006/main" xmlns:r="http://schemas.openxmlformats.org/officeDocument/2006/relationships" xmlns:p="http://schemas.openxmlformats.org/presentationml/2006/main">
   <p:cSld>
     <p:spTree>
@@ -9989,7 +11820,110 @@
 </p:sld>
 </file>
 
-<file path=ppt/slides/slide19.xml><?xml version="1.0" encoding="utf-8"?>
+<file path=ppt/slides/slide22.xml><?xml version="1.0" encoding="utf-8"?>
+<p:sld xmlns:a="http://schemas.openxmlformats.org/drawingml/2006/main" xmlns:r="http://schemas.openxmlformats.org/officeDocument/2006/relationships" xmlns:p="http://schemas.openxmlformats.org/presentationml/2006/main">
+  <p:cSld>
+    <p:spTree>
+      <p:nvGrpSpPr>
+        <p:cNvPr id="1" name=""/>
+        <p:cNvGrpSpPr/>
+        <p:nvPr/>
+      </p:nvGrpSpPr>
+      <p:grpSpPr>
+        <a:xfrm>
+          <a:off x="0" y="0"/>
+          <a:ext cx="0" cy="0"/>
+          <a:chOff x="0" y="0"/>
+          <a:chExt cx="0" cy="0"/>
+        </a:xfrm>
+      </p:grpSpPr>
+      <p:sp>
+        <p:nvSpPr>
+          <p:cNvPr id="3074" name="Rectangle 2"/>
+          <p:cNvSpPr>
+            <a:spLocks noGrp="1" noChangeArrowheads="1"/>
+          </p:cNvSpPr>
+          <p:nvPr>
+            <p:ph type="title"/>
+          </p:nvPr>
+        </p:nvSpPr>
+        <p:spPr>
+          <a:xfrm>
+            <a:off x="659855" y="152400"/>
+            <a:ext cx="7772400" cy="1143000"/>
+          </a:xfrm>
+        </p:spPr>
+        <p:txBody>
+          <a:bodyPr/>
+          <a:lstStyle/>
+          <a:p>
+            <a:pPr eaLnBrk="1" hangingPunct="1"/>
+            <a:r>
+              <a:rPr lang="de-DE" sz="4000" dirty="0"/>
+              <a:t>Policy Instruments</a:t>
+            </a:r>
+            <a:endParaRPr lang="en-GB" sz="4000" dirty="0"/>
+          </a:p>
+        </p:txBody>
+      </p:sp>
+      <p:sp>
+        <p:nvSpPr>
+          <p:cNvPr id="3075" name="Rectangle 3"/>
+          <p:cNvSpPr>
+            <a:spLocks noGrp="1" noChangeArrowheads="1"/>
+          </p:cNvSpPr>
+          <p:nvPr>
+            <p:ph type="body" idx="1"/>
+          </p:nvPr>
+        </p:nvSpPr>
+        <p:spPr/>
+        <p:txBody>
+          <a:bodyPr/>
+          <a:lstStyle/>
+          <a:p>
+            <a:pPr eaLnBrk="1" hangingPunct="1"/>
+            <a:r>
+              <a:rPr lang="de-DE" dirty="0"/>
+              <a:t>Introduction</a:t>
+            </a:r>
+          </a:p>
+          <a:p>
+            <a:pPr eaLnBrk="1" hangingPunct="1"/>
+            <a:r>
+              <a:rPr lang="de-DE" dirty="0"/>
+              <a:t>Direct regulation</a:t>
+            </a:r>
+          </a:p>
+          <a:p>
+            <a:pPr eaLnBrk="1" hangingPunct="1"/>
+            <a:r>
+              <a:rPr lang="de-DE" dirty="0"/>
+              <a:t>Voluntary agreements</a:t>
+            </a:r>
+          </a:p>
+          <a:p>
+            <a:pPr eaLnBrk="1" hangingPunct="1"/>
+            <a:r>
+              <a:rPr lang="de-DE" b="1" dirty="0"/>
+              <a:t>Coasian bargaining</a:t>
+            </a:r>
+          </a:p>
+        </p:txBody>
+      </p:sp>
+    </p:spTree>
+    <p:extLst>
+      <p:ext uri="{BB962C8B-B14F-4D97-AF65-F5344CB8AC3E}">
+        <p14:creationId xmlns:p14="http://schemas.microsoft.com/office/powerpoint/2010/main" val="124652832"/>
+      </p:ext>
+    </p:extLst>
+  </p:cSld>
+  <p:clrMapOvr>
+    <a:masterClrMapping/>
+  </p:clrMapOvr>
+</p:sld>
+</file>
+
+<file path=ppt/slides/slide23.xml><?xml version="1.0" encoding="utf-8"?>
 <p:sld xmlns:a="http://schemas.openxmlformats.org/drawingml/2006/main" xmlns:r="http://schemas.openxmlformats.org/officeDocument/2006/relationships" xmlns:p="http://schemas.openxmlformats.org/presentationml/2006/main">
   <p:cSld>
     <p:spTree>
@@ -10089,23 +12023,13 @@
           </a:p>
           <a:p>
             <a:pPr eaLnBrk="1" hangingPunct="1"/>
+            <a:endParaRPr lang="de-DE" sz="2800" dirty="0"/>
+          </a:p>
+          <a:p>
+            <a:pPr eaLnBrk="1" hangingPunct="1"/>
             <a:r>
               <a:rPr lang="de-DE" sz="2800" dirty="0"/>
-              <a:t>Alternatively, the court may step in</a:t>
-            </a:r>
-          </a:p>
-          <a:p>
-            <a:pPr eaLnBrk="1" hangingPunct="1"/>
-            <a:r>
-              <a:rPr lang="en-GB" sz="2800" dirty="0"/>
-              <a:t>Or, the government may appeal to the polluter’s conscience</a:t>
-            </a:r>
-          </a:p>
-          <a:p>
-            <a:pPr eaLnBrk="1" hangingPunct="1"/>
-            <a:r>
-              <a:rPr lang="de-DE" sz="2800" dirty="0"/>
-              <a:t>Or, the government may establish property rights</a:t>
+              <a:t>If bargaining does not work, the court may step in or the government may establish property rights</a:t>
             </a:r>
           </a:p>
         </p:txBody>
@@ -10153,7 +12077,7 @@
 </p:sld>
 </file>
 
-<file path=ppt/slides/slide2.xml><?xml version="1.0" encoding="utf-8"?>
+<file path=ppt/slides/slide24.xml><?xml version="1.0" encoding="utf-8"?>
 <p:sld xmlns:a="http://schemas.openxmlformats.org/drawingml/2006/main" xmlns:r="http://schemas.openxmlformats.org/officeDocument/2006/relationships" xmlns:p="http://schemas.openxmlformats.org/presentationml/2006/main">
   <p:cSld>
     <p:spTree>
@@ -10170,208 +12094,6 @@
           <a:chExt cx="0" cy="0"/>
         </a:xfrm>
       </p:grpSpPr>
-      <p:sp>
-        <p:nvSpPr>
-          <p:cNvPr id="4099" name="Content Placeholder 2"/>
-          <p:cNvSpPr>
-            <a:spLocks noGrp="1"/>
-          </p:cNvSpPr>
-          <p:nvPr>
-            <p:ph idx="1"/>
-          </p:nvPr>
-        </p:nvSpPr>
-        <p:spPr>
-          <a:xfrm>
-            <a:off x="415039" y="368041"/>
-            <a:ext cx="8229600" cy="5211763"/>
-          </a:xfrm>
-        </p:spPr>
-        <p:txBody>
-          <a:bodyPr>
-            <a:noAutofit/>
-          </a:bodyPr>
-          <a:lstStyle/>
-          <a:p>
-            <a:pPr eaLnBrk="1" hangingPunct="1">
-              <a:buNone/>
-            </a:pPr>
-            <a:r>
-              <a:rPr lang="en-US" sz="2800" dirty="0"/>
-              <a:t>0 Introduction</a:t>
-            </a:r>
-          </a:p>
-          <a:p>
-            <a:pPr eaLnBrk="1" hangingPunct="1">
-              <a:buNone/>
-            </a:pPr>
-            <a:r>
-              <a:rPr lang="en-US" sz="2800" dirty="0"/>
-              <a:t>1 Social choice</a:t>
-            </a:r>
-          </a:p>
-          <a:p>
-            <a:pPr eaLnBrk="1" hangingPunct="1">
-              <a:buNone/>
-            </a:pPr>
-            <a:r>
-              <a:rPr lang="en-US" sz="2800" dirty="0"/>
-              <a:t>2 Externalities and public goods</a:t>
-            </a:r>
-          </a:p>
-          <a:p>
-            <a:pPr eaLnBrk="1" hangingPunct="1">
-              <a:buNone/>
-            </a:pPr>
-            <a:r>
-              <a:rPr lang="en-US" sz="2800" dirty="0"/>
-              <a:t>3 Decision analysis</a:t>
-            </a:r>
-          </a:p>
-          <a:p>
-            <a:pPr eaLnBrk="1" hangingPunct="1">
-              <a:buNone/>
-            </a:pPr>
-            <a:r>
-              <a:rPr lang="en-US" sz="2800" dirty="0"/>
-              <a:t>4 Valuation: Aims and purpose</a:t>
-            </a:r>
-          </a:p>
-          <a:p>
-            <a:pPr eaLnBrk="1" hangingPunct="1">
-              <a:buNone/>
-            </a:pPr>
-            <a:r>
-              <a:rPr lang="en-US" sz="2800" dirty="0"/>
-              <a:t>5 Valuation: Revealed preferences</a:t>
-            </a:r>
-          </a:p>
-          <a:p>
-            <a:pPr eaLnBrk="1" hangingPunct="1">
-              <a:buNone/>
-            </a:pPr>
-            <a:r>
-              <a:rPr lang="en-US" sz="2800" dirty="0"/>
-              <a:t>6 Valuation: Stated preferences</a:t>
-            </a:r>
-          </a:p>
-          <a:p>
-            <a:pPr eaLnBrk="1" hangingPunct="1">
-              <a:buNone/>
-            </a:pPr>
-            <a:r>
-              <a:rPr lang="en-US" b="1" dirty="0"/>
-              <a:t>7 Direct regulation</a:t>
-            </a:r>
-          </a:p>
-          <a:p>
-            <a:pPr eaLnBrk="1" hangingPunct="1">
-              <a:buNone/>
-            </a:pPr>
-            <a:r>
-              <a:rPr lang="en-US" sz="2800" dirty="0"/>
-              <a:t>8 Market-based instruments</a:t>
-            </a:r>
-          </a:p>
-          <a:p>
-            <a:pPr eaLnBrk="1" hangingPunct="1">
-              <a:buNone/>
-            </a:pPr>
-            <a:r>
-              <a:rPr lang="en-US" sz="2800"/>
-              <a:t>9 Complications with instruments</a:t>
-            </a:r>
-            <a:endParaRPr lang="en-US" sz="2800" dirty="0"/>
-          </a:p>
-          <a:p>
-            <a:pPr eaLnBrk="1" hangingPunct="1">
-              <a:buNone/>
-            </a:pPr>
-            <a:r>
-              <a:rPr lang="en-US" sz="2800" dirty="0"/>
-              <a:t>10 Growth and the environment</a:t>
-            </a:r>
-          </a:p>
-          <a:p>
-            <a:pPr eaLnBrk="1" hangingPunct="1">
-              <a:buNone/>
-            </a:pPr>
-            <a:r>
-              <a:rPr lang="en-US" sz="2800" dirty="0"/>
-              <a:t>11 Green accounting</a:t>
-            </a:r>
-          </a:p>
-        </p:txBody>
-      </p:sp>
-    </p:spTree>
-    <p:extLst>
-      <p:ext uri="{BB962C8B-B14F-4D97-AF65-F5344CB8AC3E}">
-        <p14:creationId xmlns:p14="http://schemas.microsoft.com/office/powerpoint/2010/main" val="4171659906"/>
-      </p:ext>
-    </p:extLst>
-  </p:cSld>
-  <p:clrMapOvr>
-    <a:masterClrMapping/>
-  </p:clrMapOvr>
-</p:sld>
-</file>
-
-<file path=ppt/slides/slide20.xml><?xml version="1.0" encoding="utf-8"?>
-<p:sld xmlns:a="http://schemas.openxmlformats.org/drawingml/2006/main" xmlns:r="http://schemas.openxmlformats.org/officeDocument/2006/relationships" xmlns:p="http://schemas.openxmlformats.org/presentationml/2006/main">
-  <p:cSld>
-    <p:spTree>
-      <p:nvGrpSpPr>
-        <p:cNvPr id="1" name=""/>
-        <p:cNvGrpSpPr/>
-        <p:nvPr/>
-      </p:nvGrpSpPr>
-      <p:grpSpPr>
-        <a:xfrm>
-          <a:off x="0" y="0"/>
-          <a:ext cx="0" cy="0"/>
-          <a:chOff x="0" y="0"/>
-          <a:chExt cx="0" cy="0"/>
-        </a:xfrm>
-      </p:grpSpPr>
-      <p:sp>
-        <p:nvSpPr>
-          <p:cNvPr id="7170" name="Title 1"/>
-          <p:cNvSpPr>
-            <a:spLocks noGrp="1"/>
-          </p:cNvSpPr>
-          <p:nvPr>
-            <p:ph type="title"/>
-          </p:nvPr>
-        </p:nvSpPr>
-        <p:spPr/>
-        <p:txBody>
-          <a:bodyPr/>
-          <a:lstStyle/>
-          <a:p>
-            <a:pPr eaLnBrk="1" hangingPunct="1"/>
-            <a:endParaRPr lang="en-US"/>
-          </a:p>
-        </p:txBody>
-      </p:sp>
-      <p:sp>
-        <p:nvSpPr>
-          <p:cNvPr id="7171" name="Content Placeholder 2"/>
-          <p:cNvSpPr>
-            <a:spLocks noGrp="1"/>
-          </p:cNvSpPr>
-          <p:nvPr>
-            <p:ph idx="1"/>
-          </p:nvPr>
-        </p:nvSpPr>
-        <p:spPr/>
-        <p:txBody>
-          <a:bodyPr/>
-          <a:lstStyle/>
-          <a:p>
-            <a:pPr eaLnBrk="1" hangingPunct="1"/>
-            <a:endParaRPr lang="en-US"/>
-          </a:p>
-        </p:txBody>
-      </p:sp>
       <p:pic>
         <p:nvPicPr>
           <p:cNvPr id="7172" name="Picture 2"/>
@@ -10389,8 +12111,8 @@
         </p:blipFill>
         <p:spPr bwMode="auto">
           <a:xfrm>
-            <a:off x="166688" y="274638"/>
-            <a:ext cx="8810625" cy="6315075"/>
+            <a:off x="0" y="17206"/>
+            <a:ext cx="9144000" cy="6554024"/>
           </a:xfrm>
           <a:prstGeom prst="rect">
             <a:avLst/>
@@ -10417,7 +12139,7 @@
 </p:sld>
 </file>
 
-<file path=ppt/slides/slide21.xml><?xml version="1.0" encoding="utf-8"?>
+<file path=ppt/slides/slide25.xml><?xml version="1.0" encoding="utf-8"?>
 <p:sld xmlns:a="http://schemas.openxmlformats.org/drawingml/2006/main" xmlns:r="http://schemas.openxmlformats.org/officeDocument/2006/relationships" xmlns:p="http://schemas.openxmlformats.org/presentationml/2006/main">
   <p:cSld>
     <p:spTree>
@@ -10434,82 +12156,40 @@
           <a:chExt cx="0" cy="0"/>
         </a:xfrm>
       </p:grpSpPr>
-      <p:sp>
-        <p:nvSpPr>
-          <p:cNvPr id="8194" name="Title 1"/>
-          <p:cNvSpPr>
-            <a:spLocks noGrp="1"/>
-          </p:cNvSpPr>
-          <p:nvPr>
-            <p:ph type="title"/>
-          </p:nvPr>
-        </p:nvSpPr>
-        <p:spPr/>
-        <p:txBody>
-          <a:bodyPr/>
-          <a:lstStyle/>
-          <a:p>
-            <a:pPr eaLnBrk="1" hangingPunct="1"/>
-            <a:endParaRPr lang="en-US"/>
-          </a:p>
-        </p:txBody>
-      </p:sp>
-      <p:sp>
-        <p:nvSpPr>
-          <p:cNvPr id="8195" name="Content Placeholder 2"/>
-          <p:cNvSpPr>
-            <a:spLocks noGrp="1"/>
-          </p:cNvSpPr>
-          <p:nvPr>
-            <p:ph idx="1"/>
-          </p:nvPr>
-        </p:nvSpPr>
-        <p:spPr/>
-        <p:txBody>
-          <a:bodyPr/>
-          <a:lstStyle/>
-          <a:p>
-            <a:pPr eaLnBrk="1" hangingPunct="1"/>
-            <a:endParaRPr lang="en-US"/>
-          </a:p>
-        </p:txBody>
-      </p:sp>
       <p:pic>
         <p:nvPicPr>
-          <p:cNvPr id="8196" name="Picture 2"/>
+          <p:cNvPr id="7" name="Picture 6">
+            <a:extLst>
+              <a:ext uri="{FF2B5EF4-FFF2-40B4-BE49-F238E27FC236}">
+                <a16:creationId xmlns:a16="http://schemas.microsoft.com/office/drawing/2014/main" id="{7B20E6A1-3C02-4691-990E-B5E3328A283A}"/>
+              </a:ext>
+            </a:extLst>
+          </p:cNvPr>
           <p:cNvPicPr>
-            <a:picLocks noChangeAspect="1" noChangeArrowheads="1"/>
+            <a:picLocks noChangeAspect="1"/>
           </p:cNvPicPr>
           <p:nvPr/>
         </p:nvPicPr>
         <p:blipFill>
-          <a:blip r:embed="rId2" cstate="print"/>
-          <a:srcRect/>
+          <a:blip r:embed="rId2"/>
           <a:stretch>
             <a:fillRect/>
           </a:stretch>
         </p:blipFill>
-        <p:spPr bwMode="auto">
+        <p:spPr>
           <a:xfrm>
-            <a:off x="166688" y="274638"/>
-            <a:ext cx="8810625" cy="6315075"/>
+            <a:off x="0" y="0"/>
+            <a:ext cx="9144000" cy="5977098"/>
           </a:xfrm>
           <a:prstGeom prst="rect">
             <a:avLst/>
           </a:prstGeom>
-          <a:noFill/>
-          <a:ln w="9525">
-            <a:noFill/>
-            <a:miter lim="800000"/>
-            <a:headEnd/>
-            <a:tailEnd/>
-          </a:ln>
         </p:spPr>
       </p:pic>
     </p:spTree>
     <p:extLst>
       <p:ext uri="{BB962C8B-B14F-4D97-AF65-F5344CB8AC3E}">
-        <p14:creationId xmlns:p14="http://schemas.microsoft.com/office/powerpoint/2010/main" val="1889409307"/>
+        <p14:creationId xmlns:p14="http://schemas.microsoft.com/office/powerpoint/2010/main" val="4191692812"/>
       </p:ext>
     </p:extLst>
   </p:cSld>
@@ -10519,7 +12199,7 @@
 </p:sld>
 </file>
 
-<file path=ppt/slides/slide22.xml><?xml version="1.0" encoding="utf-8"?>
+<file path=ppt/slides/slide26.xml><?xml version="1.0" encoding="utf-8"?>
 <p:sld xmlns:a="http://schemas.openxmlformats.org/drawingml/2006/main" xmlns:r="http://schemas.openxmlformats.org/officeDocument/2006/relationships" xmlns:p="http://schemas.openxmlformats.org/presentationml/2006/main">
   <p:cSld>
     <p:spTree>
@@ -10536,82 +12216,40 @@
           <a:chExt cx="0" cy="0"/>
         </a:xfrm>
       </p:grpSpPr>
-      <p:sp>
-        <p:nvSpPr>
-          <p:cNvPr id="9218" name="Title 1"/>
-          <p:cNvSpPr>
-            <a:spLocks noGrp="1"/>
-          </p:cNvSpPr>
-          <p:nvPr>
-            <p:ph type="title"/>
-          </p:nvPr>
-        </p:nvSpPr>
-        <p:spPr/>
-        <p:txBody>
-          <a:bodyPr/>
-          <a:lstStyle/>
-          <a:p>
-            <a:pPr eaLnBrk="1" hangingPunct="1"/>
-            <a:endParaRPr lang="en-US"/>
-          </a:p>
-        </p:txBody>
-      </p:sp>
-      <p:sp>
-        <p:nvSpPr>
-          <p:cNvPr id="9219" name="Content Placeholder 2"/>
-          <p:cNvSpPr>
-            <a:spLocks noGrp="1"/>
-          </p:cNvSpPr>
-          <p:nvPr>
-            <p:ph idx="1"/>
-          </p:nvPr>
-        </p:nvSpPr>
-        <p:spPr/>
-        <p:txBody>
-          <a:bodyPr/>
-          <a:lstStyle/>
-          <a:p>
-            <a:pPr eaLnBrk="1" hangingPunct="1"/>
-            <a:endParaRPr lang="en-US"/>
-          </a:p>
-        </p:txBody>
-      </p:sp>
       <p:pic>
         <p:nvPicPr>
-          <p:cNvPr id="9220" name="Picture 2"/>
+          <p:cNvPr id="5" name="Picture 4">
+            <a:extLst>
+              <a:ext uri="{FF2B5EF4-FFF2-40B4-BE49-F238E27FC236}">
+                <a16:creationId xmlns:a16="http://schemas.microsoft.com/office/drawing/2014/main" id="{08F67E97-2BA1-4A76-BB15-A94B4BF97D89}"/>
+              </a:ext>
+            </a:extLst>
+          </p:cNvPr>
           <p:cNvPicPr>
-            <a:picLocks noChangeAspect="1" noChangeArrowheads="1"/>
+            <a:picLocks noChangeAspect="1"/>
           </p:cNvPicPr>
           <p:nvPr/>
         </p:nvPicPr>
         <p:blipFill>
-          <a:blip r:embed="rId2" cstate="print"/>
-          <a:srcRect/>
+          <a:blip r:embed="rId2"/>
           <a:stretch>
             <a:fillRect/>
           </a:stretch>
         </p:blipFill>
-        <p:spPr bwMode="auto">
+        <p:spPr>
           <a:xfrm>
-            <a:off x="166688" y="274638"/>
-            <a:ext cx="8810625" cy="6315075"/>
+            <a:off x="0" y="0"/>
+            <a:ext cx="9144000" cy="5977098"/>
           </a:xfrm>
           <a:prstGeom prst="rect">
             <a:avLst/>
           </a:prstGeom>
-          <a:noFill/>
-          <a:ln w="9525">
-            <a:noFill/>
-            <a:miter lim="800000"/>
-            <a:headEnd/>
-            <a:tailEnd/>
-          </a:ln>
         </p:spPr>
       </p:pic>
     </p:spTree>
     <p:extLst>
       <p:ext uri="{BB962C8B-B14F-4D97-AF65-F5344CB8AC3E}">
-        <p14:creationId xmlns:p14="http://schemas.microsoft.com/office/powerpoint/2010/main" val="2123044140"/>
+        <p14:creationId xmlns:p14="http://schemas.microsoft.com/office/powerpoint/2010/main" val="3015975702"/>
       </p:ext>
     </p:extLst>
   </p:cSld>
@@ -10621,7 +12259,7 @@
 </p:sld>
 </file>
 
-<file path=ppt/slides/slide23.xml><?xml version="1.0" encoding="utf-8"?>
+<file path=ppt/slides/slide27.xml><?xml version="1.0" encoding="utf-8"?>
 <p:sld xmlns:a="http://schemas.openxmlformats.org/drawingml/2006/main" xmlns:r="http://schemas.openxmlformats.org/officeDocument/2006/relationships" xmlns:p="http://schemas.openxmlformats.org/presentationml/2006/main">
   <p:cSld>
     <p:spTree>
@@ -10698,11 +12336,18 @@
             </a:r>
             <a:r>
               <a:rPr lang="de-DE" sz="2800" dirty="0"/>
-              <a:t> it will find a Pareto optimum (</a:t>
+              <a:t> it will find a Pareto optimum</a:t>
+            </a:r>
+          </a:p>
+          <a:p>
+            <a:pPr eaLnBrk="1" hangingPunct="1"/>
+            <a:r>
+              <a:rPr lang="de-DE" sz="2800" dirty="0"/>
+              <a:t>The Pareto optimum does not depend on who gets the property (</a:t>
             </a:r>
             <a:r>
               <a:rPr lang="de-DE" sz="2800" i="1" dirty="0"/>
-              <a:t>first welfare theorem</a:t>
+              <a:t>invariance thesis</a:t>
             </a:r>
             <a:r>
               <a:rPr lang="de-DE" sz="2800" dirty="0"/>
@@ -10713,7 +12358,7 @@
             <a:pPr eaLnBrk="1" hangingPunct="1"/>
             <a:r>
               <a:rPr lang="de-DE" sz="2800" dirty="0"/>
-              <a:t>Other assumptions</a:t>
+              <a:t>Key assumptions</a:t>
             </a:r>
           </a:p>
           <a:p>
@@ -10796,7 +12441,7 @@
 </p:sld>
 </file>
 
-<file path=ppt/slides/slide24.xml><?xml version="1.0" encoding="utf-8"?>
+<file path=ppt/slides/slide28.xml><?xml version="1.0" encoding="utf-8"?>
 <p:sld xmlns:a="http://schemas.openxmlformats.org/drawingml/2006/main" xmlns:r="http://schemas.openxmlformats.org/officeDocument/2006/relationships" xmlns:p="http://schemas.openxmlformats.org/presentationml/2006/main">
   <p:cSld>
     <p:spTree>
@@ -10920,7 +12565,7 @@
 </p:sld>
 </file>
 
-<file path=ppt/slides/slide25.xml><?xml version="1.0" encoding="utf-8"?>
+<file path=ppt/slides/slide29.xml><?xml version="1.0" encoding="utf-8"?>
 <p:sld xmlns:a="http://schemas.openxmlformats.org/drawingml/2006/main" xmlns:r="http://schemas.openxmlformats.org/officeDocument/2006/relationships" xmlns:p="http://schemas.openxmlformats.org/presentationml/2006/main">
   <p:cSld>
     <p:spTree>
@@ -11039,7 +12684,143 @@
 </p:sld>
 </file>
 
-<file path=ppt/slides/slide26.xml><?xml version="1.0" encoding="utf-8"?>
+<file path=ppt/slides/slide3.xml><?xml version="1.0" encoding="utf-8"?>
+<p:sld xmlns:a="http://schemas.openxmlformats.org/drawingml/2006/main" xmlns:r="http://schemas.openxmlformats.org/officeDocument/2006/relationships" xmlns:p="http://schemas.openxmlformats.org/presentationml/2006/main">
+  <p:cSld>
+    <p:spTree>
+      <p:nvGrpSpPr>
+        <p:cNvPr id="1" name=""/>
+        <p:cNvGrpSpPr/>
+        <p:nvPr/>
+      </p:nvGrpSpPr>
+      <p:grpSpPr>
+        <a:xfrm>
+          <a:off x="0" y="0"/>
+          <a:ext cx="0" cy="0"/>
+          <a:chOff x="0" y="0"/>
+          <a:chExt cx="0" cy="0"/>
+        </a:xfrm>
+      </p:grpSpPr>
+      <p:sp>
+        <p:nvSpPr>
+          <p:cNvPr id="3074" name="Rectangle 2"/>
+          <p:cNvSpPr>
+            <a:spLocks noGrp="1" noChangeArrowheads="1"/>
+          </p:cNvSpPr>
+          <p:nvPr>
+            <p:ph type="title"/>
+          </p:nvPr>
+        </p:nvSpPr>
+        <p:spPr>
+          <a:xfrm>
+            <a:off x="659855" y="152400"/>
+            <a:ext cx="7772400" cy="1143000"/>
+          </a:xfrm>
+        </p:spPr>
+        <p:txBody>
+          <a:bodyPr/>
+          <a:lstStyle/>
+          <a:p>
+            <a:pPr eaLnBrk="1" hangingPunct="1"/>
+            <a:r>
+              <a:rPr lang="de-DE" sz="4000" dirty="0"/>
+              <a:t>Policy Instruments</a:t>
+            </a:r>
+            <a:endParaRPr lang="en-GB" sz="4000" dirty="0"/>
+          </a:p>
+        </p:txBody>
+      </p:sp>
+      <p:sp>
+        <p:nvSpPr>
+          <p:cNvPr id="3075" name="Rectangle 3"/>
+          <p:cNvSpPr>
+            <a:spLocks noGrp="1" noChangeArrowheads="1"/>
+          </p:cNvSpPr>
+          <p:nvPr>
+            <p:ph type="body" idx="1"/>
+          </p:nvPr>
+        </p:nvSpPr>
+        <p:spPr/>
+        <p:txBody>
+          <a:bodyPr/>
+          <a:lstStyle/>
+          <a:p>
+            <a:pPr eaLnBrk="1" hangingPunct="1"/>
+            <a:r>
+              <a:rPr lang="de-DE" b="1" dirty="0"/>
+              <a:t>Introduction</a:t>
+            </a:r>
+          </a:p>
+          <a:p>
+            <a:pPr lvl="1" eaLnBrk="1" hangingPunct="1"/>
+            <a:r>
+              <a:rPr lang="de-DE" dirty="0"/>
+              <a:t>Justification </a:t>
+            </a:r>
+            <a:r>
+              <a:rPr lang="de-DE"/>
+              <a:t>for regulation</a:t>
+            </a:r>
+            <a:endParaRPr lang="de-DE" dirty="0"/>
+          </a:p>
+          <a:p>
+            <a:pPr lvl="1" eaLnBrk="1" hangingPunct="1"/>
+            <a:r>
+              <a:rPr lang="de-DE" dirty="0"/>
+              <a:t>Policy instruments</a:t>
+            </a:r>
+          </a:p>
+          <a:p>
+            <a:pPr lvl="1" eaLnBrk="1" hangingPunct="1"/>
+            <a:r>
+              <a:rPr lang="de-DE" dirty="0"/>
+              <a:t>Pollution types</a:t>
+            </a:r>
+          </a:p>
+          <a:p>
+            <a:pPr lvl="1" eaLnBrk="1" hangingPunct="1"/>
+            <a:r>
+              <a:rPr lang="de-DE" dirty="0"/>
+              <a:t>Criteria to evaluate policy instruments</a:t>
+            </a:r>
+          </a:p>
+          <a:p>
+            <a:pPr eaLnBrk="1" hangingPunct="1"/>
+            <a:r>
+              <a:rPr lang="de-DE" dirty="0"/>
+              <a:t>Direct regulation</a:t>
+            </a:r>
+          </a:p>
+          <a:p>
+            <a:pPr eaLnBrk="1" hangingPunct="1"/>
+            <a:r>
+              <a:rPr lang="de-DE" dirty="0"/>
+              <a:t>Voluntary agreements</a:t>
+            </a:r>
+          </a:p>
+          <a:p>
+            <a:pPr eaLnBrk="1" hangingPunct="1"/>
+            <a:r>
+              <a:rPr lang="de-DE" dirty="0"/>
+              <a:t>Coasian bargaining</a:t>
+            </a:r>
+          </a:p>
+        </p:txBody>
+      </p:sp>
+    </p:spTree>
+    <p:extLst>
+      <p:ext uri="{BB962C8B-B14F-4D97-AF65-F5344CB8AC3E}">
+        <p14:creationId xmlns:p14="http://schemas.microsoft.com/office/powerpoint/2010/main" val="1818488242"/>
+      </p:ext>
+    </p:extLst>
+  </p:cSld>
+  <p:clrMapOvr>
+    <a:masterClrMapping/>
+  </p:clrMapOvr>
+</p:sld>
+</file>
+
+<file path=ppt/slides/slide30.xml><?xml version="1.0" encoding="utf-8"?>
 <p:sld xmlns:a="http://schemas.openxmlformats.org/drawingml/2006/main" xmlns:r="http://schemas.openxmlformats.org/officeDocument/2006/relationships" xmlns:p="http://schemas.openxmlformats.org/presentationml/2006/main">
   <p:cSld>
     <p:spTree>
@@ -11130,7 +12911,7 @@
             <a:pPr eaLnBrk="1" hangingPunct="1"/>
             <a:r>
               <a:rPr lang="en-GB" sz="2800" dirty="0"/>
-              <a:t>Since 1941 (Trail Smelter) same is true across borders</a:t>
+              <a:t>Since 1938 (Trail Smelter) same is true across borders</a:t>
             </a:r>
           </a:p>
           <a:p>
@@ -11244,10 +13025,332 @@
   <p:clrMapOvr>
     <a:masterClrMapping/>
   </p:clrMapOvr>
+  <p:timing>
+    <p:tnLst>
+      <p:par>
+        <p:cTn id="1" dur="indefinite" restart="never" nodeType="tmRoot">
+          <p:childTnLst>
+            <p:seq concurrent="1" nextAc="seek">
+              <p:cTn id="2" dur="indefinite" nodeType="mainSeq">
+                <p:childTnLst>
+                  <p:par>
+                    <p:cTn id="3" fill="hold">
+                      <p:stCondLst>
+                        <p:cond delay="indefinite"/>
+                      </p:stCondLst>
+                      <p:childTnLst>
+                        <p:par>
+                          <p:cTn id="4" fill="hold">
+                            <p:stCondLst>
+                              <p:cond delay="0"/>
+                            </p:stCondLst>
+                            <p:childTnLst>
+                              <p:par>
+                                <p:cTn id="5" presetID="1" presetClass="entr" presetSubtype="0" fill="hold" grpId="0" nodeType="clickEffect">
+                                  <p:stCondLst>
+                                    <p:cond delay="0"/>
+                                  </p:stCondLst>
+                                  <p:childTnLst>
+                                    <p:set>
+                                      <p:cBhvr>
+                                        <p:cTn id="6" dur="1" fill="hold">
+                                          <p:stCondLst>
+                                            <p:cond delay="0"/>
+                                          </p:stCondLst>
+                                        </p:cTn>
+                                        <p:tgtEl>
+                                          <p:spTgt spid="6147">
+                                            <p:txEl>
+                                              <p:pRg st="0" end="0"/>
+                                            </p:txEl>
+                                          </p:spTgt>
+                                        </p:tgtEl>
+                                        <p:attrNameLst>
+                                          <p:attrName>style.visibility</p:attrName>
+                                        </p:attrNameLst>
+                                      </p:cBhvr>
+                                      <p:to>
+                                        <p:strVal val="visible"/>
+                                      </p:to>
+                                    </p:set>
+                                  </p:childTnLst>
+                                </p:cTn>
+                              </p:par>
+                            </p:childTnLst>
+                          </p:cTn>
+                        </p:par>
+                      </p:childTnLst>
+                    </p:cTn>
+                  </p:par>
+                  <p:par>
+                    <p:cTn id="7" fill="hold">
+                      <p:stCondLst>
+                        <p:cond delay="indefinite"/>
+                      </p:stCondLst>
+                      <p:childTnLst>
+                        <p:par>
+                          <p:cTn id="8" fill="hold">
+                            <p:stCondLst>
+                              <p:cond delay="0"/>
+                            </p:stCondLst>
+                            <p:childTnLst>
+                              <p:par>
+                                <p:cTn id="9" presetID="1" presetClass="entr" presetSubtype="0" fill="hold" grpId="0" nodeType="clickEffect">
+                                  <p:stCondLst>
+                                    <p:cond delay="0"/>
+                                  </p:stCondLst>
+                                  <p:childTnLst>
+                                    <p:set>
+                                      <p:cBhvr>
+                                        <p:cTn id="10" dur="1" fill="hold">
+                                          <p:stCondLst>
+                                            <p:cond delay="0"/>
+                                          </p:stCondLst>
+                                        </p:cTn>
+                                        <p:tgtEl>
+                                          <p:spTgt spid="6147">
+                                            <p:txEl>
+                                              <p:pRg st="1" end="1"/>
+                                            </p:txEl>
+                                          </p:spTgt>
+                                        </p:tgtEl>
+                                        <p:attrNameLst>
+                                          <p:attrName>style.visibility</p:attrName>
+                                        </p:attrNameLst>
+                                      </p:cBhvr>
+                                      <p:to>
+                                        <p:strVal val="visible"/>
+                                      </p:to>
+                                    </p:set>
+                                  </p:childTnLst>
+                                </p:cTn>
+                              </p:par>
+                            </p:childTnLst>
+                          </p:cTn>
+                        </p:par>
+                      </p:childTnLst>
+                    </p:cTn>
+                  </p:par>
+                  <p:par>
+                    <p:cTn id="11" fill="hold">
+                      <p:stCondLst>
+                        <p:cond delay="indefinite"/>
+                      </p:stCondLst>
+                      <p:childTnLst>
+                        <p:par>
+                          <p:cTn id="12" fill="hold">
+                            <p:stCondLst>
+                              <p:cond delay="0"/>
+                            </p:stCondLst>
+                            <p:childTnLst>
+                              <p:par>
+                                <p:cTn id="13" presetID="1" presetClass="entr" presetSubtype="0" fill="hold" grpId="0" nodeType="clickEffect">
+                                  <p:stCondLst>
+                                    <p:cond delay="0"/>
+                                  </p:stCondLst>
+                                  <p:childTnLst>
+                                    <p:set>
+                                      <p:cBhvr>
+                                        <p:cTn id="14" dur="1" fill="hold">
+                                          <p:stCondLst>
+                                            <p:cond delay="0"/>
+                                          </p:stCondLst>
+                                        </p:cTn>
+                                        <p:tgtEl>
+                                          <p:spTgt spid="6147">
+                                            <p:txEl>
+                                              <p:pRg st="2" end="2"/>
+                                            </p:txEl>
+                                          </p:spTgt>
+                                        </p:tgtEl>
+                                        <p:attrNameLst>
+                                          <p:attrName>style.visibility</p:attrName>
+                                        </p:attrNameLst>
+                                      </p:cBhvr>
+                                      <p:to>
+                                        <p:strVal val="visible"/>
+                                      </p:to>
+                                    </p:set>
+                                  </p:childTnLst>
+                                </p:cTn>
+                              </p:par>
+                            </p:childTnLst>
+                          </p:cTn>
+                        </p:par>
+                      </p:childTnLst>
+                    </p:cTn>
+                  </p:par>
+                  <p:par>
+                    <p:cTn id="15" fill="hold">
+                      <p:stCondLst>
+                        <p:cond delay="indefinite"/>
+                      </p:stCondLst>
+                      <p:childTnLst>
+                        <p:par>
+                          <p:cTn id="16" fill="hold">
+                            <p:stCondLst>
+                              <p:cond delay="0"/>
+                            </p:stCondLst>
+                            <p:childTnLst>
+                              <p:par>
+                                <p:cTn id="17" presetID="1" presetClass="entr" presetSubtype="0" fill="hold" grpId="0" nodeType="clickEffect">
+                                  <p:stCondLst>
+                                    <p:cond delay="0"/>
+                                  </p:stCondLst>
+                                  <p:childTnLst>
+                                    <p:set>
+                                      <p:cBhvr>
+                                        <p:cTn id="18" dur="1" fill="hold">
+                                          <p:stCondLst>
+                                            <p:cond delay="0"/>
+                                          </p:stCondLst>
+                                        </p:cTn>
+                                        <p:tgtEl>
+                                          <p:spTgt spid="6147">
+                                            <p:txEl>
+                                              <p:pRg st="3" end="3"/>
+                                            </p:txEl>
+                                          </p:spTgt>
+                                        </p:tgtEl>
+                                        <p:attrNameLst>
+                                          <p:attrName>style.visibility</p:attrName>
+                                        </p:attrNameLst>
+                                      </p:cBhvr>
+                                      <p:to>
+                                        <p:strVal val="visible"/>
+                                      </p:to>
+                                    </p:set>
+                                  </p:childTnLst>
+                                </p:cTn>
+                              </p:par>
+                              <p:par>
+                                <p:cTn id="19" presetID="1" presetClass="entr" presetSubtype="0" fill="hold" grpId="0" nodeType="withEffect">
+                                  <p:stCondLst>
+                                    <p:cond delay="0"/>
+                                  </p:stCondLst>
+                                  <p:childTnLst>
+                                    <p:set>
+                                      <p:cBhvr>
+                                        <p:cTn id="20" dur="1" fill="hold">
+                                          <p:stCondLst>
+                                            <p:cond delay="0"/>
+                                          </p:stCondLst>
+                                        </p:cTn>
+                                        <p:tgtEl>
+                                          <p:spTgt spid="6147">
+                                            <p:txEl>
+                                              <p:pRg st="4" end="4"/>
+                                            </p:txEl>
+                                          </p:spTgt>
+                                        </p:tgtEl>
+                                        <p:attrNameLst>
+                                          <p:attrName>style.visibility</p:attrName>
+                                        </p:attrNameLst>
+                                      </p:cBhvr>
+                                      <p:to>
+                                        <p:strVal val="visible"/>
+                                      </p:to>
+                                    </p:set>
+                                  </p:childTnLst>
+                                </p:cTn>
+                              </p:par>
+                              <p:par>
+                                <p:cTn id="21" presetID="1" presetClass="entr" presetSubtype="0" fill="hold" grpId="0" nodeType="withEffect">
+                                  <p:stCondLst>
+                                    <p:cond delay="0"/>
+                                  </p:stCondLst>
+                                  <p:childTnLst>
+                                    <p:set>
+                                      <p:cBhvr>
+                                        <p:cTn id="22" dur="1" fill="hold">
+                                          <p:stCondLst>
+                                            <p:cond delay="0"/>
+                                          </p:stCondLst>
+                                        </p:cTn>
+                                        <p:tgtEl>
+                                          <p:spTgt spid="6147">
+                                            <p:txEl>
+                                              <p:pRg st="5" end="5"/>
+                                            </p:txEl>
+                                          </p:spTgt>
+                                        </p:tgtEl>
+                                        <p:attrNameLst>
+                                          <p:attrName>style.visibility</p:attrName>
+                                        </p:attrNameLst>
+                                      </p:cBhvr>
+                                      <p:to>
+                                        <p:strVal val="visible"/>
+                                      </p:to>
+                                    </p:set>
+                                  </p:childTnLst>
+                                </p:cTn>
+                              </p:par>
+                              <p:par>
+                                <p:cTn id="23" presetID="1" presetClass="entr" presetSubtype="0" fill="hold" grpId="0" nodeType="withEffect">
+                                  <p:stCondLst>
+                                    <p:cond delay="0"/>
+                                  </p:stCondLst>
+                                  <p:childTnLst>
+                                    <p:set>
+                                      <p:cBhvr>
+                                        <p:cTn id="24" dur="1" fill="hold">
+                                          <p:stCondLst>
+                                            <p:cond delay="0"/>
+                                          </p:stCondLst>
+                                        </p:cTn>
+                                        <p:tgtEl>
+                                          <p:spTgt spid="6147">
+                                            <p:txEl>
+                                              <p:pRg st="6" end="6"/>
+                                            </p:txEl>
+                                          </p:spTgt>
+                                        </p:tgtEl>
+                                        <p:attrNameLst>
+                                          <p:attrName>style.visibility</p:attrName>
+                                        </p:attrNameLst>
+                                      </p:cBhvr>
+                                      <p:to>
+                                        <p:strVal val="visible"/>
+                                      </p:to>
+                                    </p:set>
+                                  </p:childTnLst>
+                                </p:cTn>
+                              </p:par>
+                            </p:childTnLst>
+                          </p:cTn>
+                        </p:par>
+                      </p:childTnLst>
+                    </p:cTn>
+                  </p:par>
+                </p:childTnLst>
+              </p:cTn>
+              <p:prevCondLst>
+                <p:cond evt="onPrev" delay="0">
+                  <p:tgtEl>
+                    <p:sldTgt/>
+                  </p:tgtEl>
+                </p:cond>
+              </p:prevCondLst>
+              <p:nextCondLst>
+                <p:cond evt="onNext" delay="0">
+                  <p:tgtEl>
+                    <p:sldTgt/>
+                  </p:tgtEl>
+                </p:cond>
+              </p:nextCondLst>
+            </p:seq>
+          </p:childTnLst>
+        </p:cTn>
+      </p:par>
+    </p:tnLst>
+    <p:bldLst>
+      <p:bldP spid="6147" grpId="0" build="p"/>
+    </p:bldLst>
+  </p:timing>
 </p:sld>
 </file>
 
-<file path=ppt/slides/slide27.xml><?xml version="1.0" encoding="utf-8"?>
+<file path=ppt/slides/slide31.xml><?xml version="1.0" encoding="utf-8"?>
 <p:sld xmlns:a="http://schemas.openxmlformats.org/drawingml/2006/main" xmlns:r="http://schemas.openxmlformats.org/officeDocument/2006/relationships" xmlns:p="http://schemas.openxmlformats.org/presentationml/2006/main">
   <p:cSld>
     <p:spTree>
@@ -11352,10 +13455,239 @@
   <p:clrMapOvr>
     <a:masterClrMapping/>
   </p:clrMapOvr>
+  <p:timing>
+    <p:tnLst>
+      <p:par>
+        <p:cTn id="1" dur="indefinite" restart="never" nodeType="tmRoot">
+          <p:childTnLst>
+            <p:seq concurrent="1" nextAc="seek">
+              <p:cTn id="2" dur="indefinite" nodeType="mainSeq">
+                <p:childTnLst>
+                  <p:par>
+                    <p:cTn id="3" fill="hold">
+                      <p:stCondLst>
+                        <p:cond delay="indefinite"/>
+                      </p:stCondLst>
+                      <p:childTnLst>
+                        <p:par>
+                          <p:cTn id="4" fill="hold">
+                            <p:stCondLst>
+                              <p:cond delay="0"/>
+                            </p:stCondLst>
+                            <p:childTnLst>
+                              <p:par>
+                                <p:cTn id="5" presetID="1" presetClass="entr" presetSubtype="0" fill="hold" grpId="0" nodeType="clickEffect">
+                                  <p:stCondLst>
+                                    <p:cond delay="0"/>
+                                  </p:stCondLst>
+                                  <p:childTnLst>
+                                    <p:set>
+                                      <p:cBhvr>
+                                        <p:cTn id="6" dur="1" fill="hold">
+                                          <p:stCondLst>
+                                            <p:cond delay="0"/>
+                                          </p:stCondLst>
+                                        </p:cTn>
+                                        <p:tgtEl>
+                                          <p:spTgt spid="6147">
+                                            <p:txEl>
+                                              <p:pRg st="0" end="0"/>
+                                            </p:txEl>
+                                          </p:spTgt>
+                                        </p:tgtEl>
+                                        <p:attrNameLst>
+                                          <p:attrName>style.visibility</p:attrName>
+                                        </p:attrNameLst>
+                                      </p:cBhvr>
+                                      <p:to>
+                                        <p:strVal val="visible"/>
+                                      </p:to>
+                                    </p:set>
+                                  </p:childTnLst>
+                                </p:cTn>
+                              </p:par>
+                            </p:childTnLst>
+                          </p:cTn>
+                        </p:par>
+                      </p:childTnLst>
+                    </p:cTn>
+                  </p:par>
+                  <p:par>
+                    <p:cTn id="7" fill="hold">
+                      <p:stCondLst>
+                        <p:cond delay="indefinite"/>
+                      </p:stCondLst>
+                      <p:childTnLst>
+                        <p:par>
+                          <p:cTn id="8" fill="hold">
+                            <p:stCondLst>
+                              <p:cond delay="0"/>
+                            </p:stCondLst>
+                            <p:childTnLst>
+                              <p:par>
+                                <p:cTn id="9" presetID="1" presetClass="entr" presetSubtype="0" fill="hold" grpId="0" nodeType="clickEffect">
+                                  <p:stCondLst>
+                                    <p:cond delay="0"/>
+                                  </p:stCondLst>
+                                  <p:childTnLst>
+                                    <p:set>
+                                      <p:cBhvr>
+                                        <p:cTn id="10" dur="1" fill="hold">
+                                          <p:stCondLst>
+                                            <p:cond delay="0"/>
+                                          </p:stCondLst>
+                                        </p:cTn>
+                                        <p:tgtEl>
+                                          <p:spTgt spid="6147">
+                                            <p:txEl>
+                                              <p:pRg st="1" end="1"/>
+                                            </p:txEl>
+                                          </p:spTgt>
+                                        </p:tgtEl>
+                                        <p:attrNameLst>
+                                          <p:attrName>style.visibility</p:attrName>
+                                        </p:attrNameLst>
+                                      </p:cBhvr>
+                                      <p:to>
+                                        <p:strVal val="visible"/>
+                                      </p:to>
+                                    </p:set>
+                                  </p:childTnLst>
+                                </p:cTn>
+                              </p:par>
+                            </p:childTnLst>
+                          </p:cTn>
+                        </p:par>
+                      </p:childTnLst>
+                    </p:cTn>
+                  </p:par>
+                  <p:par>
+                    <p:cTn id="11" fill="hold">
+                      <p:stCondLst>
+                        <p:cond delay="indefinite"/>
+                      </p:stCondLst>
+                      <p:childTnLst>
+                        <p:par>
+                          <p:cTn id="12" fill="hold">
+                            <p:stCondLst>
+                              <p:cond delay="0"/>
+                            </p:stCondLst>
+                            <p:childTnLst>
+                              <p:par>
+                                <p:cTn id="13" presetID="1" presetClass="entr" presetSubtype="0" fill="hold" grpId="0" nodeType="clickEffect">
+                                  <p:stCondLst>
+                                    <p:cond delay="0"/>
+                                  </p:stCondLst>
+                                  <p:childTnLst>
+                                    <p:set>
+                                      <p:cBhvr>
+                                        <p:cTn id="14" dur="1" fill="hold">
+                                          <p:stCondLst>
+                                            <p:cond delay="0"/>
+                                          </p:stCondLst>
+                                        </p:cTn>
+                                        <p:tgtEl>
+                                          <p:spTgt spid="6147">
+                                            <p:txEl>
+                                              <p:pRg st="2" end="2"/>
+                                            </p:txEl>
+                                          </p:spTgt>
+                                        </p:tgtEl>
+                                        <p:attrNameLst>
+                                          <p:attrName>style.visibility</p:attrName>
+                                        </p:attrNameLst>
+                                      </p:cBhvr>
+                                      <p:to>
+                                        <p:strVal val="visible"/>
+                                      </p:to>
+                                    </p:set>
+                                  </p:childTnLst>
+                                </p:cTn>
+                              </p:par>
+                            </p:childTnLst>
+                          </p:cTn>
+                        </p:par>
+                      </p:childTnLst>
+                    </p:cTn>
+                  </p:par>
+                  <p:par>
+                    <p:cTn id="15" fill="hold">
+                      <p:stCondLst>
+                        <p:cond delay="indefinite"/>
+                      </p:stCondLst>
+                      <p:childTnLst>
+                        <p:par>
+                          <p:cTn id="16" fill="hold">
+                            <p:stCondLst>
+                              <p:cond delay="0"/>
+                            </p:stCondLst>
+                            <p:childTnLst>
+                              <p:par>
+                                <p:cTn id="17" presetID="1" presetClass="entr" presetSubtype="0" fill="hold" grpId="0" nodeType="clickEffect">
+                                  <p:stCondLst>
+                                    <p:cond delay="0"/>
+                                  </p:stCondLst>
+                                  <p:childTnLst>
+                                    <p:set>
+                                      <p:cBhvr>
+                                        <p:cTn id="18" dur="1" fill="hold">
+                                          <p:stCondLst>
+                                            <p:cond delay="0"/>
+                                          </p:stCondLst>
+                                        </p:cTn>
+                                        <p:tgtEl>
+                                          <p:spTgt spid="6147">
+                                            <p:txEl>
+                                              <p:pRg st="3" end="3"/>
+                                            </p:txEl>
+                                          </p:spTgt>
+                                        </p:tgtEl>
+                                        <p:attrNameLst>
+                                          <p:attrName>style.visibility</p:attrName>
+                                        </p:attrNameLst>
+                                      </p:cBhvr>
+                                      <p:to>
+                                        <p:strVal val="visible"/>
+                                      </p:to>
+                                    </p:set>
+                                  </p:childTnLst>
+                                </p:cTn>
+                              </p:par>
+                            </p:childTnLst>
+                          </p:cTn>
+                        </p:par>
+                      </p:childTnLst>
+                    </p:cTn>
+                  </p:par>
+                </p:childTnLst>
+              </p:cTn>
+              <p:prevCondLst>
+                <p:cond evt="onPrev" delay="0">
+                  <p:tgtEl>
+                    <p:sldTgt/>
+                  </p:tgtEl>
+                </p:cond>
+              </p:prevCondLst>
+              <p:nextCondLst>
+                <p:cond evt="onNext" delay="0">
+                  <p:tgtEl>
+                    <p:sldTgt/>
+                  </p:tgtEl>
+                </p:cond>
+              </p:nextCondLst>
+            </p:seq>
+          </p:childTnLst>
+        </p:cTn>
+      </p:par>
+    </p:tnLst>
+    <p:bldLst>
+      <p:bldP spid="6147" grpId="0" build="p"/>
+    </p:bldLst>
+  </p:timing>
 </p:sld>
 </file>
 
-<file path=ppt/slides/slide28.xml><?xml version="1.0" encoding="utf-8"?>
+<file path=ppt/slides/slide32.xml><?xml version="1.0" encoding="utf-8"?>
 <p:sld xmlns:a="http://schemas.openxmlformats.org/drawingml/2006/main" xmlns:r="http://schemas.openxmlformats.org/officeDocument/2006/relationships" xmlns:p="http://schemas.openxmlformats.org/presentationml/2006/main">
   <p:cSld>
     <p:spTree>
@@ -11453,512 +13785,186 @@
   <p:clrMapOvr>
     <a:masterClrMapping/>
   </p:clrMapOvr>
-</p:sld>
-</file>
-
-<file path=ppt/slides/slide29.xml><?xml version="1.0" encoding="utf-8"?>
-<p:sld xmlns:a="http://schemas.openxmlformats.org/drawingml/2006/main" xmlns:r="http://schemas.openxmlformats.org/officeDocument/2006/relationships" xmlns:p="http://schemas.openxmlformats.org/presentationml/2006/main">
-  <p:cSld>
-    <p:spTree>
-      <p:nvGrpSpPr>
-        <p:cNvPr id="1" name=""/>
-        <p:cNvGrpSpPr/>
-        <p:nvPr/>
-      </p:nvGrpSpPr>
-      <p:grpSpPr>
-        <a:xfrm>
-          <a:off x="0" y="0"/>
-          <a:ext cx="0" cy="0"/>
-          <a:chOff x="0" y="0"/>
-          <a:chExt cx="0" cy="0"/>
-        </a:xfrm>
-      </p:grpSpPr>
-      <p:sp>
-        <p:nvSpPr>
-          <p:cNvPr id="13314" name="Rectangle 2"/>
-          <p:cNvSpPr>
-            <a:spLocks noGrp="1" noChangeArrowheads="1"/>
-          </p:cNvSpPr>
-          <p:nvPr>
-            <p:ph type="title"/>
-          </p:nvPr>
-        </p:nvSpPr>
-        <p:spPr>
-          <a:xfrm>
-            <a:off x="685800" y="0"/>
-            <a:ext cx="7772400" cy="1143000"/>
-          </a:xfrm>
-        </p:spPr>
-        <p:txBody>
-          <a:bodyPr/>
-          <a:lstStyle/>
-          <a:p>
-            <a:pPr eaLnBrk="1" hangingPunct="1"/>
-            <a:r>
-              <a:rPr lang="de-DE" sz="3600" dirty="0"/>
-              <a:t>Cost-Effectiveness</a:t>
-            </a:r>
-            <a:endParaRPr lang="en-GB" sz="3600" dirty="0"/>
-          </a:p>
-        </p:txBody>
-      </p:sp>
-      <p:sp>
-        <p:nvSpPr>
-          <p:cNvPr id="13315" name="Rectangle 3"/>
-          <p:cNvSpPr>
-            <a:spLocks noGrp="1" noChangeArrowheads="1"/>
-          </p:cNvSpPr>
-          <p:nvPr>
-            <p:ph type="body" idx="1"/>
-          </p:nvPr>
-        </p:nvSpPr>
-        <p:spPr>
-          <a:xfrm>
-            <a:off x="609600" y="1143000"/>
-            <a:ext cx="7772400" cy="4114800"/>
-          </a:xfrm>
-        </p:spPr>
-        <p:txBody>
-          <a:bodyPr/>
-          <a:lstStyle/>
-          <a:p>
-            <a:pPr eaLnBrk="1" hangingPunct="1">
-              <a:lnSpc>
-                <a:spcPct val="90000"/>
-              </a:lnSpc>
-            </a:pPr>
-            <a:r>
-              <a:rPr lang="de-DE" sz="2800" dirty="0"/>
-              <a:t>Command and control is unlike to be cost-effective, unless the regulator knows a lot and the industry is homogenous</a:t>
-            </a:r>
-          </a:p>
-          <a:p>
-            <a:pPr eaLnBrk="1" hangingPunct="1">
-              <a:lnSpc>
-                <a:spcPct val="90000"/>
-              </a:lnSpc>
-            </a:pPr>
-            <a:r>
-              <a:rPr lang="de-DE" sz="2800" dirty="0"/>
-              <a:t>Institutional instruments may be cost-effective (voluntary agreements), and even efficient (bargaining, property rights)</a:t>
-            </a:r>
-          </a:p>
-        </p:txBody>
-      </p:sp>
-    </p:spTree>
-  </p:cSld>
-  <p:clrMapOvr>
-    <a:masterClrMapping/>
-  </p:clrMapOvr>
-</p:sld>
-</file>
-
-<file path=ppt/slides/slide3.xml><?xml version="1.0" encoding="utf-8"?>
-<p:sld xmlns:a="http://schemas.openxmlformats.org/drawingml/2006/main" xmlns:r="http://schemas.openxmlformats.org/officeDocument/2006/relationships" xmlns:p="http://schemas.openxmlformats.org/presentationml/2006/main">
-  <p:cSld>
-    <p:spTree>
-      <p:nvGrpSpPr>
-        <p:cNvPr id="1" name=""/>
-        <p:cNvGrpSpPr/>
-        <p:nvPr/>
-      </p:nvGrpSpPr>
-      <p:grpSpPr>
-        <a:xfrm>
-          <a:off x="0" y="0"/>
-          <a:ext cx="0" cy="0"/>
-          <a:chOff x="0" y="0"/>
-          <a:chExt cx="0" cy="0"/>
-        </a:xfrm>
-      </p:grpSpPr>
-      <p:sp>
-        <p:nvSpPr>
-          <p:cNvPr id="4098" name="Rectangle 2"/>
-          <p:cNvSpPr>
-            <a:spLocks noGrp="1" noChangeArrowheads="1"/>
-          </p:cNvSpPr>
-          <p:nvPr>
-            <p:ph type="title"/>
-          </p:nvPr>
-        </p:nvSpPr>
-        <p:spPr>
-          <a:xfrm>
-            <a:off x="685800" y="0"/>
-            <a:ext cx="7772400" cy="1143000"/>
-          </a:xfrm>
-        </p:spPr>
-        <p:txBody>
-          <a:bodyPr/>
-          <a:lstStyle/>
-          <a:p>
-            <a:pPr eaLnBrk="1" hangingPunct="1"/>
-            <a:r>
-              <a:rPr lang="de-DE" sz="3600" dirty="0"/>
-              <a:t>Why regulate?</a:t>
-            </a:r>
-            <a:endParaRPr lang="en-GB" sz="3600" dirty="0"/>
-          </a:p>
-        </p:txBody>
-      </p:sp>
-      <p:sp>
-        <p:nvSpPr>
-          <p:cNvPr id="4099" name="Rectangle 3"/>
-          <p:cNvSpPr>
-            <a:spLocks noGrp="1" noChangeArrowheads="1"/>
-          </p:cNvSpPr>
-          <p:nvPr>
-            <p:ph type="body" idx="1"/>
-          </p:nvPr>
-        </p:nvSpPr>
-        <p:spPr>
-          <a:xfrm>
-            <a:off x="685800" y="1295400"/>
-            <a:ext cx="7772400" cy="4114800"/>
-          </a:xfrm>
-        </p:spPr>
-        <p:txBody>
-          <a:bodyPr/>
-          <a:lstStyle/>
-          <a:p>
-            <a:pPr eaLnBrk="1" hangingPunct="1"/>
-            <a:r>
-              <a:rPr lang="de-DE" sz="2800" dirty="0"/>
-              <a:t>Public goods, common goods, congestion goods</a:t>
-            </a:r>
-          </a:p>
-          <a:p>
-            <a:pPr eaLnBrk="1" hangingPunct="1"/>
-            <a:r>
-              <a:rPr lang="de-DE" sz="2800" dirty="0"/>
-              <a:t>Externalities</a:t>
-            </a:r>
-          </a:p>
-          <a:p>
-            <a:pPr eaLnBrk="1" hangingPunct="1"/>
-            <a:r>
-              <a:rPr lang="de-DE" sz="2800" dirty="0"/>
-              <a:t>Asymmetric information</a:t>
-            </a:r>
-          </a:p>
-          <a:p>
-            <a:pPr eaLnBrk="1" hangingPunct="1"/>
-            <a:r>
-              <a:rPr lang="de-DE" sz="2800" dirty="0"/>
-              <a:t>Natural monopoly</a:t>
-            </a:r>
-          </a:p>
-          <a:p>
-            <a:pPr eaLnBrk="1" hangingPunct="1"/>
-            <a:r>
-              <a:rPr lang="de-DE" sz="2800" dirty="0"/>
-              <a:t>Market power</a:t>
-            </a:r>
-          </a:p>
-          <a:p>
-            <a:pPr eaLnBrk="1" hangingPunct="1"/>
-            <a:endParaRPr lang="de-DE" sz="2800" dirty="0"/>
-          </a:p>
-          <a:p>
-            <a:pPr eaLnBrk="1" hangingPunct="1"/>
-            <a:r>
-              <a:rPr lang="de-DE" sz="2800" dirty="0"/>
-              <a:t>Rent seeking</a:t>
-            </a:r>
-          </a:p>
-        </p:txBody>
-      </p:sp>
-    </p:spTree>
-  </p:cSld>
-  <p:clrMapOvr>
-    <a:masterClrMapping/>
-  </p:clrMapOvr>
-</p:sld>
-</file>
-
-<file path=ppt/slides/slide30.xml><?xml version="1.0" encoding="utf-8"?>
-<p:sld xmlns:a="http://schemas.openxmlformats.org/drawingml/2006/main" xmlns:r="http://schemas.openxmlformats.org/officeDocument/2006/relationships" xmlns:p="http://schemas.openxmlformats.org/presentationml/2006/main">
-  <p:cSld>
-    <p:spTree>
-      <p:nvGrpSpPr>
-        <p:cNvPr id="1" name=""/>
-        <p:cNvGrpSpPr/>
-        <p:nvPr/>
-      </p:nvGrpSpPr>
-      <p:grpSpPr>
-        <a:xfrm>
-          <a:off x="0" y="0"/>
-          <a:ext cx="0" cy="0"/>
-          <a:chOff x="0" y="0"/>
-          <a:chExt cx="0" cy="0"/>
-        </a:xfrm>
-      </p:grpSpPr>
-      <p:sp>
-        <p:nvSpPr>
-          <p:cNvPr id="13314" name="Rectangle 2"/>
-          <p:cNvSpPr>
-            <a:spLocks noGrp="1" noChangeArrowheads="1"/>
-          </p:cNvSpPr>
-          <p:nvPr>
-            <p:ph type="title"/>
-          </p:nvPr>
-        </p:nvSpPr>
-        <p:spPr>
-          <a:xfrm>
-            <a:off x="685800" y="0"/>
-            <a:ext cx="7772400" cy="1143000"/>
-          </a:xfrm>
-        </p:spPr>
-        <p:txBody>
-          <a:bodyPr/>
-          <a:lstStyle/>
-          <a:p>
-            <a:pPr eaLnBrk="1" hangingPunct="1"/>
-            <a:r>
-              <a:rPr lang="de-DE" sz="3600" dirty="0"/>
-              <a:t>Administrative costs</a:t>
-            </a:r>
-            <a:endParaRPr lang="en-GB" sz="3600" dirty="0"/>
-          </a:p>
-        </p:txBody>
-      </p:sp>
-      <p:sp>
-        <p:nvSpPr>
-          <p:cNvPr id="13315" name="Rectangle 3"/>
-          <p:cNvSpPr>
-            <a:spLocks noGrp="1" noChangeArrowheads="1"/>
-          </p:cNvSpPr>
-          <p:nvPr>
-            <p:ph type="body" idx="1"/>
-          </p:nvPr>
-        </p:nvSpPr>
-        <p:spPr>
-          <a:xfrm>
-            <a:off x="609600" y="1143000"/>
-            <a:ext cx="7772400" cy="4114800"/>
-          </a:xfrm>
-        </p:spPr>
-        <p:txBody>
-          <a:bodyPr/>
-          <a:lstStyle/>
-          <a:p>
-            <a:pPr eaLnBrk="1" hangingPunct="1">
-              <a:lnSpc>
-                <a:spcPct val="90000"/>
-              </a:lnSpc>
-            </a:pPr>
-            <a:r>
-              <a:rPr lang="de-DE" sz="2800" dirty="0"/>
-              <a:t>Command and control is expensive, and that makes it attractive to a self-interested regulator</a:t>
-            </a:r>
-          </a:p>
-          <a:p>
-            <a:pPr eaLnBrk="1" hangingPunct="1">
-              <a:lnSpc>
-                <a:spcPct val="90000"/>
-              </a:lnSpc>
-            </a:pPr>
-            <a:r>
-              <a:rPr lang="de-DE" sz="2800" dirty="0"/>
-              <a:t>Some institutional instruments are cheap (voluntary agreements, property right), others may be expensive (courts)</a:t>
-            </a:r>
-          </a:p>
-        </p:txBody>
-      </p:sp>
-    </p:spTree>
-    <p:extLst>
-      <p:ext uri="{BB962C8B-B14F-4D97-AF65-F5344CB8AC3E}">
-        <p14:creationId xmlns:p14="http://schemas.microsoft.com/office/powerpoint/2010/main" val="549185225"/>
-      </p:ext>
-    </p:extLst>
-  </p:cSld>
-  <p:clrMapOvr>
-    <a:masterClrMapping/>
-  </p:clrMapOvr>
-</p:sld>
-</file>
-
-<file path=ppt/slides/slide31.xml><?xml version="1.0" encoding="utf-8"?>
-<p:sld xmlns:a="http://schemas.openxmlformats.org/drawingml/2006/main" xmlns:r="http://schemas.openxmlformats.org/officeDocument/2006/relationships" xmlns:p="http://schemas.openxmlformats.org/presentationml/2006/main">
-  <p:cSld>
-    <p:spTree>
-      <p:nvGrpSpPr>
-        <p:cNvPr id="1" name=""/>
-        <p:cNvGrpSpPr/>
-        <p:nvPr/>
-      </p:nvGrpSpPr>
-      <p:grpSpPr>
-        <a:xfrm>
-          <a:off x="0" y="0"/>
-          <a:ext cx="0" cy="0"/>
-          <a:chOff x="0" y="0"/>
-          <a:chExt cx="0" cy="0"/>
-        </a:xfrm>
-      </p:grpSpPr>
-      <p:sp>
-        <p:nvSpPr>
-          <p:cNvPr id="14338" name="Rectangle 2"/>
-          <p:cNvSpPr>
-            <a:spLocks noGrp="1" noChangeArrowheads="1"/>
-          </p:cNvSpPr>
-          <p:nvPr>
-            <p:ph type="title"/>
-          </p:nvPr>
-        </p:nvSpPr>
-        <p:spPr>
-          <a:xfrm>
-            <a:off x="685800" y="0"/>
-            <a:ext cx="7772400" cy="1143000"/>
-          </a:xfrm>
-        </p:spPr>
-        <p:txBody>
-          <a:bodyPr/>
-          <a:lstStyle/>
-          <a:p>
-            <a:pPr eaLnBrk="1" hangingPunct="1"/>
-            <a:r>
-              <a:rPr lang="de-DE" sz="3600" dirty="0"/>
-              <a:t>Environmental Effectiveness</a:t>
-            </a:r>
-            <a:endParaRPr lang="en-GB" sz="3600" dirty="0"/>
-          </a:p>
-        </p:txBody>
-      </p:sp>
-      <p:sp>
-        <p:nvSpPr>
-          <p:cNvPr id="14339" name="Rectangle 3"/>
-          <p:cNvSpPr>
-            <a:spLocks noGrp="1" noChangeArrowheads="1"/>
-          </p:cNvSpPr>
-          <p:nvPr>
-            <p:ph type="body" idx="1"/>
-          </p:nvPr>
-        </p:nvSpPr>
-        <p:spPr>
-          <a:xfrm>
-            <a:off x="609600" y="1143000"/>
-            <a:ext cx="7772400" cy="4114800"/>
-          </a:xfrm>
-        </p:spPr>
-        <p:txBody>
-          <a:bodyPr/>
-          <a:lstStyle/>
-          <a:p>
-            <a:pPr eaLnBrk="1" hangingPunct="1">
-              <a:lnSpc>
-                <a:spcPct val="90000"/>
-              </a:lnSpc>
-            </a:pPr>
-            <a:r>
-              <a:rPr lang="de-DE" sz="2800" dirty="0"/>
-              <a:t>The environmental effects of emission standards are certain (bar illegal dumping), of input and production standards less certain</a:t>
-            </a:r>
-          </a:p>
-          <a:p>
-            <a:pPr eaLnBrk="1" hangingPunct="1">
-              <a:lnSpc>
-                <a:spcPct val="90000"/>
-              </a:lnSpc>
-            </a:pPr>
-            <a:r>
-              <a:rPr lang="de-DE" sz="2800" dirty="0"/>
-              <a:t>The environmental effects of institutional instruments are uncertain, and unpredictable as enforcement is not in the hands of the government</a:t>
-            </a:r>
-          </a:p>
-        </p:txBody>
-      </p:sp>
-    </p:spTree>
-  </p:cSld>
-  <p:clrMapOvr>
-    <a:masterClrMapping/>
-  </p:clrMapOvr>
-</p:sld>
-</file>
-
-<file path=ppt/slides/slide32.xml><?xml version="1.0" encoding="utf-8"?>
-<p:sld xmlns:a="http://schemas.openxmlformats.org/drawingml/2006/main" xmlns:r="http://schemas.openxmlformats.org/officeDocument/2006/relationships" xmlns:p="http://schemas.openxmlformats.org/presentationml/2006/main">
-  <p:cSld>
-    <p:spTree>
-      <p:nvGrpSpPr>
-        <p:cNvPr id="1" name=""/>
-        <p:cNvGrpSpPr/>
-        <p:nvPr/>
-      </p:nvGrpSpPr>
-      <p:grpSpPr>
-        <a:xfrm>
-          <a:off x="0" y="0"/>
-          <a:ext cx="0" cy="0"/>
-          <a:chOff x="0" y="0"/>
-          <a:chExt cx="0" cy="0"/>
-        </a:xfrm>
-      </p:grpSpPr>
-      <p:sp>
-        <p:nvSpPr>
-          <p:cNvPr id="15362" name="Rectangle 2"/>
-          <p:cNvSpPr>
-            <a:spLocks noGrp="1" noChangeArrowheads="1"/>
-          </p:cNvSpPr>
-          <p:nvPr>
-            <p:ph type="title"/>
-          </p:nvPr>
-        </p:nvSpPr>
-        <p:spPr>
-          <a:xfrm>
-            <a:off x="685800" y="0"/>
-            <a:ext cx="7772400" cy="1143000"/>
-          </a:xfrm>
-        </p:spPr>
-        <p:txBody>
-          <a:bodyPr/>
-          <a:lstStyle/>
-          <a:p>
-            <a:pPr eaLnBrk="1" hangingPunct="1"/>
-            <a:r>
-              <a:rPr lang="de-DE" sz="3600" dirty="0"/>
-              <a:t>Dynamic Effects</a:t>
-            </a:r>
-            <a:endParaRPr lang="en-GB" sz="3600" dirty="0"/>
-          </a:p>
-        </p:txBody>
-      </p:sp>
-      <p:sp>
-        <p:nvSpPr>
-          <p:cNvPr id="15363" name="Rectangle 3"/>
-          <p:cNvSpPr>
-            <a:spLocks noGrp="1" noChangeArrowheads="1"/>
-          </p:cNvSpPr>
-          <p:nvPr>
-            <p:ph type="body" idx="1"/>
-          </p:nvPr>
-        </p:nvSpPr>
-        <p:spPr>
-          <a:xfrm>
-            <a:off x="609600" y="1066800"/>
-            <a:ext cx="7772400" cy="4114800"/>
-          </a:xfrm>
-        </p:spPr>
-        <p:txBody>
-          <a:bodyPr/>
-          <a:lstStyle/>
-          <a:p>
-            <a:pPr eaLnBrk="1" hangingPunct="1"/>
-            <a:r>
-              <a:rPr lang="de-DE" sz="2800" dirty="0"/>
-              <a:t>Direct regulation is static; once the standard is met, there is no need to further reduce emissions</a:t>
-            </a:r>
-          </a:p>
-          <a:p>
-            <a:pPr eaLnBrk="1" hangingPunct="1"/>
-            <a:r>
-              <a:rPr lang="de-DE" sz="2800" dirty="0"/>
-              <a:t>Unless, standards get stricter over time</a:t>
-            </a:r>
-          </a:p>
-        </p:txBody>
-      </p:sp>
-    </p:spTree>
-  </p:cSld>
-  <p:clrMapOvr>
-    <a:masterClrMapping/>
-  </p:clrMapOvr>
+  <p:timing>
+    <p:tnLst>
+      <p:par>
+        <p:cTn id="1" dur="indefinite" restart="never" nodeType="tmRoot">
+          <p:childTnLst>
+            <p:seq concurrent="1" nextAc="seek">
+              <p:cTn id="2" dur="indefinite" nodeType="mainSeq">
+                <p:childTnLst>
+                  <p:par>
+                    <p:cTn id="3" fill="hold">
+                      <p:stCondLst>
+                        <p:cond delay="indefinite"/>
+                      </p:stCondLst>
+                      <p:childTnLst>
+                        <p:par>
+                          <p:cTn id="4" fill="hold">
+                            <p:stCondLst>
+                              <p:cond delay="0"/>
+                            </p:stCondLst>
+                            <p:childTnLst>
+                              <p:par>
+                                <p:cTn id="5" presetID="1" presetClass="entr" presetSubtype="0" fill="hold" grpId="0" nodeType="clickEffect">
+                                  <p:stCondLst>
+                                    <p:cond delay="0"/>
+                                  </p:stCondLst>
+                                  <p:childTnLst>
+                                    <p:set>
+                                      <p:cBhvr>
+                                        <p:cTn id="6" dur="1" fill="hold">
+                                          <p:stCondLst>
+                                            <p:cond delay="0"/>
+                                          </p:stCondLst>
+                                        </p:cTn>
+                                        <p:tgtEl>
+                                          <p:spTgt spid="6147">
+                                            <p:txEl>
+                                              <p:pRg st="0" end="0"/>
+                                            </p:txEl>
+                                          </p:spTgt>
+                                        </p:tgtEl>
+                                        <p:attrNameLst>
+                                          <p:attrName>style.visibility</p:attrName>
+                                        </p:attrNameLst>
+                                      </p:cBhvr>
+                                      <p:to>
+                                        <p:strVal val="visible"/>
+                                      </p:to>
+                                    </p:set>
+                                  </p:childTnLst>
+                                </p:cTn>
+                              </p:par>
+                            </p:childTnLst>
+                          </p:cTn>
+                        </p:par>
+                      </p:childTnLst>
+                    </p:cTn>
+                  </p:par>
+                  <p:par>
+                    <p:cTn id="7" fill="hold">
+                      <p:stCondLst>
+                        <p:cond delay="indefinite"/>
+                      </p:stCondLst>
+                      <p:childTnLst>
+                        <p:par>
+                          <p:cTn id="8" fill="hold">
+                            <p:stCondLst>
+                              <p:cond delay="0"/>
+                            </p:stCondLst>
+                            <p:childTnLst>
+                              <p:par>
+                                <p:cTn id="9" presetID="1" presetClass="entr" presetSubtype="0" fill="hold" grpId="0" nodeType="clickEffect">
+                                  <p:stCondLst>
+                                    <p:cond delay="0"/>
+                                  </p:stCondLst>
+                                  <p:childTnLst>
+                                    <p:set>
+                                      <p:cBhvr>
+                                        <p:cTn id="10" dur="1" fill="hold">
+                                          <p:stCondLst>
+                                            <p:cond delay="0"/>
+                                          </p:stCondLst>
+                                        </p:cTn>
+                                        <p:tgtEl>
+                                          <p:spTgt spid="6147">
+                                            <p:txEl>
+                                              <p:pRg st="1" end="1"/>
+                                            </p:txEl>
+                                          </p:spTgt>
+                                        </p:tgtEl>
+                                        <p:attrNameLst>
+                                          <p:attrName>style.visibility</p:attrName>
+                                        </p:attrNameLst>
+                                      </p:cBhvr>
+                                      <p:to>
+                                        <p:strVal val="visible"/>
+                                      </p:to>
+                                    </p:set>
+                                  </p:childTnLst>
+                                </p:cTn>
+                              </p:par>
+                            </p:childTnLst>
+                          </p:cTn>
+                        </p:par>
+                      </p:childTnLst>
+                    </p:cTn>
+                  </p:par>
+                  <p:par>
+                    <p:cTn id="11" fill="hold">
+                      <p:stCondLst>
+                        <p:cond delay="indefinite"/>
+                      </p:stCondLst>
+                      <p:childTnLst>
+                        <p:par>
+                          <p:cTn id="12" fill="hold">
+                            <p:stCondLst>
+                              <p:cond delay="0"/>
+                            </p:stCondLst>
+                            <p:childTnLst>
+                              <p:par>
+                                <p:cTn id="13" presetID="1" presetClass="entr" presetSubtype="0" fill="hold" grpId="0" nodeType="clickEffect">
+                                  <p:stCondLst>
+                                    <p:cond delay="0"/>
+                                  </p:stCondLst>
+                                  <p:childTnLst>
+                                    <p:set>
+                                      <p:cBhvr>
+                                        <p:cTn id="14" dur="1" fill="hold">
+                                          <p:stCondLst>
+                                            <p:cond delay="0"/>
+                                          </p:stCondLst>
+                                        </p:cTn>
+                                        <p:tgtEl>
+                                          <p:spTgt spid="6147">
+                                            <p:txEl>
+                                              <p:pRg st="2" end="2"/>
+                                            </p:txEl>
+                                          </p:spTgt>
+                                        </p:tgtEl>
+                                        <p:attrNameLst>
+                                          <p:attrName>style.visibility</p:attrName>
+                                        </p:attrNameLst>
+                                      </p:cBhvr>
+                                      <p:to>
+                                        <p:strVal val="visible"/>
+                                      </p:to>
+                                    </p:set>
+                                  </p:childTnLst>
+                                </p:cTn>
+                              </p:par>
+                            </p:childTnLst>
+                          </p:cTn>
+                        </p:par>
+                      </p:childTnLst>
+                    </p:cTn>
+                  </p:par>
+                </p:childTnLst>
+              </p:cTn>
+              <p:prevCondLst>
+                <p:cond evt="onPrev" delay="0">
+                  <p:tgtEl>
+                    <p:sldTgt/>
+                  </p:tgtEl>
+                </p:cond>
+              </p:prevCondLst>
+              <p:nextCondLst>
+                <p:cond evt="onNext" delay="0">
+                  <p:tgtEl>
+                    <p:sldTgt/>
+                  </p:tgtEl>
+                </p:cond>
+              </p:nextCondLst>
+            </p:seq>
+          </p:childTnLst>
+        </p:cTn>
+      </p:par>
+    </p:tnLst>
+    <p:bldLst>
+      <p:bldP spid="6147" grpId="0" build="p"/>
+    </p:bldLst>
+  </p:timing>
 </p:sld>
 </file>
 
@@ -11981,7 +13987,7 @@
       </p:grpSpPr>
       <p:sp>
         <p:nvSpPr>
-          <p:cNvPr id="16386" name="Rectangle 2"/>
+          <p:cNvPr id="6146" name="Rectangle 2"/>
           <p:cNvSpPr>
             <a:spLocks noGrp="1" noChangeArrowheads="1"/>
           </p:cNvSpPr>
@@ -12002,7 +14008,7 @@
             <a:pPr eaLnBrk="1" hangingPunct="1"/>
             <a:r>
               <a:rPr lang="de-DE" sz="3600" dirty="0"/>
-              <a:t>Flexibility</a:t>
+              <a:t>Coase Theorem</a:t>
             </a:r>
             <a:endParaRPr lang="en-GB" sz="3600" dirty="0"/>
           </a:p>
@@ -12010,7 +14016,7 @@
       </p:sp>
       <p:sp>
         <p:nvSpPr>
-          <p:cNvPr id="16387" name="Rectangle 3"/>
+          <p:cNvPr id="6147" name="Rectangle 3"/>
           <p:cNvSpPr>
             <a:spLocks noGrp="1" noChangeArrowheads="1"/>
           </p:cNvSpPr>
@@ -12020,8 +14026,8 @@
         </p:nvSpPr>
         <p:spPr>
           <a:xfrm>
-            <a:off x="609600" y="914400"/>
-            <a:ext cx="7772400" cy="4114800"/>
+            <a:off x="304800" y="1105930"/>
+            <a:ext cx="7086600" cy="4572000"/>
           </a:xfrm>
         </p:spPr>
         <p:txBody>
@@ -12031,127 +14037,84 @@
             <a:pPr eaLnBrk="1" hangingPunct="1"/>
             <a:r>
               <a:rPr lang="de-DE" sz="2800" dirty="0"/>
-              <a:t>Flexibility is important, as new information may arise</a:t>
+              <a:t>If the market is completed by assigning property rights </a:t>
+            </a:r>
+            <a:r>
+              <a:rPr lang="de-DE" sz="2800" i="1" dirty="0"/>
+              <a:t>(efficiency thesis),</a:t>
+            </a:r>
+            <a:r>
+              <a:rPr lang="de-DE" sz="2800" dirty="0"/>
+              <a:t> it will find a Pareto optimum</a:t>
             </a:r>
           </a:p>
           <a:p>
             <a:pPr eaLnBrk="1" hangingPunct="1"/>
             <a:r>
               <a:rPr lang="de-DE" sz="2800" dirty="0"/>
-              <a:t>It is easy to make standards less strict; it is hard to do the opposite</a:t>
+              <a:t>The Pareto optimum does not depend on who gets the property (</a:t>
+            </a:r>
+            <a:r>
+              <a:rPr lang="de-DE" sz="2800" i="1" dirty="0"/>
+              <a:t>invariance thesis</a:t>
+            </a:r>
+            <a:r>
+              <a:rPr lang="de-DE" sz="2800" dirty="0"/>
+              <a:t>)</a:t>
+            </a:r>
+          </a:p>
+          <a:p>
+            <a:pPr eaLnBrk="1" hangingPunct="1"/>
+            <a:r>
+              <a:rPr lang="de-DE" sz="2800" dirty="0"/>
+              <a:t>Stringent assumptions, but seems to work in practice</a:t>
+            </a:r>
+          </a:p>
+          <a:p>
+            <a:pPr eaLnBrk="1" hangingPunct="1"/>
+            <a:r>
+              <a:rPr lang="de-DE" sz="2800" dirty="0"/>
+              <a:t>Coase bargaining can internalize externalities that are hard to reach by other policy instruments</a:t>
             </a:r>
           </a:p>
         </p:txBody>
       </p:sp>
-    </p:spTree>
-  </p:cSld>
-  <p:clrMapOvr>
-    <a:masterClrMapping/>
-  </p:clrMapOvr>
-</p:sld>
-</file>
-
-<file path=ppt/slides/slide34.xml><?xml version="1.0" encoding="utf-8"?>
-<p:sld xmlns:a="http://schemas.openxmlformats.org/drawingml/2006/main" xmlns:r="http://schemas.openxmlformats.org/officeDocument/2006/relationships" xmlns:p="http://schemas.openxmlformats.org/presentationml/2006/main">
-  <p:cSld>
-    <p:spTree>
-      <p:nvGrpSpPr>
-        <p:cNvPr id="1" name=""/>
-        <p:cNvGrpSpPr/>
-        <p:nvPr/>
-      </p:nvGrpSpPr>
-      <p:grpSpPr>
-        <a:xfrm>
-          <a:off x="0" y="0"/>
-          <a:ext cx="0" cy="0"/>
-          <a:chOff x="0" y="0"/>
-          <a:chExt cx="0" cy="0"/>
-        </a:xfrm>
-      </p:grpSpPr>
-      <p:sp>
-        <p:nvSpPr>
-          <p:cNvPr id="17410" name="Rectangle 2"/>
-          <p:cNvSpPr>
-            <a:spLocks noGrp="1" noChangeArrowheads="1"/>
-          </p:cNvSpPr>
-          <p:nvPr>
-            <p:ph type="title"/>
-          </p:nvPr>
-        </p:nvSpPr>
+      <p:pic>
+        <p:nvPicPr>
+          <p:cNvPr id="2" name="Picture 1"/>
+          <p:cNvPicPr>
+            <a:picLocks noChangeAspect="1"/>
+          </p:cNvPicPr>
+          <p:nvPr/>
+        </p:nvPicPr>
+        <p:blipFill>
+          <a:blip r:embed="rId2">
+            <a:extLst>
+              <a:ext uri="{28A0092B-C50C-407E-A947-70E740481C1C}">
+                <a14:useLocalDpi xmlns:a14="http://schemas.microsoft.com/office/drawing/2010/main" val="0"/>
+              </a:ext>
+            </a:extLst>
+          </a:blip>
+          <a:stretch>
+            <a:fillRect/>
+          </a:stretch>
+        </p:blipFill>
         <p:spPr>
           <a:xfrm>
-            <a:off x="685800" y="0"/>
-            <a:ext cx="7772400" cy="1143000"/>
+            <a:off x="7543800" y="76200"/>
+            <a:ext cx="1578429" cy="2232349"/>
           </a:xfrm>
+          <a:prstGeom prst="rect">
+            <a:avLst/>
+          </a:prstGeom>
         </p:spPr>
-        <p:txBody>
-          <a:bodyPr/>
-          <a:lstStyle/>
-          <a:p>
-            <a:pPr eaLnBrk="1" hangingPunct="1"/>
-            <a:r>
-              <a:rPr lang="de-DE" sz="3600" dirty="0"/>
-              <a:t>Equity</a:t>
-            </a:r>
-            <a:endParaRPr lang="en-GB" sz="3600" dirty="0"/>
-          </a:p>
-        </p:txBody>
-      </p:sp>
-      <p:sp>
-        <p:nvSpPr>
-          <p:cNvPr id="17411" name="Rectangle 3"/>
-          <p:cNvSpPr>
-            <a:spLocks noGrp="1" noChangeArrowheads="1"/>
-          </p:cNvSpPr>
-          <p:nvPr>
-            <p:ph type="body" idx="1"/>
-          </p:nvPr>
-        </p:nvSpPr>
-        <p:spPr>
-          <a:xfrm>
-            <a:off x="609600" y="1219200"/>
-            <a:ext cx="7772400" cy="4114800"/>
-          </a:xfrm>
-        </p:spPr>
-        <p:txBody>
-          <a:bodyPr/>
-          <a:lstStyle/>
-          <a:p>
-            <a:pPr eaLnBrk="1" hangingPunct="1">
-              <a:lnSpc>
-                <a:spcPct val="90000"/>
-              </a:lnSpc>
-            </a:pPr>
-            <a:r>
-              <a:rPr lang="de-DE" sz="2800" dirty="0"/>
-              <a:t>Different instruments have different distributional consequences</a:t>
-            </a:r>
-          </a:p>
-          <a:p>
-            <a:pPr eaLnBrk="1" hangingPunct="1">
-              <a:lnSpc>
-                <a:spcPct val="90000"/>
-              </a:lnSpc>
-            </a:pPr>
-            <a:r>
-              <a:rPr lang="de-DE" sz="2800" dirty="0"/>
-              <a:t>In general, environmental policy makes things more expensive; with cost-effective instruments, this effect and hence the distributional effects are less pronounced</a:t>
-            </a:r>
-          </a:p>
-          <a:p>
-            <a:pPr eaLnBrk="1" hangingPunct="1">
-              <a:lnSpc>
-                <a:spcPct val="90000"/>
-              </a:lnSpc>
-            </a:pPr>
-            <a:r>
-              <a:rPr lang="de-DE" sz="2800" dirty="0"/>
-              <a:t>If necessary (luxury) goods are regulated, the environmental policy is regressive (progressive)</a:t>
-            </a:r>
-          </a:p>
-        </p:txBody>
-      </p:sp>
+      </p:pic>
     </p:spTree>
+    <p:extLst>
+      <p:ext uri="{BB962C8B-B14F-4D97-AF65-F5344CB8AC3E}">
+        <p14:creationId xmlns:p14="http://schemas.microsoft.com/office/powerpoint/2010/main" val="3918101614"/>
+      </p:ext>
+    </p:extLst>
   </p:cSld>
   <p:clrMapOvr>
     <a:masterClrMapping/>
@@ -12199,7 +14162,7 @@
             <a:pPr eaLnBrk="1" hangingPunct="1"/>
             <a:r>
               <a:rPr lang="de-DE" sz="3600" dirty="0"/>
-              <a:t>Types of pollution</a:t>
+              <a:t>Why regulate?</a:t>
             </a:r>
             <a:endParaRPr lang="en-GB" sz="3600" dirty="0"/>
           </a:p>
@@ -12217,8 +14180,8 @@
         </p:nvSpPr>
         <p:spPr>
           <a:xfrm>
-            <a:off x="706395" y="990600"/>
-            <a:ext cx="7772400" cy="4114800"/>
+            <a:off x="675968" y="1295400"/>
+            <a:ext cx="8001000" cy="4114800"/>
           </a:xfrm>
         </p:spPr>
         <p:txBody>
@@ -12228,95 +14191,62 @@
             <a:pPr eaLnBrk="1" hangingPunct="1"/>
             <a:r>
               <a:rPr lang="de-DE" sz="2800" dirty="0"/>
-              <a:t>Stock and flow pollutants</a:t>
-            </a:r>
-          </a:p>
-          <a:p>
-            <a:pPr lvl="1" eaLnBrk="1" hangingPunct="1"/>
-            <a:r>
-              <a:rPr lang="de-DE" sz="2400" dirty="0"/>
-              <a:t>Nuclear waste, noise</a:t>
+              <a:t>Public goods, common goods, congestion goods</a:t>
             </a:r>
           </a:p>
           <a:p>
             <a:pPr eaLnBrk="1" hangingPunct="1"/>
             <a:r>
               <a:rPr lang="de-DE" sz="2800" dirty="0"/>
-              <a:t>Medium</a:t>
-            </a:r>
-          </a:p>
-          <a:p>
-            <a:pPr lvl="1" eaLnBrk="1" hangingPunct="1"/>
-            <a:r>
-              <a:rPr lang="de-DE" sz="2400" dirty="0"/>
-              <a:t>Water, air, soil</a:t>
+              <a:t>Externalities</a:t>
             </a:r>
           </a:p>
           <a:p>
             <a:pPr eaLnBrk="1" hangingPunct="1"/>
             <a:r>
               <a:rPr lang="de-DE" sz="2800" dirty="0"/>
-              <a:t>Point and diffuse sources</a:t>
-            </a:r>
-          </a:p>
-          <a:p>
-            <a:pPr lvl="1" eaLnBrk="1" hangingPunct="1"/>
-            <a:r>
-              <a:rPr lang="de-DE" sz="2400" dirty="0"/>
-              <a:t>Nuclear power, cars</a:t>
+              <a:t>Asymmetric information</a:t>
             </a:r>
           </a:p>
           <a:p>
             <a:pPr eaLnBrk="1" hangingPunct="1"/>
             <a:r>
               <a:rPr lang="de-DE" sz="2800" dirty="0"/>
-              <a:t>Spatially concentrated and homogenous impact</a:t>
-            </a:r>
-          </a:p>
-          <a:p>
-            <a:pPr lvl="1" eaLnBrk="1" hangingPunct="1"/>
-            <a:r>
-              <a:rPr lang="de-DE" sz="2400" dirty="0"/>
-              <a:t>Airport noise, UV-B radiation</a:t>
+              <a:t>Natural monopoly</a:t>
             </a:r>
           </a:p>
           <a:p>
             <a:pPr eaLnBrk="1" hangingPunct="1"/>
             <a:r>
               <a:rPr lang="de-DE" sz="2800" dirty="0"/>
-              <a:t>Local, regional, contintenal, global</a:t>
-            </a:r>
-          </a:p>
-          <a:p>
-            <a:pPr lvl="1" eaLnBrk="1" hangingPunct="1"/>
-            <a:r>
-              <a:rPr lang="de-DE" sz="2400" dirty="0"/>
-              <a:t>Noise, air pollution, acidification, climate change</a:t>
-            </a:r>
-          </a:p>
-          <a:p>
-            <a:pPr lvl="1" eaLnBrk="1" hangingPunct="1"/>
-            <a:endParaRPr lang="de-DE" sz="2400" dirty="0"/>
+              <a:t>Market power</a:t>
+            </a:r>
           </a:p>
           <a:p>
             <a:pPr eaLnBrk="1" hangingPunct="1"/>
+            <a:endParaRPr lang="de-DE" sz="2800" dirty="0"/>
+          </a:p>
+          <a:p>
+            <a:pPr eaLnBrk="1" hangingPunct="1"/>
             <a:r>
               <a:rPr lang="de-DE" sz="2800" dirty="0"/>
-              <a:t>Matters for understanding and regulation</a:t>
+              <a:t>Multiple market imperfections</a:t>
             </a:r>
           </a:p>
           <a:p>
             <a:pPr eaLnBrk="1" hangingPunct="1"/>
-            <a:endParaRPr lang="de-DE" dirty="0"/>
+            <a:endParaRPr lang="de-DE" sz="2800" dirty="0"/>
+          </a:p>
+          <a:p>
+            <a:pPr eaLnBrk="1" hangingPunct="1"/>
+            <a:r>
+              <a:rPr lang="de-DE" sz="2800" dirty="0"/>
+              <a:t>Rent seeking</a:t>
+            </a:r>
           </a:p>
         </p:txBody>
       </p:sp>
     </p:spTree>
-    <p:extLst>
-      <p:ext uri="{BB962C8B-B14F-4D97-AF65-F5344CB8AC3E}">
-        <p14:creationId xmlns:p14="http://schemas.microsoft.com/office/powerpoint/2010/main" val="566618849"/>
-      </p:ext>
-    </p:extLst>
   </p:cSld>
   <p:clrMapOvr>
     <a:masterClrMapping/>
@@ -12325,6 +14255,228 @@
 </file>
 
 <file path=ppt/slides/slide5.xml><?xml version="1.0" encoding="utf-8"?>
+<p:sld xmlns:a="http://schemas.openxmlformats.org/drawingml/2006/main" xmlns:r="http://schemas.openxmlformats.org/officeDocument/2006/relationships" xmlns:p="http://schemas.openxmlformats.org/presentationml/2006/main">
+  <p:cSld>
+    <p:spTree>
+      <p:nvGrpSpPr>
+        <p:cNvPr id="1" name=""/>
+        <p:cNvGrpSpPr/>
+        <p:nvPr/>
+      </p:nvGrpSpPr>
+      <p:grpSpPr>
+        <a:xfrm>
+          <a:off x="0" y="0"/>
+          <a:ext cx="0" cy="0"/>
+          <a:chOff x="0" y="0"/>
+          <a:chExt cx="0" cy="0"/>
+        </a:xfrm>
+      </p:grpSpPr>
+      <p:sp>
+        <p:nvSpPr>
+          <p:cNvPr id="5123" name="Rectangle 3"/>
+          <p:cNvSpPr>
+            <a:spLocks noGrp="1" noChangeArrowheads="1"/>
+          </p:cNvSpPr>
+          <p:nvPr>
+            <p:ph type="body" idx="1"/>
+          </p:nvPr>
+        </p:nvSpPr>
+        <p:spPr>
+          <a:xfrm>
+            <a:off x="228600" y="152400"/>
+            <a:ext cx="8686800" cy="4876800"/>
+          </a:xfrm>
+        </p:spPr>
+        <p:txBody>
+          <a:bodyPr/>
+          <a:lstStyle/>
+          <a:p>
+            <a:pPr eaLnBrk="1" hangingPunct="1">
+              <a:lnSpc>
+                <a:spcPct val="90000"/>
+              </a:lnSpc>
+            </a:pPr>
+            <a:r>
+              <a:rPr lang="de-DE" sz="2400" dirty="0"/>
+              <a:t>Direct regulation / prescriptive instruments</a:t>
+            </a:r>
+          </a:p>
+          <a:p>
+            <a:pPr lvl="1" eaLnBrk="1" hangingPunct="1">
+              <a:lnSpc>
+                <a:spcPct val="90000"/>
+              </a:lnSpc>
+            </a:pPr>
+            <a:r>
+              <a:rPr lang="de-DE" sz="2400" dirty="0"/>
+              <a:t>Inputs, technology</a:t>
+            </a:r>
+          </a:p>
+          <a:p>
+            <a:pPr lvl="1" eaLnBrk="1" hangingPunct="1">
+              <a:lnSpc>
+                <a:spcPct val="90000"/>
+              </a:lnSpc>
+            </a:pPr>
+            <a:r>
+              <a:rPr lang="de-DE" sz="2400" dirty="0"/>
+              <a:t>Output (product, pollutant)</a:t>
+            </a:r>
+          </a:p>
+          <a:p>
+            <a:pPr lvl="1" eaLnBrk="1" hangingPunct="1">
+              <a:lnSpc>
+                <a:spcPct val="90000"/>
+              </a:lnSpc>
+            </a:pPr>
+            <a:r>
+              <a:rPr lang="de-DE" sz="2400" dirty="0"/>
+              <a:t>Location (source, individual)</a:t>
+            </a:r>
+          </a:p>
+          <a:p>
+            <a:pPr lvl="1" eaLnBrk="1" hangingPunct="1">
+              <a:lnSpc>
+                <a:spcPct val="90000"/>
+              </a:lnSpc>
+            </a:pPr>
+            <a:r>
+              <a:rPr lang="de-DE" sz="2400" dirty="0"/>
+              <a:t>Timing</a:t>
+            </a:r>
+          </a:p>
+          <a:p>
+            <a:pPr lvl="1" eaLnBrk="1" hangingPunct="1">
+              <a:lnSpc>
+                <a:spcPct val="90000"/>
+              </a:lnSpc>
+            </a:pPr>
+            <a:r>
+              <a:rPr lang="de-DE" sz="2400" dirty="0"/>
+              <a:t>Prohibition</a:t>
+            </a:r>
+          </a:p>
+          <a:p>
+            <a:pPr eaLnBrk="1" hangingPunct="1">
+              <a:lnSpc>
+                <a:spcPct val="90000"/>
+              </a:lnSpc>
+            </a:pPr>
+            <a:r>
+              <a:rPr lang="de-DE" sz="2400" dirty="0"/>
+              <a:t>Market-based / incentive-conform instruments</a:t>
+            </a:r>
+          </a:p>
+          <a:p>
+            <a:pPr lvl="1" eaLnBrk="1" hangingPunct="1">
+              <a:lnSpc>
+                <a:spcPct val="90000"/>
+              </a:lnSpc>
+            </a:pPr>
+            <a:r>
+              <a:rPr lang="de-DE" sz="2400" dirty="0"/>
+              <a:t>Taxes (inputs, outputs)</a:t>
+            </a:r>
+          </a:p>
+          <a:p>
+            <a:pPr lvl="1" eaLnBrk="1" hangingPunct="1">
+              <a:lnSpc>
+                <a:spcPct val="90000"/>
+              </a:lnSpc>
+            </a:pPr>
+            <a:r>
+              <a:rPr lang="de-DE" sz="2400" dirty="0"/>
+              <a:t>Subsidies</a:t>
+            </a:r>
+          </a:p>
+          <a:p>
+            <a:pPr lvl="1" eaLnBrk="1" hangingPunct="1">
+              <a:lnSpc>
+                <a:spcPct val="90000"/>
+              </a:lnSpc>
+            </a:pPr>
+            <a:r>
+              <a:rPr lang="de-DE" sz="2400" dirty="0"/>
+              <a:t>Tradeable permits</a:t>
+            </a:r>
+          </a:p>
+          <a:p>
+            <a:pPr eaLnBrk="1" hangingPunct="1">
+              <a:lnSpc>
+                <a:spcPct val="90000"/>
+              </a:lnSpc>
+            </a:pPr>
+            <a:r>
+              <a:rPr lang="de-DE" sz="2400" dirty="0"/>
+              <a:t>Institutional </a:t>
+            </a:r>
+          </a:p>
+          <a:p>
+            <a:pPr lvl="1" eaLnBrk="1" hangingPunct="1">
+              <a:lnSpc>
+                <a:spcPct val="90000"/>
+              </a:lnSpc>
+            </a:pPr>
+            <a:r>
+              <a:rPr lang="de-DE" sz="2400" dirty="0"/>
+              <a:t>Bargaining</a:t>
+            </a:r>
+          </a:p>
+          <a:p>
+            <a:pPr lvl="1" eaLnBrk="1" hangingPunct="1">
+              <a:lnSpc>
+                <a:spcPct val="90000"/>
+              </a:lnSpc>
+            </a:pPr>
+            <a:r>
+              <a:rPr lang="de-DE" sz="2400" dirty="0"/>
+              <a:t>Legal redress</a:t>
+            </a:r>
+          </a:p>
+          <a:p>
+            <a:pPr lvl="1" eaLnBrk="1" hangingPunct="1">
+              <a:lnSpc>
+                <a:spcPct val="90000"/>
+              </a:lnSpc>
+            </a:pPr>
+            <a:r>
+              <a:rPr lang="de-DE" sz="2400" dirty="0"/>
+              <a:t>Property rights</a:t>
+            </a:r>
+          </a:p>
+          <a:p>
+            <a:pPr lvl="1" eaLnBrk="1" hangingPunct="1">
+              <a:lnSpc>
+                <a:spcPct val="90000"/>
+              </a:lnSpc>
+            </a:pPr>
+            <a:r>
+              <a:rPr lang="de-DE" sz="2400" dirty="0"/>
+              <a:t>Information, awareness, responsibility</a:t>
+            </a:r>
+          </a:p>
+          <a:p>
+            <a:pPr lvl="1" eaLnBrk="1" hangingPunct="1">
+              <a:lnSpc>
+                <a:spcPct val="90000"/>
+              </a:lnSpc>
+            </a:pPr>
+            <a:r>
+              <a:rPr lang="de-DE" sz="2400" dirty="0"/>
+              <a:t>Voluntary agreements</a:t>
+            </a:r>
+          </a:p>
+        </p:txBody>
+      </p:sp>
+    </p:spTree>
+  </p:cSld>
+  <p:clrMapOvr>
+    <a:masterClrMapping/>
+  </p:clrMapOvr>
+</p:sld>
+</file>
+
+<file path=ppt/slides/slide6.xml><?xml version="1.0" encoding="utf-8"?>
 <p:sld xmlns:a="http://schemas.openxmlformats.org/drawingml/2006/main" xmlns:r="http://schemas.openxmlformats.org/officeDocument/2006/relationships" xmlns:p="http://schemas.openxmlformats.org/presentationml/2006/main">
   <p:cSld>
     <p:spTree>
@@ -12364,7 +14516,7 @@
             <a:pPr eaLnBrk="1" hangingPunct="1"/>
             <a:r>
               <a:rPr lang="de-DE" sz="3600" dirty="0"/>
-              <a:t>Criteria</a:t>
+              <a:t>Types of pollution</a:t>
             </a:r>
             <a:endParaRPr lang="en-GB" sz="3600" dirty="0"/>
           </a:p>
@@ -12382,7 +14534,7 @@
         </p:nvSpPr>
         <p:spPr>
           <a:xfrm>
-            <a:off x="685800" y="1295400"/>
+            <a:off x="706395" y="990600"/>
             <a:ext cx="7772400" cy="4114800"/>
           </a:xfrm>
         </p:spPr>
@@ -12393,1425 +14545,95 @@
             <a:pPr eaLnBrk="1" hangingPunct="1"/>
             <a:r>
               <a:rPr lang="de-DE" sz="2800" dirty="0"/>
-              <a:t>Cost-effectiveness</a:t>
+              <a:t>Stock and flow pollutants</a:t>
+            </a:r>
+          </a:p>
+          <a:p>
+            <a:pPr lvl="1" eaLnBrk="1" hangingPunct="1"/>
+            <a:r>
+              <a:rPr lang="de-DE" sz="2400" dirty="0"/>
+              <a:t>Nuclear waste, noise</a:t>
             </a:r>
           </a:p>
           <a:p>
             <a:pPr eaLnBrk="1" hangingPunct="1"/>
             <a:r>
               <a:rPr lang="de-DE" sz="2800" dirty="0"/>
-              <a:t>Administrative costs</a:t>
+              <a:t>Medium</a:t>
+            </a:r>
+          </a:p>
+          <a:p>
+            <a:pPr lvl="1" eaLnBrk="1" hangingPunct="1"/>
+            <a:r>
+              <a:rPr lang="de-DE" sz="2400" dirty="0"/>
+              <a:t>Water, air, soil</a:t>
             </a:r>
           </a:p>
           <a:p>
             <a:pPr eaLnBrk="1" hangingPunct="1"/>
             <a:r>
               <a:rPr lang="de-DE" sz="2800" dirty="0"/>
-              <a:t>Environmental effectiveness</a:t>
+              <a:t>Point and diffuse sources</a:t>
+            </a:r>
+          </a:p>
+          <a:p>
+            <a:pPr lvl="1" eaLnBrk="1" hangingPunct="1"/>
+            <a:r>
+              <a:rPr lang="de-DE" sz="2400" dirty="0"/>
+              <a:t>Nuclear power, cars</a:t>
             </a:r>
           </a:p>
           <a:p>
             <a:pPr eaLnBrk="1" hangingPunct="1"/>
             <a:r>
               <a:rPr lang="de-DE" sz="2800" dirty="0"/>
-              <a:t>Enforceability</a:t>
+              <a:t>Spatially concentrated and homogenous impact</a:t>
+            </a:r>
+          </a:p>
+          <a:p>
+            <a:pPr lvl="1" eaLnBrk="1" hangingPunct="1"/>
+            <a:r>
+              <a:rPr lang="de-DE" sz="2400" dirty="0"/>
+              <a:t>Nature reserve, UV-B radiation</a:t>
             </a:r>
           </a:p>
           <a:p>
             <a:pPr eaLnBrk="1" hangingPunct="1"/>
             <a:r>
               <a:rPr lang="de-DE" sz="2800" dirty="0"/>
-              <a:t>Long-run effects and dynamic efficiency</a:t>
-            </a:r>
+              <a:t>Local, regional, contintenal, global</a:t>
+            </a:r>
+          </a:p>
+          <a:p>
+            <a:pPr lvl="1" eaLnBrk="1" hangingPunct="1"/>
+            <a:r>
+              <a:rPr lang="de-DE" sz="2400" dirty="0"/>
+              <a:t>Noise, air pollution, acidification, climate change</a:t>
+            </a:r>
+          </a:p>
+          <a:p>
+            <a:pPr lvl="1" eaLnBrk="1" hangingPunct="1"/>
+            <a:endParaRPr lang="de-DE" sz="2400" dirty="0"/>
           </a:p>
           <a:p>
             <a:pPr eaLnBrk="1" hangingPunct="1"/>
             <a:r>
               <a:rPr lang="de-DE" sz="2800" dirty="0"/>
-              <a:t>Information requirements</a:t>
+              <a:t>Matters for understanding and regulation</a:t>
             </a:r>
           </a:p>
           <a:p>
             <a:pPr eaLnBrk="1" hangingPunct="1"/>
-            <a:r>
-              <a:rPr lang="de-DE" sz="2800" dirty="0"/>
-              <a:t>Flexibility and uncertainty</a:t>
-            </a:r>
-          </a:p>
-          <a:p>
-            <a:pPr eaLnBrk="1" hangingPunct="1"/>
-            <a:r>
-              <a:rPr lang="de-DE" sz="2800" dirty="0"/>
-              <a:t>Equity</a:t>
-            </a:r>
+            <a:endParaRPr lang="de-DE" dirty="0"/>
           </a:p>
         </p:txBody>
       </p:sp>
     </p:spTree>
     <p:extLst>
       <p:ext uri="{BB962C8B-B14F-4D97-AF65-F5344CB8AC3E}">
-        <p14:creationId xmlns:p14="http://schemas.microsoft.com/office/powerpoint/2010/main" val="1659811088"/>
+        <p14:creationId xmlns:p14="http://schemas.microsoft.com/office/powerpoint/2010/main" val="566618849"/>
       </p:ext>
     </p:extLst>
-  </p:cSld>
-  <p:clrMapOvr>
-    <a:masterClrMapping/>
-  </p:clrMapOvr>
-</p:sld>
-</file>
-
-<file path=ppt/slides/slide6.xml><?xml version="1.0" encoding="utf-8"?>
-<p:sld xmlns:a="http://schemas.openxmlformats.org/drawingml/2006/main" xmlns:r="http://schemas.openxmlformats.org/officeDocument/2006/relationships" xmlns:p="http://schemas.openxmlformats.org/presentationml/2006/main">
-  <p:cSld>
-    <p:spTree>
-      <p:nvGrpSpPr>
-        <p:cNvPr id="1" name=""/>
-        <p:cNvGrpSpPr/>
-        <p:nvPr/>
-      </p:nvGrpSpPr>
-      <p:grpSpPr>
-        <a:xfrm>
-          <a:off x="0" y="0"/>
-          <a:ext cx="0" cy="0"/>
-          <a:chOff x="0" y="0"/>
-          <a:chExt cx="0" cy="0"/>
-        </a:xfrm>
-      </p:grpSpPr>
-      <p:sp>
-        <p:nvSpPr>
-          <p:cNvPr id="1030" name="Rectangle 2"/>
-          <p:cNvSpPr>
-            <a:spLocks noGrp="1" noChangeArrowheads="1"/>
-          </p:cNvSpPr>
-          <p:nvPr>
-            <p:ph type="title"/>
-          </p:nvPr>
-        </p:nvSpPr>
-        <p:spPr>
-          <a:xfrm>
-            <a:off x="685800" y="0"/>
-            <a:ext cx="7772400" cy="1143000"/>
-          </a:xfrm>
-        </p:spPr>
-        <p:txBody>
-          <a:bodyPr/>
-          <a:lstStyle/>
-          <a:p>
-            <a:pPr eaLnBrk="1" hangingPunct="1"/>
-            <a:r>
-              <a:rPr lang="de-DE" sz="3600" dirty="0"/>
-              <a:t>Cost-effectiveness</a:t>
-            </a:r>
-            <a:endParaRPr lang="en-GB" sz="3600" dirty="0"/>
-          </a:p>
-        </p:txBody>
-      </p:sp>
-      <p:sp>
-        <p:nvSpPr>
-          <p:cNvPr id="1031" name="Rectangle 3"/>
-          <p:cNvSpPr>
-            <a:spLocks noGrp="1" noChangeArrowheads="1"/>
-          </p:cNvSpPr>
-          <p:nvPr>
-            <p:ph type="body" idx="1"/>
-          </p:nvPr>
-        </p:nvSpPr>
-        <p:spPr>
-          <a:xfrm>
-            <a:off x="304801" y="2057400"/>
-            <a:ext cx="8690966" cy="4469176"/>
-          </a:xfrm>
-        </p:spPr>
-        <p:txBody>
-          <a:bodyPr/>
-          <a:lstStyle/>
-          <a:p>
-            <a:pPr eaLnBrk="1" hangingPunct="1"/>
-            <a:endParaRPr lang="de-DE" sz="2400" dirty="0">
-              <a:latin typeface="Comic Sans MS" pitchFamily="66" charset="0"/>
-            </a:endParaRPr>
-          </a:p>
-          <a:p>
-            <a:pPr eaLnBrk="1" hangingPunct="1"/>
-            <a:endParaRPr lang="de-DE" sz="2400" dirty="0">
-              <a:latin typeface="Comic Sans MS" pitchFamily="66" charset="0"/>
-            </a:endParaRPr>
-          </a:p>
-          <a:p>
-            <a:pPr eaLnBrk="1" hangingPunct="1"/>
-            <a:endParaRPr lang="de-DE" sz="2400" dirty="0">
-              <a:latin typeface="Comic Sans MS" pitchFamily="66" charset="0"/>
-            </a:endParaRPr>
-          </a:p>
-          <a:p>
-            <a:pPr eaLnBrk="1" hangingPunct="1"/>
-            <a:endParaRPr lang="de-DE" sz="2400" dirty="0">
-              <a:latin typeface="Comic Sans MS" pitchFamily="66" charset="0"/>
-            </a:endParaRPr>
-          </a:p>
-          <a:p>
-            <a:pPr eaLnBrk="1" hangingPunct="1"/>
-            <a:endParaRPr lang="de-DE" sz="2400" dirty="0">
-              <a:latin typeface="Comic Sans MS" pitchFamily="66" charset="0"/>
-            </a:endParaRPr>
-          </a:p>
-          <a:p>
-            <a:pPr eaLnBrk="1" hangingPunct="1"/>
-            <a:endParaRPr lang="de-DE" sz="2400" dirty="0">
-              <a:latin typeface="Comic Sans MS" pitchFamily="66" charset="0"/>
-            </a:endParaRPr>
-          </a:p>
-          <a:p>
-            <a:pPr eaLnBrk="1" hangingPunct="1"/>
-            <a:endParaRPr lang="de-DE" sz="2400" dirty="0">
-              <a:latin typeface="Comic Sans MS" pitchFamily="66" charset="0"/>
-            </a:endParaRPr>
-          </a:p>
-          <a:p>
-            <a:pPr eaLnBrk="1" hangingPunct="1">
-              <a:buFontTx/>
-              <a:buNone/>
-            </a:pPr>
-            <a:r>
-              <a:rPr lang="de-DE" sz="2800" dirty="0"/>
-              <a:t>Marginal costs are equal for all polluters.</a:t>
-            </a:r>
-          </a:p>
-        </p:txBody>
-      </p:sp>
-      <mc:AlternateContent xmlns:mc="http://schemas.openxmlformats.org/markup-compatibility/2006" xmlns:a14="http://schemas.microsoft.com/office/drawing/2010/main">
-        <mc:Choice Requires="a14">
-          <p:sp>
-            <p:nvSpPr>
-              <p:cNvPr id="2" name="TextBox 1"/>
-              <p:cNvSpPr txBox="1"/>
-              <p:nvPr/>
-            </p:nvSpPr>
-            <p:spPr>
-              <a:xfrm>
-                <a:off x="417016" y="982696"/>
-                <a:ext cx="3523722" cy="430887"/>
-              </a:xfrm>
-              <a:prstGeom prst="rect">
-                <a:avLst/>
-              </a:prstGeom>
-              <a:noFill/>
-            </p:spPr>
-            <p:txBody>
-              <a:bodyPr wrap="none" lIns="0" tIns="0" rIns="0" bIns="0" rtlCol="0">
-                <a:spAutoFit/>
-              </a:bodyPr>
-              <a:lstStyle/>
-              <a:p>
-                <a:pPr/>
-                <a14:m>
-                  <m:oMathPara xmlns:m="http://schemas.openxmlformats.org/officeDocument/2006/math">
-                    <m:oMathParaPr>
-                      <m:jc m:val="centerGroup"/>
-                    </m:oMathParaPr>
-                    <m:oMath xmlns:m="http://schemas.openxmlformats.org/officeDocument/2006/math">
-                      <m:sSub>
-                        <m:sSubPr>
-                          <m:ctrlPr>
-                            <a:rPr lang="en-GB" sz="2800" i="1" smtClean="0">
-                              <a:latin typeface="Cambria Math" panose="02040503050406030204" pitchFamily="18" charset="0"/>
-                            </a:rPr>
-                          </m:ctrlPr>
-                        </m:sSubPr>
-                        <m:e>
-                          <m:r>
-                            <a:rPr lang="en-GB" sz="2800" b="0" i="1" smtClean="0">
-                              <a:latin typeface="Cambria Math" panose="02040503050406030204" pitchFamily="18" charset="0"/>
-                            </a:rPr>
-                            <m:t>𝐶</m:t>
-                          </m:r>
-                        </m:e>
-                        <m:sub>
-                          <m:r>
-                            <a:rPr lang="en-GB" sz="2800" b="0" i="1" smtClean="0">
-                              <a:latin typeface="Cambria Math" panose="02040503050406030204" pitchFamily="18" charset="0"/>
-                            </a:rPr>
-                            <m:t>𝑛</m:t>
-                          </m:r>
-                        </m:sub>
-                      </m:sSub>
-                      <m:r>
-                        <a:rPr lang="en-GB" sz="2800" b="0" i="1" smtClean="0">
-                          <a:latin typeface="Cambria Math" panose="02040503050406030204" pitchFamily="18" charset="0"/>
-                        </a:rPr>
-                        <m:t>=</m:t>
-                      </m:r>
-                      <m:sSub>
-                        <m:sSubPr>
-                          <m:ctrlPr>
-                            <a:rPr lang="en-GB" sz="2800" b="0" i="1" smtClean="0">
-                              <a:latin typeface="Cambria Math" panose="02040503050406030204" pitchFamily="18" charset="0"/>
-                            </a:rPr>
-                          </m:ctrlPr>
-                        </m:sSubPr>
-                        <m:e>
-                          <m:r>
-                            <a:rPr lang="en-GB" sz="2800" b="0" i="1" smtClean="0">
-                              <a:latin typeface="Cambria Math" panose="02040503050406030204" pitchFamily="18" charset="0"/>
-                              <a:ea typeface="Cambria Math" panose="02040503050406030204" pitchFamily="18" charset="0"/>
-                            </a:rPr>
-                            <m:t>𝛽</m:t>
-                          </m:r>
-                        </m:e>
-                        <m:sub>
-                          <m:r>
-                            <a:rPr lang="en-GB" sz="2800" b="0" i="1" smtClean="0">
-                              <a:latin typeface="Cambria Math" panose="02040503050406030204" pitchFamily="18" charset="0"/>
-                            </a:rPr>
-                            <m:t>𝑛</m:t>
-                          </m:r>
-                        </m:sub>
-                      </m:sSub>
-                      <m:sSub>
-                        <m:sSubPr>
-                          <m:ctrlPr>
-                            <a:rPr lang="en-GB" sz="2800" b="0" i="1" smtClean="0">
-                              <a:latin typeface="Cambria Math" panose="02040503050406030204" pitchFamily="18" charset="0"/>
-                            </a:rPr>
-                          </m:ctrlPr>
-                        </m:sSubPr>
-                        <m:e>
-                          <m:r>
-                            <a:rPr lang="en-GB" sz="2800" b="0" i="1" smtClean="0">
-                              <a:latin typeface="Cambria Math" panose="02040503050406030204" pitchFamily="18" charset="0"/>
-                            </a:rPr>
-                            <m:t>𝑀</m:t>
-                          </m:r>
-                        </m:e>
-                        <m:sub>
-                          <m:r>
-                            <a:rPr lang="en-GB" sz="2800" b="0" i="1" smtClean="0">
-                              <a:latin typeface="Cambria Math" panose="02040503050406030204" pitchFamily="18" charset="0"/>
-                            </a:rPr>
-                            <m:t>𝑛</m:t>
-                          </m:r>
-                        </m:sub>
-                      </m:sSub>
-                      <m:r>
-                        <a:rPr lang="en-GB" sz="2800" b="0" i="1" smtClean="0">
-                          <a:latin typeface="Cambria Math" panose="02040503050406030204" pitchFamily="18" charset="0"/>
-                        </a:rPr>
-                        <m:t>+0.5</m:t>
-                      </m:r>
-                      <m:sSub>
-                        <m:sSubPr>
-                          <m:ctrlPr>
-                            <a:rPr lang="en-GB" sz="2800" b="0" i="1" smtClean="0">
-                              <a:latin typeface="Cambria Math" panose="02040503050406030204" pitchFamily="18" charset="0"/>
-                            </a:rPr>
-                          </m:ctrlPr>
-                        </m:sSubPr>
-                        <m:e>
-                          <m:r>
-                            <a:rPr lang="en-GB" sz="2800" b="0" i="1" smtClean="0">
-                              <a:latin typeface="Cambria Math" panose="02040503050406030204" pitchFamily="18" charset="0"/>
-                              <a:ea typeface="Cambria Math" panose="02040503050406030204" pitchFamily="18" charset="0"/>
-                            </a:rPr>
-                            <m:t>𝛾</m:t>
-                          </m:r>
-                        </m:e>
-                        <m:sub>
-                          <m:r>
-                            <a:rPr lang="en-GB" sz="2800" b="0" i="1" smtClean="0">
-                              <a:latin typeface="Cambria Math" panose="02040503050406030204" pitchFamily="18" charset="0"/>
-                            </a:rPr>
-                            <m:t>𝑛</m:t>
-                          </m:r>
-                        </m:sub>
-                      </m:sSub>
-                      <m:sSubSup>
-                        <m:sSubSupPr>
-                          <m:ctrlPr>
-                            <a:rPr lang="en-GB" sz="2800" b="0" i="1" smtClean="0">
-                              <a:latin typeface="Cambria Math" panose="02040503050406030204" pitchFamily="18" charset="0"/>
-                            </a:rPr>
-                          </m:ctrlPr>
-                        </m:sSubSupPr>
-                        <m:e>
-                          <m:r>
-                            <a:rPr lang="en-GB" sz="2800" b="0" i="1" smtClean="0">
-                              <a:latin typeface="Cambria Math" panose="02040503050406030204" pitchFamily="18" charset="0"/>
-                            </a:rPr>
-                            <m:t>𝑀</m:t>
-                          </m:r>
-                        </m:e>
-                        <m:sub>
-                          <m:r>
-                            <a:rPr lang="en-GB" sz="2800" b="0" i="1" smtClean="0">
-                              <a:latin typeface="Cambria Math" panose="02040503050406030204" pitchFamily="18" charset="0"/>
-                            </a:rPr>
-                            <m:t>𝑛</m:t>
-                          </m:r>
-                        </m:sub>
-                        <m:sup>
-                          <m:r>
-                            <a:rPr lang="en-GB" sz="2800" b="0" i="1" smtClean="0">
-                              <a:latin typeface="Cambria Math" panose="02040503050406030204" pitchFamily="18" charset="0"/>
-                            </a:rPr>
-                            <m:t>2</m:t>
-                          </m:r>
-                        </m:sup>
-                      </m:sSubSup>
-                    </m:oMath>
-                  </m:oMathPara>
-                </a14:m>
-                <a:endParaRPr lang="en-GB" sz="2800" dirty="0"/>
-              </a:p>
-            </p:txBody>
-          </p:sp>
-        </mc:Choice>
-        <mc:Fallback xmlns="">
-          <p:sp>
-            <p:nvSpPr>
-              <p:cNvPr id="2" name="TextBox 1"/>
-              <p:cNvSpPr txBox="1">
-                <a:spLocks noRot="1" noChangeAspect="1" noMove="1" noResize="1" noEditPoints="1" noAdjustHandles="1" noChangeArrowheads="1" noChangeShapeType="1" noTextEdit="1"/>
-              </p:cNvSpPr>
-              <p:nvPr/>
-            </p:nvSpPr>
-            <p:spPr>
-              <a:xfrm>
-                <a:off x="417016" y="982696"/>
-                <a:ext cx="3523722" cy="430887"/>
-              </a:xfrm>
-              <a:prstGeom prst="rect">
-                <a:avLst/>
-              </a:prstGeom>
-              <a:blipFill rotWithShape="0">
-                <a:blip r:embed="rId2"/>
-                <a:stretch>
-                  <a:fillRect/>
-                </a:stretch>
-              </a:blipFill>
-            </p:spPr>
-            <p:txBody>
-              <a:bodyPr/>
-              <a:lstStyle/>
-              <a:p>
-                <a:r>
-                  <a:rPr lang="en-GB">
-                    <a:noFill/>
-                  </a:rPr>
-                  <a:t> </a:t>
-                </a:r>
-              </a:p>
-            </p:txBody>
-          </p:sp>
-        </mc:Fallback>
-      </mc:AlternateContent>
-      <mc:AlternateContent xmlns:mc="http://schemas.openxmlformats.org/markup-compatibility/2006" xmlns:a14="http://schemas.microsoft.com/office/drawing/2010/main">
-        <mc:Choice Requires="a14">
-          <p:sp>
-            <p:nvSpPr>
-              <p:cNvPr id="9" name="TextBox 8"/>
-              <p:cNvSpPr txBox="1"/>
-              <p:nvPr/>
-            </p:nvSpPr>
-            <p:spPr>
-              <a:xfrm>
-                <a:off x="417016" y="1595097"/>
-                <a:ext cx="5015860" cy="1211550"/>
-              </a:xfrm>
-              <a:prstGeom prst="rect">
-                <a:avLst/>
-              </a:prstGeom>
-              <a:noFill/>
-            </p:spPr>
-            <p:txBody>
-              <a:bodyPr wrap="none" lIns="0" tIns="0" rIns="0" bIns="0" rtlCol="0">
-                <a:spAutoFit/>
-              </a:bodyPr>
-              <a:lstStyle/>
-              <a:p>
-                <a:pPr/>
-                <a14:m>
-                  <m:oMathPara xmlns:m="http://schemas.openxmlformats.org/officeDocument/2006/math">
-                    <m:oMathParaPr>
-                      <m:jc m:val="centerGroup"/>
-                    </m:oMathParaPr>
-                    <m:oMath xmlns:m="http://schemas.openxmlformats.org/officeDocument/2006/math">
-                      <m:func>
-                        <m:funcPr>
-                          <m:ctrlPr>
-                            <a:rPr lang="en-GB" sz="2800" i="1" smtClean="0">
-                              <a:latin typeface="Cambria Math" panose="02040503050406030204" pitchFamily="18" charset="0"/>
-                            </a:rPr>
-                          </m:ctrlPr>
-                        </m:funcPr>
-                        <m:fName>
-                          <m:limLow>
-                            <m:limLowPr>
-                              <m:ctrlPr>
-                                <a:rPr lang="en-GB" sz="2800" i="1" smtClean="0">
-                                  <a:latin typeface="Cambria Math" panose="02040503050406030204" pitchFamily="18" charset="0"/>
-                                </a:rPr>
-                              </m:ctrlPr>
-                            </m:limLowPr>
-                            <m:e>
-                              <m:r>
-                                <m:rPr>
-                                  <m:sty m:val="p"/>
-                                </m:rPr>
-                                <a:rPr lang="en-GB" sz="2800" i="0" smtClean="0">
-                                  <a:latin typeface="Cambria Math" panose="02040503050406030204" pitchFamily="18" charset="0"/>
-                                </a:rPr>
-                                <m:t>min</m:t>
-                              </m:r>
-                            </m:e>
-                            <m:lim>
-                              <m:sSub>
-                                <m:sSubPr>
-                                  <m:ctrlPr>
-                                    <a:rPr lang="en-GB" sz="2800" i="1">
-                                      <a:latin typeface="Cambria Math" panose="02040503050406030204" pitchFamily="18" charset="0"/>
-                                    </a:rPr>
-                                  </m:ctrlPr>
-                                </m:sSubPr>
-                                <m:e>
-                                  <m:r>
-                                    <a:rPr lang="en-GB" sz="2800" b="0" i="1" smtClean="0">
-                                      <a:latin typeface="Cambria Math" panose="02040503050406030204" pitchFamily="18" charset="0"/>
-                                    </a:rPr>
-                                    <m:t>𝑀</m:t>
-                                  </m:r>
-                                </m:e>
-                                <m:sub>
-                                  <m:r>
-                                    <a:rPr lang="en-GB" sz="2800" i="1">
-                                      <a:latin typeface="Cambria Math" panose="02040503050406030204" pitchFamily="18" charset="0"/>
-                                    </a:rPr>
-                                    <m:t>𝑛</m:t>
-                                  </m:r>
-                                </m:sub>
-                              </m:sSub>
-                            </m:lim>
-                          </m:limLow>
-                        </m:fName>
-                        <m:e>
-                          <m:nary>
-                            <m:naryPr>
-                              <m:chr m:val="∑"/>
-                              <m:ctrlPr>
-                                <a:rPr lang="en-GB" sz="2800" i="1" smtClean="0">
-                                  <a:latin typeface="Cambria Math" panose="02040503050406030204" pitchFamily="18" charset="0"/>
-                                </a:rPr>
-                              </m:ctrlPr>
-                            </m:naryPr>
-                            <m:sub>
-                              <m:r>
-                                <m:rPr>
-                                  <m:brk m:alnAt="23"/>
-                                </m:rPr>
-                                <a:rPr lang="en-GB" sz="2800" b="0" i="1" smtClean="0">
-                                  <a:latin typeface="Cambria Math" panose="02040503050406030204" pitchFamily="18" charset="0"/>
-                                </a:rPr>
-                                <m:t>𝑛</m:t>
-                              </m:r>
-                              <m:r>
-                                <a:rPr lang="en-GB" sz="2800" b="0" i="1" smtClean="0">
-                                  <a:latin typeface="Cambria Math" panose="02040503050406030204" pitchFamily="18" charset="0"/>
-                                </a:rPr>
-                                <m:t>=1</m:t>
-                              </m:r>
-                            </m:sub>
-                            <m:sup>
-                              <m:r>
-                                <a:rPr lang="en-GB" sz="2800" b="0" i="1" smtClean="0">
-                                  <a:latin typeface="Cambria Math" panose="02040503050406030204" pitchFamily="18" charset="0"/>
-                                </a:rPr>
-                                <m:t>𝑁</m:t>
-                              </m:r>
-                            </m:sup>
-                            <m:e>
-                              <m:sSub>
-                                <m:sSubPr>
-                                  <m:ctrlPr>
-                                    <a:rPr lang="en-GB" sz="2800" i="1">
-                                      <a:latin typeface="Cambria Math" panose="02040503050406030204" pitchFamily="18" charset="0"/>
-                                    </a:rPr>
-                                  </m:ctrlPr>
-                                </m:sSubPr>
-                                <m:e>
-                                  <m:r>
-                                    <a:rPr lang="en-GB" sz="2800" i="1">
-                                      <a:latin typeface="Cambria Math" panose="02040503050406030204" pitchFamily="18" charset="0"/>
-                                    </a:rPr>
-                                    <m:t>𝐶</m:t>
-                                  </m:r>
-                                </m:e>
-                                <m:sub>
-                                  <m:r>
-                                    <a:rPr lang="en-GB" sz="2800" i="1">
-                                      <a:latin typeface="Cambria Math" panose="02040503050406030204" pitchFamily="18" charset="0"/>
-                                    </a:rPr>
-                                    <m:t>𝑛</m:t>
-                                  </m:r>
-                                </m:sub>
-                              </m:sSub>
-                              <m:r>
-                                <a:rPr lang="en-GB" sz="2800" b="0" i="1" smtClean="0">
-                                  <a:latin typeface="Cambria Math" panose="02040503050406030204" pitchFamily="18" charset="0"/>
-                                </a:rPr>
-                                <m:t>(</m:t>
-                              </m:r>
-                              <m:sSub>
-                                <m:sSubPr>
-                                  <m:ctrlPr>
-                                    <a:rPr lang="en-GB" sz="2800" i="1">
-                                      <a:latin typeface="Cambria Math" panose="02040503050406030204" pitchFamily="18" charset="0"/>
-                                    </a:rPr>
-                                  </m:ctrlPr>
-                                </m:sSubPr>
-                                <m:e>
-                                  <m:r>
-                                    <a:rPr lang="en-GB" sz="2800" b="0" i="1" smtClean="0">
-                                      <a:latin typeface="Cambria Math" panose="02040503050406030204" pitchFamily="18" charset="0"/>
-                                    </a:rPr>
-                                    <m:t>𝑀</m:t>
-                                  </m:r>
-                                </m:e>
-                                <m:sub>
-                                  <m:r>
-                                    <a:rPr lang="en-GB" sz="2800" i="1">
-                                      <a:latin typeface="Cambria Math" panose="02040503050406030204" pitchFamily="18" charset="0"/>
-                                    </a:rPr>
-                                    <m:t>𝑛</m:t>
-                                  </m:r>
-                                </m:sub>
-                              </m:sSub>
-                              <m:r>
-                                <a:rPr lang="en-GB" sz="2800" b="0" i="1" smtClean="0">
-                                  <a:latin typeface="Cambria Math" panose="02040503050406030204" pitchFamily="18" charset="0"/>
-                                </a:rPr>
-                                <m:t>)</m:t>
-                              </m:r>
-                            </m:e>
-                          </m:nary>
-                        </m:e>
-                      </m:func>
-                      <m:r>
-                        <m:rPr>
-                          <m:nor/>
-                        </m:rPr>
-                        <a:rPr lang="en-GB" sz="2800" b="0" i="0" smtClean="0">
-                          <a:latin typeface="Cambria Math" panose="02040503050406030204" pitchFamily="18" charset="0"/>
-                        </a:rPr>
-                        <m:t> </m:t>
-                      </m:r>
-                      <m:r>
-                        <m:rPr>
-                          <m:nor/>
-                        </m:rPr>
-                        <a:rPr lang="en-GB" sz="2800" b="0" i="0" smtClean="0">
-                          <a:latin typeface="Cambria Math" panose="02040503050406030204" pitchFamily="18" charset="0"/>
-                        </a:rPr>
-                        <m:t>s</m:t>
-                      </m:r>
-                      <m:r>
-                        <m:rPr>
-                          <m:nor/>
-                        </m:rPr>
-                        <a:rPr lang="en-GB" sz="2800" b="0" i="0" smtClean="0">
-                          <a:latin typeface="Cambria Math" panose="02040503050406030204" pitchFamily="18" charset="0"/>
-                        </a:rPr>
-                        <m:t>.</m:t>
-                      </m:r>
-                      <m:r>
-                        <m:rPr>
-                          <m:nor/>
-                        </m:rPr>
-                        <a:rPr lang="en-GB" sz="2800" b="0" i="0" smtClean="0">
-                          <a:latin typeface="Cambria Math" panose="02040503050406030204" pitchFamily="18" charset="0"/>
-                        </a:rPr>
-                        <m:t>t</m:t>
-                      </m:r>
-                      <m:r>
-                        <m:rPr>
-                          <m:nor/>
-                        </m:rPr>
-                        <a:rPr lang="en-GB" sz="2800" b="0" i="0" smtClean="0">
-                          <a:latin typeface="Cambria Math" panose="02040503050406030204" pitchFamily="18" charset="0"/>
-                        </a:rPr>
-                        <m:t>. </m:t>
-                      </m:r>
-                      <m:nary>
-                        <m:naryPr>
-                          <m:chr m:val="∑"/>
-                          <m:ctrlPr>
-                            <a:rPr lang="en-GB" sz="2800" i="1" smtClean="0">
-                              <a:latin typeface="Cambria Math" panose="02040503050406030204" pitchFamily="18" charset="0"/>
-                            </a:rPr>
-                          </m:ctrlPr>
-                        </m:naryPr>
-                        <m:sub>
-                          <m:r>
-                            <m:rPr>
-                              <m:brk m:alnAt="23"/>
-                            </m:rPr>
-                            <a:rPr lang="en-GB" sz="2800" b="0" i="1" smtClean="0">
-                              <a:latin typeface="Cambria Math" panose="02040503050406030204" pitchFamily="18" charset="0"/>
-                            </a:rPr>
-                            <m:t>𝑛</m:t>
-                          </m:r>
-                          <m:r>
-                            <a:rPr lang="en-GB" sz="2800" b="0" i="1" smtClean="0">
-                              <a:latin typeface="Cambria Math" panose="02040503050406030204" pitchFamily="18" charset="0"/>
-                            </a:rPr>
-                            <m:t>=1</m:t>
-                          </m:r>
-                        </m:sub>
-                        <m:sup>
-                          <m:r>
-                            <a:rPr lang="en-GB" sz="2800" b="0" i="1" smtClean="0">
-                              <a:latin typeface="Cambria Math" panose="02040503050406030204" pitchFamily="18" charset="0"/>
-                            </a:rPr>
-                            <m:t>𝑁</m:t>
-                          </m:r>
-                        </m:sup>
-                        <m:e>
-                          <m:sSub>
-                            <m:sSubPr>
-                              <m:ctrlPr>
-                                <a:rPr lang="en-GB" sz="2800" i="1">
-                                  <a:latin typeface="Cambria Math" panose="02040503050406030204" pitchFamily="18" charset="0"/>
-                                </a:rPr>
-                              </m:ctrlPr>
-                            </m:sSubPr>
-                            <m:e>
-                              <m:r>
-                                <a:rPr lang="en-GB" sz="2800" i="1">
-                                  <a:latin typeface="Cambria Math" panose="02040503050406030204" pitchFamily="18" charset="0"/>
-                                </a:rPr>
-                                <m:t>𝑀</m:t>
-                              </m:r>
-                            </m:e>
-                            <m:sub>
-                              <m:r>
-                                <a:rPr lang="en-GB" sz="2800" i="1">
-                                  <a:latin typeface="Cambria Math" panose="02040503050406030204" pitchFamily="18" charset="0"/>
-                                </a:rPr>
-                                <m:t>𝑛</m:t>
-                              </m:r>
-                            </m:sub>
-                          </m:sSub>
-                        </m:e>
-                      </m:nary>
-                      <m:r>
-                        <a:rPr lang="en-GB" sz="2800" i="1" smtClean="0">
-                          <a:latin typeface="Cambria Math" panose="02040503050406030204" pitchFamily="18" charset="0"/>
-                          <a:ea typeface="Cambria Math" panose="02040503050406030204" pitchFamily="18" charset="0"/>
-                        </a:rPr>
-                        <m:t>≥</m:t>
-                      </m:r>
-                      <m:r>
-                        <a:rPr lang="en-GB" sz="2800" b="0" i="1" smtClean="0">
-                          <a:latin typeface="Cambria Math" panose="02040503050406030204" pitchFamily="18" charset="0"/>
-                          <a:ea typeface="Cambria Math" panose="02040503050406030204" pitchFamily="18" charset="0"/>
-                        </a:rPr>
-                        <m:t>𝑀</m:t>
-                      </m:r>
-                    </m:oMath>
-                  </m:oMathPara>
-                </a14:m>
-                <a:endParaRPr lang="en-GB" sz="2800" dirty="0"/>
-              </a:p>
-            </p:txBody>
-          </p:sp>
-        </mc:Choice>
-        <mc:Fallback xmlns="">
-          <p:sp>
-            <p:nvSpPr>
-              <p:cNvPr id="9" name="TextBox 8"/>
-              <p:cNvSpPr txBox="1">
-                <a:spLocks noRot="1" noChangeAspect="1" noMove="1" noResize="1" noEditPoints="1" noAdjustHandles="1" noChangeArrowheads="1" noChangeShapeType="1" noTextEdit="1"/>
-              </p:cNvSpPr>
-              <p:nvPr/>
-            </p:nvSpPr>
-            <p:spPr>
-              <a:xfrm>
-                <a:off x="417016" y="1595097"/>
-                <a:ext cx="5015860" cy="1211550"/>
-              </a:xfrm>
-              <a:prstGeom prst="rect">
-                <a:avLst/>
-              </a:prstGeom>
-              <a:blipFill rotWithShape="0">
-                <a:blip r:embed="rId3"/>
-                <a:stretch>
-                  <a:fillRect/>
-                </a:stretch>
-              </a:blipFill>
-            </p:spPr>
-            <p:txBody>
-              <a:bodyPr/>
-              <a:lstStyle/>
-              <a:p>
-                <a:r>
-                  <a:rPr lang="en-GB">
-                    <a:noFill/>
-                  </a:rPr>
-                  <a:t> </a:t>
-                </a:r>
-              </a:p>
-            </p:txBody>
-          </p:sp>
-        </mc:Fallback>
-      </mc:AlternateContent>
-      <mc:AlternateContent xmlns:mc="http://schemas.openxmlformats.org/markup-compatibility/2006" xmlns:a14="http://schemas.microsoft.com/office/drawing/2010/main">
-        <mc:Choice Requires="a14">
-          <p:sp>
-            <p:nvSpPr>
-              <p:cNvPr id="10" name="TextBox 9"/>
-              <p:cNvSpPr txBox="1"/>
-              <p:nvPr/>
-            </p:nvSpPr>
-            <p:spPr>
-              <a:xfrm>
-                <a:off x="418932" y="2861787"/>
-                <a:ext cx="5475473" cy="1387175"/>
-              </a:xfrm>
-              <a:prstGeom prst="rect">
-                <a:avLst/>
-              </a:prstGeom>
-              <a:noFill/>
-            </p:spPr>
-            <p:txBody>
-              <a:bodyPr wrap="none" lIns="0" tIns="0" rIns="0" bIns="0" rtlCol="0">
-                <a:spAutoFit/>
-              </a:bodyPr>
-              <a:lstStyle/>
-              <a:p>
-                <a:pPr/>
-                <a14:m>
-                  <m:oMathPara xmlns:m="http://schemas.openxmlformats.org/officeDocument/2006/math">
-                    <m:oMathParaPr>
-                      <m:jc m:val="centerGroup"/>
-                    </m:oMathParaPr>
-                    <m:oMath xmlns:m="http://schemas.openxmlformats.org/officeDocument/2006/math">
-                      <m:r>
-                        <a:rPr lang="en-GB" sz="2800" i="1" smtClean="0">
-                          <a:latin typeface="Cambria Math" panose="02040503050406030204" pitchFamily="18" charset="0"/>
-                          <a:ea typeface="Cambria Math" panose="02040503050406030204" pitchFamily="18" charset="0"/>
-                        </a:rPr>
-                        <m:t>ℒ</m:t>
-                      </m:r>
-                      <m:r>
-                        <a:rPr lang="en-GB" sz="2800" b="0" i="1" smtClean="0">
-                          <a:latin typeface="Cambria Math" panose="02040503050406030204" pitchFamily="18" charset="0"/>
-                          <a:ea typeface="Cambria Math" panose="02040503050406030204" pitchFamily="18" charset="0"/>
-                        </a:rPr>
-                        <m:t>=</m:t>
-                      </m:r>
-                      <m:nary>
-                        <m:naryPr>
-                          <m:chr m:val="∑"/>
-                          <m:ctrlPr>
-                            <a:rPr lang="en-GB" sz="2800" i="1">
-                              <a:latin typeface="Cambria Math" panose="02040503050406030204" pitchFamily="18" charset="0"/>
-                            </a:rPr>
-                          </m:ctrlPr>
-                        </m:naryPr>
-                        <m:sub>
-                          <m:r>
-                            <m:rPr>
-                              <m:brk m:alnAt="23"/>
-                            </m:rPr>
-                            <a:rPr lang="en-GB" sz="2800" i="1">
-                              <a:latin typeface="Cambria Math" panose="02040503050406030204" pitchFamily="18" charset="0"/>
-                            </a:rPr>
-                            <m:t>𝑛</m:t>
-                          </m:r>
-                          <m:r>
-                            <a:rPr lang="en-GB" sz="2800" i="1">
-                              <a:latin typeface="Cambria Math" panose="02040503050406030204" pitchFamily="18" charset="0"/>
-                            </a:rPr>
-                            <m:t>=1</m:t>
-                          </m:r>
-                        </m:sub>
-                        <m:sup>
-                          <m:r>
-                            <a:rPr lang="en-GB" sz="2800" i="1">
-                              <a:latin typeface="Cambria Math" panose="02040503050406030204" pitchFamily="18" charset="0"/>
-                            </a:rPr>
-                            <m:t>𝑁</m:t>
-                          </m:r>
-                        </m:sup>
-                        <m:e>
-                          <m:sSub>
-                            <m:sSubPr>
-                              <m:ctrlPr>
-                                <a:rPr lang="en-GB" sz="2800" i="1">
-                                  <a:latin typeface="Cambria Math" panose="02040503050406030204" pitchFamily="18" charset="0"/>
-                                </a:rPr>
-                              </m:ctrlPr>
-                            </m:sSubPr>
-                            <m:e>
-                              <m:r>
-                                <a:rPr lang="en-GB" sz="2800" i="1">
-                                  <a:latin typeface="Cambria Math" panose="02040503050406030204" pitchFamily="18" charset="0"/>
-                                </a:rPr>
-                                <m:t>𝐶</m:t>
-                              </m:r>
-                            </m:e>
-                            <m:sub>
-                              <m:r>
-                                <a:rPr lang="en-GB" sz="2800" i="1">
-                                  <a:latin typeface="Cambria Math" panose="02040503050406030204" pitchFamily="18" charset="0"/>
-                                </a:rPr>
-                                <m:t>𝑛</m:t>
-                              </m:r>
-                            </m:sub>
-                          </m:sSub>
-                          <m:r>
-                            <a:rPr lang="en-GB" sz="2800" i="1">
-                              <a:latin typeface="Cambria Math" panose="02040503050406030204" pitchFamily="18" charset="0"/>
-                            </a:rPr>
-                            <m:t>(</m:t>
-                          </m:r>
-                          <m:sSub>
-                            <m:sSubPr>
-                              <m:ctrlPr>
-                                <a:rPr lang="en-GB" sz="2800" i="1">
-                                  <a:latin typeface="Cambria Math" panose="02040503050406030204" pitchFamily="18" charset="0"/>
-                                </a:rPr>
-                              </m:ctrlPr>
-                            </m:sSubPr>
-                            <m:e>
-                              <m:r>
-                                <a:rPr lang="en-GB" sz="2800" i="1">
-                                  <a:latin typeface="Cambria Math" panose="02040503050406030204" pitchFamily="18" charset="0"/>
-                                </a:rPr>
-                                <m:t>𝑀</m:t>
-                              </m:r>
-                            </m:e>
-                            <m:sub>
-                              <m:r>
-                                <a:rPr lang="en-GB" sz="2800" i="1">
-                                  <a:latin typeface="Cambria Math" panose="02040503050406030204" pitchFamily="18" charset="0"/>
-                                </a:rPr>
-                                <m:t>𝑛</m:t>
-                              </m:r>
-                            </m:sub>
-                          </m:sSub>
-                          <m:r>
-                            <a:rPr lang="en-GB" sz="2800" i="1">
-                              <a:latin typeface="Cambria Math" panose="02040503050406030204" pitchFamily="18" charset="0"/>
-                            </a:rPr>
-                            <m:t>)</m:t>
-                          </m:r>
-                        </m:e>
-                      </m:nary>
-                      <m:r>
-                        <a:rPr lang="en-GB" sz="2800" b="0" i="1" smtClean="0">
-                          <a:latin typeface="Cambria Math" panose="02040503050406030204" pitchFamily="18" charset="0"/>
-                        </a:rPr>
-                        <m:t>+</m:t>
-                      </m:r>
-                      <m:r>
-                        <a:rPr lang="en-GB" sz="2800" b="0" i="1" smtClean="0">
-                          <a:latin typeface="Cambria Math" panose="02040503050406030204" pitchFamily="18" charset="0"/>
-                          <a:ea typeface="Cambria Math" panose="02040503050406030204" pitchFamily="18" charset="0"/>
-                        </a:rPr>
-                        <m:t>𝜆</m:t>
-                      </m:r>
-                      <m:d>
-                        <m:dPr>
-                          <m:ctrlPr>
-                            <a:rPr lang="en-GB" sz="2800" b="0" i="1" smtClean="0">
-                              <a:latin typeface="Cambria Math" panose="02040503050406030204" pitchFamily="18" charset="0"/>
-                              <a:ea typeface="Cambria Math" panose="02040503050406030204" pitchFamily="18" charset="0"/>
-                            </a:rPr>
-                          </m:ctrlPr>
-                        </m:dPr>
-                        <m:e>
-                          <m:r>
-                            <a:rPr lang="en-GB" sz="2800" b="0" i="1" smtClean="0">
-                              <a:latin typeface="Cambria Math" panose="02040503050406030204" pitchFamily="18" charset="0"/>
-                              <a:ea typeface="Cambria Math" panose="02040503050406030204" pitchFamily="18" charset="0"/>
-                            </a:rPr>
-                            <m:t>𝑀</m:t>
-                          </m:r>
-                          <m:r>
-                            <a:rPr lang="en-GB" sz="2800" b="0" i="1" smtClean="0">
-                              <a:latin typeface="Cambria Math" panose="02040503050406030204" pitchFamily="18" charset="0"/>
-                              <a:ea typeface="Cambria Math" panose="02040503050406030204" pitchFamily="18" charset="0"/>
-                            </a:rPr>
-                            <m:t>−</m:t>
-                          </m:r>
-                          <m:nary>
-                            <m:naryPr>
-                              <m:chr m:val="∑"/>
-                              <m:ctrlPr>
-                                <a:rPr lang="en-GB" sz="2800" i="1">
-                                  <a:latin typeface="Cambria Math" panose="02040503050406030204" pitchFamily="18" charset="0"/>
-                                </a:rPr>
-                              </m:ctrlPr>
-                            </m:naryPr>
-                            <m:sub>
-                              <m:r>
-                                <m:rPr>
-                                  <m:brk m:alnAt="23"/>
-                                </m:rPr>
-                                <a:rPr lang="en-GB" sz="2800" i="1">
-                                  <a:latin typeface="Cambria Math" panose="02040503050406030204" pitchFamily="18" charset="0"/>
-                                </a:rPr>
-                                <m:t>𝑛</m:t>
-                              </m:r>
-                              <m:r>
-                                <a:rPr lang="en-GB" sz="2800" i="1">
-                                  <a:latin typeface="Cambria Math" panose="02040503050406030204" pitchFamily="18" charset="0"/>
-                                </a:rPr>
-                                <m:t>=1</m:t>
-                              </m:r>
-                            </m:sub>
-                            <m:sup>
-                              <m:r>
-                                <a:rPr lang="en-GB" sz="2800" i="1">
-                                  <a:latin typeface="Cambria Math" panose="02040503050406030204" pitchFamily="18" charset="0"/>
-                                </a:rPr>
-                                <m:t>𝑁</m:t>
-                              </m:r>
-                            </m:sup>
-                            <m:e>
-                              <m:sSub>
-                                <m:sSubPr>
-                                  <m:ctrlPr>
-                                    <a:rPr lang="en-GB" sz="2800" i="1">
-                                      <a:latin typeface="Cambria Math" panose="02040503050406030204" pitchFamily="18" charset="0"/>
-                                    </a:rPr>
-                                  </m:ctrlPr>
-                                </m:sSubPr>
-                                <m:e>
-                                  <m:r>
-                                    <a:rPr lang="en-GB" sz="2800" i="1">
-                                      <a:latin typeface="Cambria Math" panose="02040503050406030204" pitchFamily="18" charset="0"/>
-                                    </a:rPr>
-                                    <m:t>𝑀</m:t>
-                                  </m:r>
-                                </m:e>
-                                <m:sub>
-                                  <m:r>
-                                    <a:rPr lang="en-GB" sz="2800" i="1">
-                                      <a:latin typeface="Cambria Math" panose="02040503050406030204" pitchFamily="18" charset="0"/>
-                                    </a:rPr>
-                                    <m:t>𝑛</m:t>
-                                  </m:r>
-                                </m:sub>
-                              </m:sSub>
-                            </m:e>
-                          </m:nary>
-                        </m:e>
-                      </m:d>
-                    </m:oMath>
-                  </m:oMathPara>
-                </a14:m>
-                <a:endParaRPr lang="en-GB" sz="2800" dirty="0"/>
-              </a:p>
-            </p:txBody>
-          </p:sp>
-        </mc:Choice>
-        <mc:Fallback xmlns="">
-          <p:sp>
-            <p:nvSpPr>
-              <p:cNvPr id="10" name="TextBox 9"/>
-              <p:cNvSpPr txBox="1">
-                <a:spLocks noRot="1" noChangeAspect="1" noMove="1" noResize="1" noEditPoints="1" noAdjustHandles="1" noChangeArrowheads="1" noChangeShapeType="1" noTextEdit="1"/>
-              </p:cNvSpPr>
-              <p:nvPr/>
-            </p:nvSpPr>
-            <p:spPr>
-              <a:xfrm>
-                <a:off x="418932" y="2861787"/>
-                <a:ext cx="5475473" cy="1387175"/>
-              </a:xfrm>
-              <a:prstGeom prst="rect">
-                <a:avLst/>
-              </a:prstGeom>
-              <a:blipFill rotWithShape="0">
-                <a:blip r:embed="rId4"/>
-                <a:stretch>
-                  <a:fillRect/>
-                </a:stretch>
-              </a:blipFill>
-            </p:spPr>
-            <p:txBody>
-              <a:bodyPr/>
-              <a:lstStyle/>
-              <a:p>
-                <a:r>
-                  <a:rPr lang="en-GB">
-                    <a:noFill/>
-                  </a:rPr>
-                  <a:t> </a:t>
-                </a:r>
-              </a:p>
-            </p:txBody>
-          </p:sp>
-        </mc:Fallback>
-      </mc:AlternateContent>
-      <mc:AlternateContent xmlns:mc="http://schemas.openxmlformats.org/markup-compatibility/2006" xmlns:a14="http://schemas.microsoft.com/office/drawing/2010/main">
-        <mc:Choice Requires="a14">
-          <p:sp>
-            <p:nvSpPr>
-              <p:cNvPr id="12" name="TextBox 11"/>
-              <p:cNvSpPr txBox="1"/>
-              <p:nvPr/>
-            </p:nvSpPr>
-            <p:spPr>
-              <a:xfrm>
-                <a:off x="417016" y="4359243"/>
-                <a:ext cx="6463308" cy="686726"/>
-              </a:xfrm>
-              <a:prstGeom prst="rect">
-                <a:avLst/>
-              </a:prstGeom>
-              <a:noFill/>
-            </p:spPr>
-            <p:txBody>
-              <a:bodyPr wrap="none" lIns="0" tIns="0" rIns="0" bIns="0" rtlCol="0">
-                <a:spAutoFit/>
-              </a:bodyPr>
-              <a:lstStyle/>
-              <a:p>
-                <a14:m>
-                  <m:oMath xmlns:m="http://schemas.openxmlformats.org/officeDocument/2006/math">
-                    <m:f>
-                      <m:fPr>
-                        <m:ctrlPr>
-                          <a:rPr lang="en-GB" sz="2800" i="1" smtClean="0">
-                            <a:latin typeface="Cambria Math" panose="02040503050406030204" pitchFamily="18" charset="0"/>
-                          </a:rPr>
-                        </m:ctrlPr>
-                      </m:fPr>
-                      <m:num>
-                        <m:r>
-                          <a:rPr lang="en-GB" sz="2800" i="1" smtClean="0">
-                            <a:latin typeface="Cambria Math" panose="02040503050406030204" pitchFamily="18" charset="0"/>
-                            <a:ea typeface="Cambria Math" panose="02040503050406030204" pitchFamily="18" charset="0"/>
-                          </a:rPr>
-                          <m:t>𝜕</m:t>
-                        </m:r>
-                        <m:r>
-                          <a:rPr lang="en-GB" sz="2800" i="1" smtClean="0">
-                            <a:latin typeface="Cambria Math" panose="02040503050406030204" pitchFamily="18" charset="0"/>
-                            <a:ea typeface="Cambria Math" panose="02040503050406030204" pitchFamily="18" charset="0"/>
-                          </a:rPr>
-                          <m:t>ℒ</m:t>
-                        </m:r>
-                      </m:num>
-                      <m:den>
-                        <m:r>
-                          <a:rPr lang="en-GB" sz="2800" i="1" smtClean="0">
-                            <a:latin typeface="Cambria Math" panose="02040503050406030204" pitchFamily="18" charset="0"/>
-                            <a:ea typeface="Cambria Math" panose="02040503050406030204" pitchFamily="18" charset="0"/>
-                          </a:rPr>
-                          <m:t>𝜕</m:t>
-                        </m:r>
-                        <m:sSub>
-                          <m:sSubPr>
-                            <m:ctrlPr>
-                              <a:rPr lang="en-GB" sz="2800" i="1">
-                                <a:latin typeface="Cambria Math" panose="02040503050406030204" pitchFamily="18" charset="0"/>
-                              </a:rPr>
-                            </m:ctrlPr>
-                          </m:sSubPr>
-                          <m:e>
-                            <m:r>
-                              <a:rPr lang="en-GB" sz="2800" i="1">
-                                <a:latin typeface="Cambria Math" panose="02040503050406030204" pitchFamily="18" charset="0"/>
-                              </a:rPr>
-                              <m:t>𝑀</m:t>
-                            </m:r>
-                          </m:e>
-                          <m:sub>
-                            <m:r>
-                              <a:rPr lang="en-GB" sz="2800" i="1">
-                                <a:latin typeface="Cambria Math" panose="02040503050406030204" pitchFamily="18" charset="0"/>
-                              </a:rPr>
-                              <m:t>𝑛</m:t>
-                            </m:r>
-                          </m:sub>
-                        </m:sSub>
-                      </m:den>
-                    </m:f>
-                    <m:r>
-                      <a:rPr lang="en-GB" sz="2800" b="0" i="1" smtClean="0">
-                        <a:latin typeface="Cambria Math" panose="02040503050406030204" pitchFamily="18" charset="0"/>
-                      </a:rPr>
-                      <m:t>=</m:t>
-                    </m:r>
-                    <m:sSub>
-                      <m:sSubPr>
-                        <m:ctrlPr>
-                          <a:rPr lang="en-GB" sz="2800" b="0" i="1" smtClean="0">
-                            <a:latin typeface="Cambria Math" panose="02040503050406030204" pitchFamily="18" charset="0"/>
-                          </a:rPr>
-                        </m:ctrlPr>
-                      </m:sSubPr>
-                      <m:e>
-                        <m:r>
-                          <a:rPr lang="en-GB" sz="2800" b="0" i="1" smtClean="0">
-                            <a:latin typeface="Cambria Math" panose="02040503050406030204" pitchFamily="18" charset="0"/>
-                            <a:ea typeface="Cambria Math" panose="02040503050406030204" pitchFamily="18" charset="0"/>
-                          </a:rPr>
-                          <m:t>𝛽</m:t>
-                        </m:r>
-                      </m:e>
-                      <m:sub>
-                        <m:r>
-                          <a:rPr lang="en-GB" sz="2800" b="0" i="1" smtClean="0">
-                            <a:latin typeface="Cambria Math" panose="02040503050406030204" pitchFamily="18" charset="0"/>
-                          </a:rPr>
-                          <m:t>𝑛</m:t>
-                        </m:r>
-                      </m:sub>
-                    </m:sSub>
-                    <m:r>
-                      <a:rPr lang="en-GB" sz="2800" b="0" i="1" smtClean="0">
-                        <a:latin typeface="Cambria Math" panose="02040503050406030204" pitchFamily="18" charset="0"/>
-                      </a:rPr>
-                      <m:t>+</m:t>
-                    </m:r>
-                    <m:sSub>
-                      <m:sSubPr>
-                        <m:ctrlPr>
-                          <a:rPr lang="en-GB" sz="2800" b="0" i="1" smtClean="0">
-                            <a:latin typeface="Cambria Math" panose="02040503050406030204" pitchFamily="18" charset="0"/>
-                          </a:rPr>
-                        </m:ctrlPr>
-                      </m:sSubPr>
-                      <m:e>
-                        <m:r>
-                          <a:rPr lang="en-GB" sz="2800" b="0" i="1" smtClean="0">
-                            <a:latin typeface="Cambria Math" panose="02040503050406030204" pitchFamily="18" charset="0"/>
-                            <a:ea typeface="Cambria Math" panose="02040503050406030204" pitchFamily="18" charset="0"/>
-                          </a:rPr>
-                          <m:t>𝛾</m:t>
-                        </m:r>
-                      </m:e>
-                      <m:sub>
-                        <m:r>
-                          <a:rPr lang="en-GB" sz="2800" b="0" i="1" smtClean="0">
-                            <a:latin typeface="Cambria Math" panose="02040503050406030204" pitchFamily="18" charset="0"/>
-                          </a:rPr>
-                          <m:t>𝑛</m:t>
-                        </m:r>
-                      </m:sub>
-                    </m:sSub>
-                    <m:sSub>
-                      <m:sSubPr>
-                        <m:ctrlPr>
-                          <a:rPr lang="en-GB" sz="2800" i="1">
-                            <a:latin typeface="Cambria Math" panose="02040503050406030204" pitchFamily="18" charset="0"/>
-                          </a:rPr>
-                        </m:ctrlPr>
-                      </m:sSubPr>
-                      <m:e>
-                        <m:r>
-                          <a:rPr lang="en-GB" sz="2800" i="1">
-                            <a:latin typeface="Cambria Math" panose="02040503050406030204" pitchFamily="18" charset="0"/>
-                          </a:rPr>
-                          <m:t>𝑀</m:t>
-                        </m:r>
-                      </m:e>
-                      <m:sub>
-                        <m:r>
-                          <a:rPr lang="en-GB" sz="2800" i="1">
-                            <a:latin typeface="Cambria Math" panose="02040503050406030204" pitchFamily="18" charset="0"/>
-                          </a:rPr>
-                          <m:t>𝑛</m:t>
-                        </m:r>
-                      </m:sub>
-                    </m:sSub>
-                    <m:r>
-                      <a:rPr lang="en-GB" sz="2800" b="0" i="1" smtClean="0">
-                        <a:latin typeface="Cambria Math" panose="02040503050406030204" pitchFamily="18" charset="0"/>
-                      </a:rPr>
-                      <m:t>−</m:t>
-                    </m:r>
-                    <m:r>
-                      <a:rPr lang="en-GB" sz="2800" i="1">
-                        <a:latin typeface="Cambria Math" panose="02040503050406030204" pitchFamily="18" charset="0"/>
-                        <a:ea typeface="Cambria Math" panose="02040503050406030204" pitchFamily="18" charset="0"/>
-                      </a:rPr>
-                      <m:t>𝜆</m:t>
-                    </m:r>
-                    <m:r>
-                      <a:rPr lang="en-GB" sz="2800">
-                        <a:latin typeface="Cambria Math" panose="02040503050406030204" pitchFamily="18" charset="0"/>
-                        <a:ea typeface="Cambria Math" panose="02040503050406030204" pitchFamily="18" charset="0"/>
-                      </a:rPr>
-                      <m:t>=0</m:t>
-                    </m:r>
-                    <m:r>
-                      <a:rPr lang="en-GB" sz="2800" i="1">
-                        <a:latin typeface="Cambria Math" panose="02040503050406030204" pitchFamily="18" charset="0"/>
-                        <a:ea typeface="Cambria Math" panose="02040503050406030204" pitchFamily="18" charset="0"/>
-                      </a:rPr>
-                      <m:t>⇒</m:t>
-                    </m:r>
-                    <m:sSub>
-                      <m:sSubPr>
-                        <m:ctrlPr>
-                          <a:rPr lang="en-GB" sz="2800" i="1">
-                            <a:latin typeface="Cambria Math" panose="02040503050406030204" pitchFamily="18" charset="0"/>
-                            <a:ea typeface="Cambria Math" panose="02040503050406030204" pitchFamily="18" charset="0"/>
-                          </a:rPr>
-                        </m:ctrlPr>
-                      </m:sSubPr>
-                      <m:e>
-                        <m:r>
-                          <a:rPr lang="en-GB" sz="2800" i="1">
-                            <a:latin typeface="Cambria Math" panose="02040503050406030204" pitchFamily="18" charset="0"/>
-                            <a:ea typeface="Cambria Math" panose="02040503050406030204" pitchFamily="18" charset="0"/>
-                          </a:rPr>
-                          <m:t>𝐶</m:t>
-                        </m:r>
-                      </m:e>
-                      <m:sub>
-                        <m:sSub>
-                          <m:sSubPr>
-                            <m:ctrlPr>
-                              <a:rPr lang="en-GB" sz="2800" i="1">
-                                <a:latin typeface="Cambria Math" panose="02040503050406030204" pitchFamily="18" charset="0"/>
-                                <a:ea typeface="Cambria Math" panose="02040503050406030204" pitchFamily="18" charset="0"/>
-                              </a:rPr>
-                            </m:ctrlPr>
-                          </m:sSubPr>
-                          <m:e>
-                            <m:r>
-                              <a:rPr lang="en-GB" sz="2800" i="1">
-                                <a:latin typeface="Cambria Math" panose="02040503050406030204" pitchFamily="18" charset="0"/>
-                                <a:ea typeface="Cambria Math" panose="02040503050406030204" pitchFamily="18" charset="0"/>
-                              </a:rPr>
-                              <m:t>𝑀</m:t>
-                            </m:r>
-                          </m:e>
-                          <m:sub>
-                            <m:r>
-                              <a:rPr lang="en-GB" sz="2800" i="1">
-                                <a:latin typeface="Cambria Math" panose="02040503050406030204" pitchFamily="18" charset="0"/>
-                                <a:ea typeface="Cambria Math" panose="02040503050406030204" pitchFamily="18" charset="0"/>
-                              </a:rPr>
-                              <m:t>𝑛</m:t>
-                            </m:r>
-                          </m:sub>
-                        </m:sSub>
-                      </m:sub>
-                    </m:sSub>
-                    <m:r>
-                      <a:rPr lang="en-GB" sz="2800" i="1">
-                        <a:latin typeface="Cambria Math" panose="02040503050406030204" pitchFamily="18" charset="0"/>
-                        <a:ea typeface="Cambria Math" panose="02040503050406030204" pitchFamily="18" charset="0"/>
-                      </a:rPr>
-                      <m:t>=</m:t>
-                    </m:r>
-                    <m:r>
-                      <a:rPr lang="en-GB" sz="2800" i="1">
-                        <a:latin typeface="Cambria Math" panose="02040503050406030204" pitchFamily="18" charset="0"/>
-                        <a:ea typeface="Cambria Math" panose="02040503050406030204" pitchFamily="18" charset="0"/>
-                      </a:rPr>
-                      <m:t>𝜆</m:t>
-                    </m:r>
-                    <m:r>
-                      <a:rPr lang="en-GB" sz="2800" i="1">
-                        <a:latin typeface="Cambria Math" panose="02040503050406030204" pitchFamily="18" charset="0"/>
-                        <a:ea typeface="Cambria Math" panose="02040503050406030204" pitchFamily="18" charset="0"/>
-                      </a:rPr>
-                      <m:t>∀</m:t>
-                    </m:r>
-                    <m:r>
-                      <a:rPr lang="en-GB" sz="2800" i="1">
-                        <a:latin typeface="Cambria Math" panose="02040503050406030204" pitchFamily="18" charset="0"/>
-                        <a:ea typeface="Cambria Math" panose="02040503050406030204" pitchFamily="18" charset="0"/>
-                      </a:rPr>
-                      <m:t>𝑛</m:t>
-                    </m:r>
-                  </m:oMath>
-                </a14:m>
-                <a:r>
-                  <a:rPr lang="en-GB" sz="2800" dirty="0"/>
-                  <a:t>	</a:t>
-                </a:r>
-              </a:p>
-            </p:txBody>
-          </p:sp>
-        </mc:Choice>
-        <mc:Fallback xmlns="">
-          <p:sp>
-            <p:nvSpPr>
-              <p:cNvPr id="12" name="TextBox 11"/>
-              <p:cNvSpPr txBox="1">
-                <a:spLocks noRot="1" noChangeAspect="1" noMove="1" noResize="1" noEditPoints="1" noAdjustHandles="1" noChangeArrowheads="1" noChangeShapeType="1" noTextEdit="1"/>
-              </p:cNvSpPr>
-              <p:nvPr/>
-            </p:nvSpPr>
-            <p:spPr>
-              <a:xfrm>
-                <a:off x="417016" y="4359243"/>
-                <a:ext cx="6463308" cy="686726"/>
-              </a:xfrm>
-              <a:prstGeom prst="rect">
-                <a:avLst/>
-              </a:prstGeom>
-              <a:blipFill rotWithShape="0">
-                <a:blip r:embed="rId5"/>
-                <a:stretch>
-                  <a:fillRect/>
-                </a:stretch>
-              </a:blipFill>
-            </p:spPr>
-            <p:txBody>
-              <a:bodyPr/>
-              <a:lstStyle/>
-              <a:p>
-                <a:r>
-                  <a:rPr lang="en-GB">
-                    <a:noFill/>
-                  </a:rPr>
-                  <a:t> </a:t>
-                </a:r>
-              </a:p>
-            </p:txBody>
-          </p:sp>
-        </mc:Fallback>
-      </mc:AlternateContent>
-      <p:pic>
-        <p:nvPicPr>
-          <p:cNvPr id="3" name="Picture 2"/>
-          <p:cNvPicPr>
-            <a:picLocks noChangeAspect="1"/>
-          </p:cNvPicPr>
-          <p:nvPr/>
-        </p:nvPicPr>
-        <p:blipFill>
-          <a:blip r:embed="rId6">
-            <a:extLst>
-              <a:ext uri="{28A0092B-C50C-407E-A947-70E740481C1C}">
-                <a14:useLocalDpi xmlns:a14="http://schemas.microsoft.com/office/drawing/2010/main" val="0"/>
-              </a:ext>
-            </a:extLst>
-          </a:blip>
-          <a:stretch>
-            <a:fillRect/>
-          </a:stretch>
-        </p:blipFill>
-        <p:spPr>
-          <a:xfrm>
-            <a:off x="6831926" y="84248"/>
-            <a:ext cx="2247596" cy="3124073"/>
-          </a:xfrm>
-          <a:prstGeom prst="rect">
-            <a:avLst/>
-          </a:prstGeom>
-        </p:spPr>
-      </p:pic>
-    </p:spTree>
   </p:cSld>
   <p:clrMapOvr>
     <a:masterClrMapping/>
@@ -13838,7 +14660,7 @@
       </p:grpSpPr>
       <p:sp>
         <p:nvSpPr>
-          <p:cNvPr id="5122" name="Rectangle 2"/>
+          <p:cNvPr id="4098" name="Rectangle 2"/>
           <p:cNvSpPr>
             <a:spLocks noGrp="1" noChangeArrowheads="1"/>
           </p:cNvSpPr>
@@ -13859,7 +14681,7 @@
             <a:pPr eaLnBrk="1" hangingPunct="1"/>
             <a:r>
               <a:rPr lang="de-DE" sz="3600" dirty="0"/>
-              <a:t>Instruments: Overview</a:t>
+              <a:t>Criteria</a:t>
             </a:r>
             <a:endParaRPr lang="en-GB" sz="3600" dirty="0"/>
           </a:p>
@@ -13867,7 +14689,7 @@
       </p:sp>
       <p:sp>
         <p:nvSpPr>
-          <p:cNvPr id="5123" name="Rectangle 3"/>
+          <p:cNvPr id="4099" name="Rectangle 3"/>
           <p:cNvSpPr>
             <a:spLocks noGrp="1" noChangeArrowheads="1"/>
           </p:cNvSpPr>
@@ -13877,192 +14699,78 @@
         </p:nvSpPr>
         <p:spPr>
           <a:xfrm>
-            <a:off x="685800" y="1143000"/>
-            <a:ext cx="7772400" cy="4876800"/>
+            <a:off x="685800" y="1295400"/>
+            <a:ext cx="7772400" cy="4114800"/>
           </a:xfrm>
         </p:spPr>
         <p:txBody>
           <a:bodyPr/>
           <a:lstStyle/>
           <a:p>
-            <a:pPr eaLnBrk="1" hangingPunct="1">
-              <a:lnSpc>
-                <a:spcPct val="90000"/>
-              </a:lnSpc>
-            </a:pPr>
-            <a:r>
-              <a:rPr lang="de-DE" sz="2000" dirty="0"/>
-              <a:t>Command and control / prescriptive instruments / direct regulation</a:t>
-            </a:r>
-          </a:p>
-          <a:p>
-            <a:pPr lvl="1" eaLnBrk="1" hangingPunct="1">
-              <a:lnSpc>
-                <a:spcPct val="90000"/>
-              </a:lnSpc>
-            </a:pPr>
-            <a:r>
-              <a:rPr lang="de-DE" sz="2000" dirty="0"/>
-              <a:t>Inputs, technology</a:t>
-            </a:r>
-          </a:p>
-          <a:p>
-            <a:pPr lvl="1" eaLnBrk="1" hangingPunct="1">
-              <a:lnSpc>
-                <a:spcPct val="90000"/>
-              </a:lnSpc>
-            </a:pPr>
-            <a:r>
-              <a:rPr lang="de-DE" sz="2000" dirty="0"/>
-              <a:t>Output (product, pollutant)</a:t>
-            </a:r>
-          </a:p>
-          <a:p>
-            <a:pPr lvl="1" eaLnBrk="1" hangingPunct="1">
-              <a:lnSpc>
-                <a:spcPct val="90000"/>
-              </a:lnSpc>
-            </a:pPr>
-            <a:r>
-              <a:rPr lang="de-DE" sz="2000" dirty="0"/>
-              <a:t>Location (source, individual)</a:t>
-            </a:r>
-          </a:p>
-          <a:p>
-            <a:pPr lvl="1" eaLnBrk="1" hangingPunct="1">
-              <a:lnSpc>
-                <a:spcPct val="90000"/>
-              </a:lnSpc>
-            </a:pPr>
-            <a:r>
-              <a:rPr lang="de-DE" sz="2000" dirty="0"/>
-              <a:t>Timing</a:t>
-            </a:r>
-          </a:p>
-          <a:p>
-            <a:pPr lvl="1" eaLnBrk="1" hangingPunct="1">
-              <a:lnSpc>
-                <a:spcPct val="90000"/>
-              </a:lnSpc>
-            </a:pPr>
-            <a:r>
-              <a:rPr lang="de-DE" sz="2000" dirty="0"/>
-              <a:t>Prohibition</a:t>
-            </a:r>
-          </a:p>
-          <a:p>
-            <a:pPr eaLnBrk="1" hangingPunct="1">
-              <a:lnSpc>
-                <a:spcPct val="90000"/>
-              </a:lnSpc>
-            </a:pPr>
-            <a:r>
-              <a:rPr lang="de-DE" sz="2000" dirty="0"/>
-              <a:t>Market-based / incentive-conform instruments</a:t>
-            </a:r>
-          </a:p>
-          <a:p>
-            <a:pPr lvl="1" eaLnBrk="1" hangingPunct="1">
-              <a:lnSpc>
-                <a:spcPct val="90000"/>
-              </a:lnSpc>
-            </a:pPr>
-            <a:r>
-              <a:rPr lang="de-DE" sz="2000" dirty="0"/>
-              <a:t>Taxes (inputs, outputs)</a:t>
-            </a:r>
-          </a:p>
-          <a:p>
-            <a:pPr lvl="1" eaLnBrk="1" hangingPunct="1">
-              <a:lnSpc>
-                <a:spcPct val="90000"/>
-              </a:lnSpc>
-            </a:pPr>
-            <a:r>
-              <a:rPr lang="de-DE" sz="2000" dirty="0"/>
-              <a:t>Subsidies</a:t>
-            </a:r>
-          </a:p>
-          <a:p>
-            <a:pPr lvl="1" eaLnBrk="1" hangingPunct="1">
-              <a:lnSpc>
-                <a:spcPct val="90000"/>
-              </a:lnSpc>
-            </a:pPr>
-            <a:r>
-              <a:rPr lang="de-DE" sz="2000" dirty="0"/>
-              <a:t>Tradeable permits</a:t>
-            </a:r>
-          </a:p>
-          <a:p>
-            <a:pPr eaLnBrk="1" hangingPunct="1">
-              <a:lnSpc>
-                <a:spcPct val="90000"/>
-              </a:lnSpc>
-            </a:pPr>
-            <a:r>
-              <a:rPr lang="de-DE" sz="2000" dirty="0"/>
-              <a:t>Institutional </a:t>
-            </a:r>
-          </a:p>
-          <a:p>
-            <a:pPr lvl="1" eaLnBrk="1" hangingPunct="1">
-              <a:lnSpc>
-                <a:spcPct val="90000"/>
-              </a:lnSpc>
-            </a:pPr>
-            <a:r>
-              <a:rPr lang="de-DE" sz="2000" dirty="0"/>
-              <a:t>Bargaining</a:t>
-            </a:r>
-          </a:p>
-          <a:p>
-            <a:pPr lvl="1" eaLnBrk="1" hangingPunct="1">
-              <a:lnSpc>
-                <a:spcPct val="90000"/>
-              </a:lnSpc>
-            </a:pPr>
-            <a:r>
-              <a:rPr lang="de-DE" sz="2000" dirty="0"/>
-              <a:t>Legal redress</a:t>
-            </a:r>
-          </a:p>
-          <a:p>
-            <a:pPr lvl="1" eaLnBrk="1" hangingPunct="1">
-              <a:lnSpc>
-                <a:spcPct val="90000"/>
-              </a:lnSpc>
-            </a:pPr>
-            <a:r>
-              <a:rPr lang="de-DE" sz="2000" dirty="0"/>
-              <a:t>Information, awareness, responsibility</a:t>
-            </a:r>
-          </a:p>
-          <a:p>
-            <a:pPr lvl="1" eaLnBrk="1" hangingPunct="1">
-              <a:lnSpc>
-                <a:spcPct val="90000"/>
-              </a:lnSpc>
-            </a:pPr>
-            <a:r>
-              <a:rPr lang="de-DE" sz="2000" dirty="0"/>
-              <a:t>Property rights</a:t>
-            </a:r>
-          </a:p>
-          <a:p>
-            <a:pPr lvl="1" eaLnBrk="1" hangingPunct="1">
-              <a:lnSpc>
-                <a:spcPct val="90000"/>
-              </a:lnSpc>
-            </a:pPr>
-            <a:r>
-              <a:rPr lang="de-DE" sz="2000" dirty="0"/>
-              <a:t>Voluntary agreements</a:t>
+            <a:pPr eaLnBrk="1" hangingPunct="1"/>
+            <a:r>
+              <a:rPr lang="de-DE" sz="2800" dirty="0"/>
+              <a:t>Cost-effectiveness</a:t>
+            </a:r>
+          </a:p>
+          <a:p>
+            <a:pPr eaLnBrk="1" hangingPunct="1"/>
+            <a:r>
+              <a:rPr lang="de-DE" sz="2800" dirty="0"/>
+              <a:t>Administrative costs</a:t>
+            </a:r>
+          </a:p>
+          <a:p>
+            <a:pPr lvl="1" eaLnBrk="1" hangingPunct="1"/>
+            <a:r>
+              <a:rPr lang="de-DE" sz="2400" dirty="0"/>
+              <a:t>Information requirements</a:t>
+            </a:r>
+            <a:endParaRPr lang="de-DE" sz="2800" dirty="0"/>
+          </a:p>
+          <a:p>
+            <a:pPr eaLnBrk="1" hangingPunct="1"/>
+            <a:r>
+              <a:rPr lang="de-DE" sz="2800" dirty="0"/>
+              <a:t>Environmental effectiveness</a:t>
+            </a:r>
+          </a:p>
+          <a:p>
+            <a:pPr lvl="1" eaLnBrk="1" hangingPunct="1"/>
+            <a:r>
+              <a:rPr lang="de-DE" sz="2400" dirty="0"/>
+              <a:t>Enforceability</a:t>
+            </a:r>
+          </a:p>
+          <a:p>
+            <a:pPr eaLnBrk="1" hangingPunct="1"/>
+            <a:r>
+              <a:rPr lang="de-DE" sz="2800" dirty="0"/>
+              <a:t>Long-run effects and dynamic efficiency</a:t>
+            </a:r>
+          </a:p>
+          <a:p>
+            <a:pPr eaLnBrk="1" hangingPunct="1"/>
+            <a:r>
+              <a:rPr lang="de-DE" sz="2800" dirty="0"/>
+              <a:t>Flexibility and uncertainty</a:t>
+            </a:r>
+          </a:p>
+          <a:p>
+            <a:pPr eaLnBrk="1" hangingPunct="1"/>
+            <a:r>
+              <a:rPr lang="de-DE" sz="2800" dirty="0"/>
+              <a:t>Equity</a:t>
             </a:r>
           </a:p>
         </p:txBody>
       </p:sp>
     </p:spTree>
+    <p:extLst>
+      <p:ext uri="{BB962C8B-B14F-4D97-AF65-F5344CB8AC3E}">
+        <p14:creationId xmlns:p14="http://schemas.microsoft.com/office/powerpoint/2010/main" val="1659811088"/>
+      </p:ext>
+    </p:extLst>
   </p:cSld>
   <p:clrMapOvr>
     <a:masterClrMapping/>
@@ -14071,6 +14779,145 @@
 </file>
 
 <file path=ppt/slides/slide8.xml><?xml version="1.0" encoding="utf-8"?>
+<p:sld xmlns:a="http://schemas.openxmlformats.org/drawingml/2006/main" xmlns:r="http://schemas.openxmlformats.org/officeDocument/2006/relationships" xmlns:p="http://schemas.openxmlformats.org/presentationml/2006/main">
+  <p:cSld>
+    <p:spTree>
+      <p:nvGrpSpPr>
+        <p:cNvPr id="1" name=""/>
+        <p:cNvGrpSpPr/>
+        <p:nvPr/>
+      </p:nvGrpSpPr>
+      <p:grpSpPr>
+        <a:xfrm>
+          <a:off x="0" y="0"/>
+          <a:ext cx="0" cy="0"/>
+          <a:chOff x="0" y="0"/>
+          <a:chExt cx="0" cy="0"/>
+        </a:xfrm>
+      </p:grpSpPr>
+      <p:sp>
+        <p:nvSpPr>
+          <p:cNvPr id="3074" name="Rectangle 2"/>
+          <p:cNvSpPr>
+            <a:spLocks noGrp="1" noChangeArrowheads="1"/>
+          </p:cNvSpPr>
+          <p:nvPr>
+            <p:ph type="title"/>
+          </p:nvPr>
+        </p:nvSpPr>
+        <p:spPr>
+          <a:xfrm>
+            <a:off x="659855" y="152400"/>
+            <a:ext cx="7772400" cy="1143000"/>
+          </a:xfrm>
+        </p:spPr>
+        <p:txBody>
+          <a:bodyPr/>
+          <a:lstStyle/>
+          <a:p>
+            <a:pPr eaLnBrk="1" hangingPunct="1"/>
+            <a:r>
+              <a:rPr lang="de-DE" sz="4000" dirty="0"/>
+              <a:t>Policy Instruments</a:t>
+            </a:r>
+            <a:endParaRPr lang="en-GB" sz="4000" dirty="0"/>
+          </a:p>
+        </p:txBody>
+      </p:sp>
+      <p:sp>
+        <p:nvSpPr>
+          <p:cNvPr id="3075" name="Rectangle 3"/>
+          <p:cNvSpPr>
+            <a:spLocks noGrp="1" noChangeArrowheads="1"/>
+          </p:cNvSpPr>
+          <p:nvPr>
+            <p:ph type="body" idx="1"/>
+          </p:nvPr>
+        </p:nvSpPr>
+        <p:spPr/>
+        <p:txBody>
+          <a:bodyPr/>
+          <a:lstStyle/>
+          <a:p>
+            <a:pPr eaLnBrk="1" hangingPunct="1"/>
+            <a:r>
+              <a:rPr lang="de-DE" dirty="0"/>
+              <a:t>Introduction</a:t>
+            </a:r>
+          </a:p>
+          <a:p>
+            <a:pPr eaLnBrk="1" hangingPunct="1"/>
+            <a:r>
+              <a:rPr lang="de-DE" b="1" dirty="0"/>
+              <a:t>Direct regulation</a:t>
+            </a:r>
+          </a:p>
+          <a:p>
+            <a:pPr eaLnBrk="1" hangingPunct="1"/>
+            <a:r>
+              <a:rPr lang="de-DE" dirty="0"/>
+              <a:t>Voluntary agreements</a:t>
+            </a:r>
+          </a:p>
+          <a:p>
+            <a:pPr eaLnBrk="1" hangingPunct="1"/>
+            <a:r>
+              <a:rPr lang="de-DE" dirty="0"/>
+              <a:t>Coasian bargaining</a:t>
+            </a:r>
+          </a:p>
+        </p:txBody>
+      </p:sp>
+      <p:pic>
+        <p:nvPicPr>
+          <p:cNvPr id="3" name="Picture 2" descr="A close up of a person&#10;&#10;Description automatically generated">
+            <a:extLst>
+              <a:ext uri="{FF2B5EF4-FFF2-40B4-BE49-F238E27FC236}">
+                <a16:creationId xmlns:a16="http://schemas.microsoft.com/office/drawing/2014/main" id="{67F02B0D-124E-4496-8C9F-509C014AD355}"/>
+              </a:ext>
+            </a:extLst>
+          </p:cNvPr>
+          <p:cNvPicPr>
+            <a:picLocks noChangeAspect="1"/>
+          </p:cNvPicPr>
+          <p:nvPr/>
+        </p:nvPicPr>
+        <p:blipFill>
+          <a:blip r:embed="rId2">
+            <a:extLst>
+              <a:ext uri="{28A0092B-C50C-407E-A947-70E740481C1C}">
+                <a14:useLocalDpi xmlns:a14="http://schemas.microsoft.com/office/drawing/2010/main" val="0"/>
+              </a:ext>
+            </a:extLst>
+          </a:blip>
+          <a:stretch>
+            <a:fillRect/>
+          </a:stretch>
+        </p:blipFill>
+        <p:spPr>
+          <a:xfrm>
+            <a:off x="4296795" y="3962400"/>
+            <a:ext cx="4842289" cy="2773311"/>
+          </a:xfrm>
+          <a:prstGeom prst="rect">
+            <a:avLst/>
+          </a:prstGeom>
+        </p:spPr>
+      </p:pic>
+    </p:spTree>
+    <p:extLst>
+      <p:ext uri="{BB962C8B-B14F-4D97-AF65-F5344CB8AC3E}">
+        <p14:creationId xmlns:p14="http://schemas.microsoft.com/office/powerpoint/2010/main" val="2136931297"/>
+      </p:ext>
+    </p:extLst>
+  </p:cSld>
+  <p:clrMapOvr>
+    <a:masterClrMapping/>
+  </p:clrMapOvr>
+</p:sld>
+</file>
+
+<file path=ppt/slides/slide9.xml><?xml version="1.0" encoding="utf-8"?>
 <p:sld xmlns:a="http://schemas.openxmlformats.org/drawingml/2006/main" xmlns:r="http://schemas.openxmlformats.org/officeDocument/2006/relationships" xmlns:p="http://schemas.openxmlformats.org/presentationml/2006/main">
   <p:cSld>
     <p:spTree>
@@ -14139,14 +14986,14 @@
             <a:pPr eaLnBrk="1" hangingPunct="1"/>
             <a:r>
               <a:rPr lang="de-DE" sz="2800" dirty="0"/>
-              <a:t>aka Command and control</a:t>
+              <a:t>Prescriptive instruments, command and control</a:t>
             </a:r>
           </a:p>
           <a:p>
             <a:pPr eaLnBrk="1" hangingPunct="1"/>
             <a:r>
               <a:rPr lang="de-DE" sz="2800" dirty="0"/>
-              <a:t>It is the most common form of environmental regulation, reflecting a natural science frame of mind, and highly successful in past management of point sources of toxics</a:t>
+              <a:t>It is the most common form of environmental regulation, reflecting a natural science and legal frame of mind, and highly successful in past management of point sources of toxics</a:t>
             </a:r>
           </a:p>
           <a:p>
@@ -14168,215 +15015,6 @@
             <a:r>
               <a:rPr lang="de-DE" sz="2800" dirty="0"/>
               <a:t>Requires homogenous producers </a:t>
-            </a:r>
-          </a:p>
-        </p:txBody>
-      </p:sp>
-    </p:spTree>
-  </p:cSld>
-  <p:clrMapOvr>
-    <a:masterClrMapping/>
-  </p:clrMapOvr>
-</p:sld>
-</file>
-
-<file path=ppt/slides/slide9.xml><?xml version="1.0" encoding="utf-8"?>
-<p:sld xmlns:a="http://schemas.openxmlformats.org/drawingml/2006/main" xmlns:r="http://schemas.openxmlformats.org/officeDocument/2006/relationships" xmlns:p="http://schemas.openxmlformats.org/presentationml/2006/main">
-  <p:cSld>
-    <p:spTree>
-      <p:nvGrpSpPr>
-        <p:cNvPr id="1" name=""/>
-        <p:cNvGrpSpPr/>
-        <p:nvPr/>
-      </p:nvGrpSpPr>
-      <p:grpSpPr>
-        <a:xfrm>
-          <a:off x="0" y="0"/>
-          <a:ext cx="0" cy="0"/>
-          <a:chOff x="0" y="0"/>
-          <a:chExt cx="0" cy="0"/>
-        </a:xfrm>
-      </p:grpSpPr>
-      <p:sp>
-        <p:nvSpPr>
-          <p:cNvPr id="6146" name="Rectangle 2"/>
-          <p:cNvSpPr>
-            <a:spLocks noGrp="1" noChangeArrowheads="1"/>
-          </p:cNvSpPr>
-          <p:nvPr>
-            <p:ph type="title"/>
-          </p:nvPr>
-        </p:nvSpPr>
-        <p:spPr>
-          <a:xfrm>
-            <a:off x="684213" y="0"/>
-            <a:ext cx="7772400" cy="1143000"/>
-          </a:xfrm>
-        </p:spPr>
-        <p:txBody>
-          <a:bodyPr/>
-          <a:lstStyle/>
-          <a:p>
-            <a:pPr eaLnBrk="1" hangingPunct="1"/>
-            <a:r>
-              <a:rPr lang="de-DE" sz="3600" dirty="0">
-                <a:latin typeface="Candara" panose="020E0502030303020204" pitchFamily="34" charset="0"/>
-              </a:rPr>
-              <a:t>Types of Direct Regulation</a:t>
-            </a:r>
-            <a:endParaRPr lang="en-GB" sz="3600" dirty="0">
-              <a:latin typeface="Candara" panose="020E0502030303020204" pitchFamily="34" charset="0"/>
-            </a:endParaRPr>
-          </a:p>
-        </p:txBody>
-      </p:sp>
-      <p:sp>
-        <p:nvSpPr>
-          <p:cNvPr id="6147" name="Rectangle 3"/>
-          <p:cNvSpPr>
-            <a:spLocks noGrp="1" noChangeArrowheads="1"/>
-          </p:cNvSpPr>
-          <p:nvPr>
-            <p:ph type="body" idx="1"/>
-          </p:nvPr>
-        </p:nvSpPr>
-        <p:spPr>
-          <a:xfrm>
-            <a:off x="684213" y="1052513"/>
-            <a:ext cx="7772400" cy="4572000"/>
-          </a:xfrm>
-        </p:spPr>
-        <p:txBody>
-          <a:bodyPr/>
-          <a:lstStyle/>
-          <a:p>
-            <a:pPr eaLnBrk="1" hangingPunct="1">
-              <a:lnSpc>
-                <a:spcPct val="90000"/>
-              </a:lnSpc>
-            </a:pPr>
-            <a:r>
-              <a:rPr lang="de-DE" sz="2400" dirty="0">
-                <a:latin typeface="Candara" panose="020E0502030303020204" pitchFamily="34" charset="0"/>
-              </a:rPr>
-              <a:t>Inputs, e.g., fuel efficiency</a:t>
-            </a:r>
-          </a:p>
-          <a:p>
-            <a:pPr eaLnBrk="1" hangingPunct="1">
-              <a:lnSpc>
-                <a:spcPct val="90000"/>
-              </a:lnSpc>
-            </a:pPr>
-            <a:r>
-              <a:rPr lang="de-DE" sz="2400" dirty="0">
-                <a:latin typeface="Candara" panose="020E0502030303020204" pitchFamily="34" charset="0"/>
-              </a:rPr>
-              <a:t>Technology, e.g., catalytic convertors</a:t>
-            </a:r>
-          </a:p>
-          <a:p>
-            <a:pPr lvl="1" eaLnBrk="1" hangingPunct="1">
-              <a:lnSpc>
-                <a:spcPct val="90000"/>
-              </a:lnSpc>
-            </a:pPr>
-            <a:r>
-              <a:rPr lang="de-DE" sz="2400" dirty="0">
-                <a:latin typeface="Candara" panose="020E0502030303020204" pitchFamily="34" charset="0"/>
-              </a:rPr>
-              <a:t>Best practible means</a:t>
-            </a:r>
-          </a:p>
-          <a:p>
-            <a:pPr lvl="1" eaLnBrk="1" hangingPunct="1">
-              <a:lnSpc>
-                <a:spcPct val="90000"/>
-              </a:lnSpc>
-            </a:pPr>
-            <a:r>
-              <a:rPr lang="de-DE" sz="2400" dirty="0">
-                <a:latin typeface="Candara" panose="020E0502030303020204" pitchFamily="34" charset="0"/>
-              </a:rPr>
-              <a:t>Best available technology (not exceeding excessive costs)</a:t>
-            </a:r>
-          </a:p>
-          <a:p>
-            <a:pPr eaLnBrk="1" hangingPunct="1">
-              <a:lnSpc>
-                <a:spcPct val="90000"/>
-              </a:lnSpc>
-            </a:pPr>
-            <a:r>
-              <a:rPr lang="de-DE" sz="2600" dirty="0">
-                <a:latin typeface="Candara" panose="020E0502030303020204" pitchFamily="34" charset="0"/>
-              </a:rPr>
-              <a:t>Outputs</a:t>
-            </a:r>
-          </a:p>
-          <a:p>
-            <a:pPr lvl="1" eaLnBrk="1" hangingPunct="1">
-              <a:lnSpc>
-                <a:spcPct val="90000"/>
-              </a:lnSpc>
-            </a:pPr>
-            <a:r>
-              <a:rPr lang="de-DE" sz="2400" dirty="0">
-                <a:latin typeface="Candara" panose="020E0502030303020204" pitchFamily="34" charset="0"/>
-              </a:rPr>
-              <a:t>Products, e.g., carcinogenic toys</a:t>
-            </a:r>
-          </a:p>
-          <a:p>
-            <a:pPr lvl="1" eaLnBrk="1" hangingPunct="1">
-              <a:lnSpc>
-                <a:spcPct val="90000"/>
-              </a:lnSpc>
-            </a:pPr>
-            <a:r>
-              <a:rPr lang="de-DE" sz="2400" dirty="0">
-                <a:latin typeface="Candara" panose="020E0502030303020204" pitchFamily="34" charset="0"/>
-              </a:rPr>
-              <a:t>Waste, e.g., sulphur emissions</a:t>
-            </a:r>
-          </a:p>
-          <a:p>
-            <a:pPr eaLnBrk="1" hangingPunct="1">
-              <a:lnSpc>
-                <a:spcPct val="90000"/>
-              </a:lnSpc>
-            </a:pPr>
-            <a:r>
-              <a:rPr lang="de-DE" sz="2600" dirty="0">
-                <a:latin typeface="Candara" panose="020E0502030303020204" pitchFamily="34" charset="0"/>
-              </a:rPr>
-              <a:t>Timing, e.g., air traffic</a:t>
-            </a:r>
-          </a:p>
-          <a:p>
-            <a:pPr eaLnBrk="1" hangingPunct="1">
-              <a:lnSpc>
-                <a:spcPct val="90000"/>
-              </a:lnSpc>
-            </a:pPr>
-            <a:r>
-              <a:rPr lang="de-DE" sz="2600" dirty="0">
-                <a:latin typeface="Candara" panose="020E0502030303020204" pitchFamily="34" charset="0"/>
-              </a:rPr>
-              <a:t>Location, e.g., nature reserves</a:t>
-            </a:r>
-          </a:p>
-          <a:p>
-            <a:pPr eaLnBrk="1" hangingPunct="1">
-              <a:lnSpc>
-                <a:spcPct val="90000"/>
-              </a:lnSpc>
-            </a:pPr>
-            <a:r>
-              <a:rPr lang="de-DE" sz="2600" dirty="0">
-                <a:latin typeface="Candara" panose="020E0502030303020204" pitchFamily="34" charset="0"/>
-              </a:rPr>
-              <a:t>Prohibition, e.g., CFCs</a:t>
             </a:r>
           </a:p>
         </p:txBody>
